--- a/Module-1.pptx
+++ b/Module-1.pptx
@@ -5,7 +5,7 @@
     <p:sldMasterId id="2147483648" r:id="rId1"/>
   </p:sldMasterIdLst>
   <p:notesMasterIdLst>
-    <p:notesMasterId r:id="rId40"/>
+    <p:notesMasterId r:id="rId46"/>
   </p:notesMasterIdLst>
   <p:sldIdLst>
     <p:sldId id="256" r:id="rId2"/>
@@ -27,25 +27,31 @@
     <p:sldId id="291" r:id="rId18"/>
     <p:sldId id="292" r:id="rId19"/>
     <p:sldId id="293" r:id="rId20"/>
-    <p:sldId id="286" r:id="rId21"/>
-    <p:sldId id="287" r:id="rId22"/>
-    <p:sldId id="261" r:id="rId23"/>
-    <p:sldId id="288" r:id="rId24"/>
-    <p:sldId id="269" r:id="rId25"/>
-    <p:sldId id="273" r:id="rId26"/>
-    <p:sldId id="270" r:id="rId27"/>
-    <p:sldId id="271" r:id="rId28"/>
-    <p:sldId id="272" r:id="rId29"/>
-    <p:sldId id="274" r:id="rId30"/>
-    <p:sldId id="275" r:id="rId31"/>
-    <p:sldId id="277" r:id="rId32"/>
-    <p:sldId id="278" r:id="rId33"/>
-    <p:sldId id="282" r:id="rId34"/>
-    <p:sldId id="283" r:id="rId35"/>
-    <p:sldId id="284" r:id="rId36"/>
-    <p:sldId id="281" r:id="rId37"/>
-    <p:sldId id="276" r:id="rId38"/>
-    <p:sldId id="285" r:id="rId39"/>
+    <p:sldId id="294" r:id="rId21"/>
+    <p:sldId id="295" r:id="rId22"/>
+    <p:sldId id="296" r:id="rId23"/>
+    <p:sldId id="297" r:id="rId24"/>
+    <p:sldId id="298" r:id="rId25"/>
+    <p:sldId id="299" r:id="rId26"/>
+    <p:sldId id="286" r:id="rId27"/>
+    <p:sldId id="287" r:id="rId28"/>
+    <p:sldId id="261" r:id="rId29"/>
+    <p:sldId id="288" r:id="rId30"/>
+    <p:sldId id="269" r:id="rId31"/>
+    <p:sldId id="273" r:id="rId32"/>
+    <p:sldId id="270" r:id="rId33"/>
+    <p:sldId id="271" r:id="rId34"/>
+    <p:sldId id="272" r:id="rId35"/>
+    <p:sldId id="274" r:id="rId36"/>
+    <p:sldId id="275" r:id="rId37"/>
+    <p:sldId id="277" r:id="rId38"/>
+    <p:sldId id="278" r:id="rId39"/>
+    <p:sldId id="282" r:id="rId40"/>
+    <p:sldId id="283" r:id="rId41"/>
+    <p:sldId id="284" r:id="rId42"/>
+    <p:sldId id="281" r:id="rId43"/>
+    <p:sldId id="276" r:id="rId44"/>
+    <p:sldId id="285" r:id="rId45"/>
   </p:sldIdLst>
   <p:sldSz cx="12192000" cy="6858000"/>
   <p:notesSz cx="6858000" cy="9144000"/>
@@ -18698,7 +18704,7 @@
           <a:p>
             <a:fld id="{F7BB56FD-A76F-4067-B964-427B6BC5DD9F}" type="slidenum">
               <a:rPr lang="en-IN" smtClean="0"/>
-              <a:t>22</a:t>
+              <a:t>28</a:t>
             </a:fld>
             <a:endParaRPr lang="en-IN"/>
           </a:p>
@@ -32219,7 +32225,7 @@
         <p:spPr>
           <a:xfrm>
             <a:off x="1132764" y="1965278"/>
-            <a:ext cx="10017457" cy="3139321"/>
+            <a:ext cx="10017457" cy="3693319"/>
           </a:xfrm>
           <a:prstGeom prst="rect">
             <a:avLst/>
@@ -32232,42 +32238,61 @@
           </a:bodyPr>
           <a:lstStyle/>
           <a:p>
+            <a:pPr algn="just"/>
             <a:r>
               <a:rPr lang="en-US" dirty="0"/>
               <a:t>In a similar way in Internet also delivery of packets happens in a hierarchical way.</a:t>
             </a:r>
           </a:p>
           <a:p>
+            <a:pPr algn="just"/>
             <a:r>
               <a:rPr lang="en-US" dirty="0"/>
               <a:t>It the logical address (IP Address) given by network helps for that.</a:t>
             </a:r>
           </a:p>
           <a:p>
+            <a:pPr algn="just"/>
             <a:endParaRPr lang="en-US" dirty="0"/>
           </a:p>
           <a:p>
+            <a:pPr algn="just"/>
             <a:r>
               <a:rPr lang="en-US" dirty="0"/>
               <a:t>It is not possible to address every computer using physical address. It is like addressing a letter using longitude or latitude. Or trying to track a vehicle using its engine number. When street address is used that problem is solved Exact the same thing happens with IP address. Too.</a:t>
             </a:r>
           </a:p>
           <a:p>
+            <a:pPr algn="just"/>
             <a:endParaRPr lang="en-US" dirty="0"/>
           </a:p>
           <a:p>
+            <a:pPr algn="just"/>
             <a:r>
               <a:rPr lang="en-US" dirty="0"/>
               <a:t>IP address is just a number which is 32 bit wide. That mean we can have 2 ^ 32 IP Address in the world. </a:t>
             </a:r>
           </a:p>
           <a:p>
+            <a:pPr algn="just"/>
             <a:r>
               <a:rPr lang="en-US" dirty="0"/>
-              <a:t>Which means we can only have  4,29,49,67,296 IP address or only that many computers connected to internet. Today we have much more computers that this number connected to Internet. How does that happen </a:t>
+              <a:t>Which means we can only have  4,29,49,67,296 IP address or only that many computers connected to internet. Today we have much more computers that this number connected to Internet. How does that happen</a:t>
             </a:r>
           </a:p>
           <a:p>
+            <a:pPr algn="just"/>
+            <a:endParaRPr lang="en-US" dirty="0"/>
+          </a:p>
+          <a:p>
+            <a:pPr algn="just"/>
+            <a:r>
+              <a:rPr lang="en-US" dirty="0"/>
+              <a:t>We will discuss this when we talk about NAT. </a:t>
+            </a:r>
+          </a:p>
+          <a:p>
+            <a:pPr algn="just"/>
             <a:endParaRPr lang="en-IN" dirty="0"/>
           </a:p>
         </p:txBody>
@@ -32367,8 +32392,8 @@
         </p:blipFill>
         <p:spPr bwMode="auto">
           <a:xfrm>
-            <a:off x="9479388" y="72608"/>
-            <a:ext cx="1571199" cy="1571199"/>
+            <a:off x="10339197" y="618518"/>
+            <a:ext cx="1145619" cy="1145619"/>
           </a:xfrm>
           <a:prstGeom prst="rect">
             <a:avLst/>
@@ -32385,6 +32410,154 @@
           </a:extLst>
         </p:spPr>
       </p:pic>
+      <p:sp>
+        <p:nvSpPr>
+          <p:cNvPr id="6" name="TextBox 5">
+            <a:extLst>
+              <a:ext uri="{FF2B5EF4-FFF2-40B4-BE49-F238E27FC236}">
+                <a16:creationId xmlns:a16="http://schemas.microsoft.com/office/drawing/2014/main" id="{EA8F7DA3-562E-4336-BDD0-EC813744F28D}"/>
+              </a:ext>
+            </a:extLst>
+          </p:cNvPr>
+          <p:cNvSpPr txBox="1"/>
+          <p:nvPr/>
+        </p:nvSpPr>
+        <p:spPr>
+          <a:xfrm>
+            <a:off x="1826301" y="2167678"/>
+            <a:ext cx="6100548" cy="2031325"/>
+          </a:xfrm>
+          <a:prstGeom prst="rect">
+            <a:avLst/>
+          </a:prstGeom>
+          <a:noFill/>
+          <a:ln>
+            <a:solidFill>
+              <a:schemeClr val="accent1">
+                <a:tint val="40000"/>
+                <a:hueOff val="0"/>
+                <a:satOff val="0"/>
+                <a:lumOff val="0"/>
+              </a:schemeClr>
+            </a:solidFill>
+          </a:ln>
+        </p:spPr>
+        <p:txBody>
+          <a:bodyPr wrap="square">
+            <a:spAutoFit/>
+          </a:bodyPr>
+          <a:lstStyle/>
+          <a:p>
+            <a:r>
+              <a:rPr lang="en-US" dirty="0"/>
+              <a:t>Open a command prompt or power shell on your windows computer</a:t>
+            </a:r>
+          </a:p>
+          <a:p>
+            <a:r>
+              <a:rPr lang="en-US" dirty="0"/>
+              <a:t>In case you are using Linux open terminal window </a:t>
+            </a:r>
+          </a:p>
+          <a:p>
+            <a:endParaRPr lang="en-US" dirty="0"/>
+          </a:p>
+          <a:p>
+            <a:r>
+              <a:rPr lang="en-US" dirty="0"/>
+              <a:t>Now </a:t>
+            </a:r>
+          </a:p>
+          <a:p>
+            <a:r>
+              <a:rPr lang="en-US" dirty="0"/>
+              <a:t>C:&gt; ipconfig (On Windows)</a:t>
+            </a:r>
+            <a:endParaRPr lang="en-IN" dirty="0"/>
+          </a:p>
+          <a:p>
+            <a:r>
+              <a:rPr lang="en-IN" dirty="0"/>
+              <a:t>$ ifconfig (On Linux) </a:t>
+            </a:r>
+            <a:endParaRPr lang="en-US" dirty="0"/>
+          </a:p>
+        </p:txBody>
+      </p:sp>
+      <p:sp>
+        <p:nvSpPr>
+          <p:cNvPr id="8" name="TextBox 7">
+            <a:extLst>
+              <a:ext uri="{FF2B5EF4-FFF2-40B4-BE49-F238E27FC236}">
+                <a16:creationId xmlns:a16="http://schemas.microsoft.com/office/drawing/2014/main" id="{57E8EDCC-B6BD-493E-AAC2-19A1289E505C}"/>
+              </a:ext>
+            </a:extLst>
+          </p:cNvPr>
+          <p:cNvSpPr txBox="1"/>
+          <p:nvPr/>
+        </p:nvSpPr>
+        <p:spPr>
+          <a:xfrm>
+            <a:off x="1826301" y="4360460"/>
+            <a:ext cx="6100548" cy="2031325"/>
+          </a:xfrm>
+          <a:prstGeom prst="rect">
+            <a:avLst/>
+          </a:prstGeom>
+          <a:noFill/>
+          <a:ln>
+            <a:solidFill>
+              <a:schemeClr val="accent1">
+                <a:tint val="40000"/>
+                <a:hueOff val="0"/>
+                <a:satOff val="0"/>
+                <a:lumOff val="0"/>
+              </a:schemeClr>
+            </a:solidFill>
+          </a:ln>
+        </p:spPr>
+        <p:txBody>
+          <a:bodyPr wrap="square">
+            <a:spAutoFit/>
+          </a:bodyPr>
+          <a:lstStyle/>
+          <a:p>
+            <a:r>
+              <a:rPr lang="en-US" dirty="0"/>
+              <a:t>Open a command prompt or power shell on your windows computer</a:t>
+            </a:r>
+          </a:p>
+          <a:p>
+            <a:r>
+              <a:rPr lang="en-US" dirty="0"/>
+              <a:t>In case you are using Linux open terminal window </a:t>
+            </a:r>
+          </a:p>
+          <a:p>
+            <a:endParaRPr lang="en-US" dirty="0"/>
+          </a:p>
+          <a:p>
+            <a:r>
+              <a:rPr lang="en-US" dirty="0"/>
+              <a:t>Now </a:t>
+            </a:r>
+          </a:p>
+          <a:p>
+            <a:r>
+              <a:rPr lang="en-US" dirty="0"/>
+              <a:t>C:&gt; ipconfig /all (On Windows)</a:t>
+            </a:r>
+            <a:endParaRPr lang="en-IN" dirty="0"/>
+          </a:p>
+          <a:p>
+            <a:r>
+              <a:rPr lang="en-IN" dirty="0"/>
+              <a:t>$ ifconfig (On Linux) </a:t>
+            </a:r>
+            <a:endParaRPr lang="en-US" dirty="0"/>
+          </a:p>
+        </p:txBody>
+      </p:sp>
     </p:spTree>
     <p:extLst>
       <p:ext uri="{BB962C8B-B14F-4D97-AF65-F5344CB8AC3E}">
@@ -32599,6 +32772,934 @@
           <a:chExt cx="0" cy="0"/>
         </a:xfrm>
       </p:grpSpPr>
+      <p:pic>
+        <p:nvPicPr>
+          <p:cNvPr id="2" name="Picture 1">
+            <a:extLst>
+              <a:ext uri="{FF2B5EF4-FFF2-40B4-BE49-F238E27FC236}">
+                <a16:creationId xmlns:a16="http://schemas.microsoft.com/office/drawing/2014/main" id="{741C9329-7A0F-4D49-82DD-8D9563519D75}"/>
+              </a:ext>
+            </a:extLst>
+          </p:cNvPr>
+          <p:cNvPicPr>
+            <a:picLocks noChangeAspect="1"/>
+          </p:cNvPicPr>
+          <p:nvPr/>
+        </p:nvPicPr>
+        <p:blipFill>
+          <a:blip r:embed="rId2"/>
+          <a:stretch>
+            <a:fillRect/>
+          </a:stretch>
+        </p:blipFill>
+        <p:spPr>
+          <a:xfrm>
+            <a:off x="0" y="179311"/>
+            <a:ext cx="12192000" cy="6499378"/>
+          </a:xfrm>
+          <a:prstGeom prst="rect">
+            <a:avLst/>
+          </a:prstGeom>
+        </p:spPr>
+      </p:pic>
+    </p:spTree>
+    <p:extLst>
+      <p:ext uri="{BB962C8B-B14F-4D97-AF65-F5344CB8AC3E}">
+        <p14:creationId xmlns:p14="http://schemas.microsoft.com/office/powerpoint/2010/main" val="2236284459"/>
+      </p:ext>
+    </p:extLst>
+  </p:cSld>
+  <p:clrMapOvr>
+    <a:masterClrMapping/>
+  </p:clrMapOvr>
+</p:sld>
+</file>
+
+<file path=ppt/slides/slide21.xml><?xml version="1.0" encoding="utf-8"?>
+<p:sld xmlns:a="http://schemas.openxmlformats.org/drawingml/2006/main" xmlns:r="http://schemas.openxmlformats.org/officeDocument/2006/relationships" xmlns:p="http://schemas.openxmlformats.org/presentationml/2006/main">
+  <p:cSld>
+    <p:spTree>
+      <p:nvGrpSpPr>
+        <p:cNvPr id="1" name=""/>
+        <p:cNvGrpSpPr/>
+        <p:nvPr/>
+      </p:nvGrpSpPr>
+      <p:grpSpPr>
+        <a:xfrm>
+          <a:off x="0" y="0"/>
+          <a:ext cx="0" cy="0"/>
+          <a:chOff x="0" y="0"/>
+          <a:chExt cx="0" cy="0"/>
+        </a:xfrm>
+      </p:grpSpPr>
+      <p:pic>
+        <p:nvPicPr>
+          <p:cNvPr id="2" name="Picture 1">
+            <a:extLst>
+              <a:ext uri="{FF2B5EF4-FFF2-40B4-BE49-F238E27FC236}">
+                <a16:creationId xmlns:a16="http://schemas.microsoft.com/office/drawing/2014/main" id="{1F0F97BA-BF6B-4E97-B18A-A709C30D241F}"/>
+              </a:ext>
+            </a:extLst>
+          </p:cNvPr>
+          <p:cNvPicPr>
+            <a:picLocks noChangeAspect="1"/>
+          </p:cNvPicPr>
+          <p:nvPr/>
+        </p:nvPicPr>
+        <p:blipFill>
+          <a:blip r:embed="rId2"/>
+          <a:stretch>
+            <a:fillRect/>
+          </a:stretch>
+        </p:blipFill>
+        <p:spPr>
+          <a:xfrm>
+            <a:off x="0" y="1673"/>
+            <a:ext cx="12192000" cy="6854653"/>
+          </a:xfrm>
+          <a:prstGeom prst="rect">
+            <a:avLst/>
+          </a:prstGeom>
+        </p:spPr>
+      </p:pic>
+    </p:spTree>
+    <p:extLst>
+      <p:ext uri="{BB962C8B-B14F-4D97-AF65-F5344CB8AC3E}">
+        <p14:creationId xmlns:p14="http://schemas.microsoft.com/office/powerpoint/2010/main" val="2311093484"/>
+      </p:ext>
+    </p:extLst>
+  </p:cSld>
+  <p:clrMapOvr>
+    <a:masterClrMapping/>
+  </p:clrMapOvr>
+</p:sld>
+</file>
+
+<file path=ppt/slides/slide22.xml><?xml version="1.0" encoding="utf-8"?>
+<p:sld xmlns:a="http://schemas.openxmlformats.org/drawingml/2006/main" xmlns:r="http://schemas.openxmlformats.org/officeDocument/2006/relationships" xmlns:p="http://schemas.openxmlformats.org/presentationml/2006/main">
+  <p:cSld>
+    <p:spTree>
+      <p:nvGrpSpPr>
+        <p:cNvPr id="1" name=""/>
+        <p:cNvGrpSpPr/>
+        <p:nvPr/>
+      </p:nvGrpSpPr>
+      <p:grpSpPr>
+        <a:xfrm>
+          <a:off x="0" y="0"/>
+          <a:ext cx="0" cy="0"/>
+          <a:chOff x="0" y="0"/>
+          <a:chExt cx="0" cy="0"/>
+        </a:xfrm>
+      </p:grpSpPr>
+      <p:sp>
+        <p:nvSpPr>
+          <p:cNvPr id="4" name="TextBox 3">
+            <a:extLst>
+              <a:ext uri="{FF2B5EF4-FFF2-40B4-BE49-F238E27FC236}">
+                <a16:creationId xmlns:a16="http://schemas.microsoft.com/office/drawing/2014/main" id="{59059B87-2690-416E-BD11-5EC6100C4863}"/>
+              </a:ext>
+            </a:extLst>
+          </p:cNvPr>
+          <p:cNvSpPr txBox="1"/>
+          <p:nvPr/>
+        </p:nvSpPr>
+        <p:spPr>
+          <a:xfrm>
+            <a:off x="1514901" y="682388"/>
+            <a:ext cx="8529851" cy="5355312"/>
+          </a:xfrm>
+          <a:prstGeom prst="rect">
+            <a:avLst/>
+          </a:prstGeom>
+          <a:noFill/>
+        </p:spPr>
+        <p:txBody>
+          <a:bodyPr wrap="square" rtlCol="0">
+            <a:spAutoFit/>
+          </a:bodyPr>
+          <a:lstStyle/>
+          <a:p>
+            <a:r>
+              <a:rPr lang="en-IN" dirty="0"/>
+              <a:t>C:\Users\giris&gt;ipconfig/all</a:t>
+            </a:r>
+          </a:p>
+          <a:p>
+            <a:endParaRPr lang="en-IN" dirty="0"/>
+          </a:p>
+          <a:p>
+            <a:r>
+              <a:rPr lang="en-IN" dirty="0"/>
+              <a:t>Windows IP Configuration</a:t>
+            </a:r>
+          </a:p>
+          <a:p>
+            <a:endParaRPr lang="en-IN" dirty="0"/>
+          </a:p>
+          <a:p>
+            <a:r>
+              <a:rPr lang="en-IN" dirty="0"/>
+              <a:t>   Host Name . . . . . . . . . . . . : DESKTOP-BMPR2EC</a:t>
+            </a:r>
+          </a:p>
+          <a:p>
+            <a:r>
+              <a:rPr lang="en-IN" dirty="0"/>
+              <a:t>   Primary </a:t>
+            </a:r>
+            <a:r>
+              <a:rPr lang="en-IN" dirty="0" err="1"/>
+              <a:t>Dns</a:t>
+            </a:r>
+            <a:r>
+              <a:rPr lang="en-IN" dirty="0"/>
+              <a:t> Suffix  . . . . . . . :</a:t>
+            </a:r>
+          </a:p>
+          <a:p>
+            <a:r>
+              <a:rPr lang="en-IN" dirty="0"/>
+              <a:t>   Node Type . . . . . . . . . . . . : Hybrid</a:t>
+            </a:r>
+          </a:p>
+          <a:p>
+            <a:r>
+              <a:rPr lang="en-IN" dirty="0"/>
+              <a:t>   IP Routing Enabled. . . . . . . . : No</a:t>
+            </a:r>
+          </a:p>
+          <a:p>
+            <a:r>
+              <a:rPr lang="en-IN" dirty="0"/>
+              <a:t>   WINS Proxy Enabled. . . . . . . . : No</a:t>
+            </a:r>
+          </a:p>
+          <a:p>
+            <a:endParaRPr lang="en-IN" dirty="0"/>
+          </a:p>
+          <a:p>
+            <a:r>
+              <a:rPr lang="en-IN" dirty="0"/>
+              <a:t>Ethernet adapter Ethernet:</a:t>
+            </a:r>
+          </a:p>
+          <a:p>
+            <a:endParaRPr lang="en-IN" dirty="0"/>
+          </a:p>
+          <a:p>
+            <a:r>
+              <a:rPr lang="en-IN" dirty="0"/>
+              <a:t>   Media State . . . . . . . . . . . : Media disconnected</a:t>
+            </a:r>
+          </a:p>
+          <a:p>
+            <a:r>
+              <a:rPr lang="en-IN" dirty="0"/>
+              <a:t>   Connection-specific DNS Suffix  . :</a:t>
+            </a:r>
+          </a:p>
+          <a:p>
+            <a:r>
+              <a:rPr lang="en-IN" dirty="0"/>
+              <a:t>   Description . . . . . . . . . . . : Realtek PCIe FE Family Controller</a:t>
+            </a:r>
+          </a:p>
+          <a:p>
+            <a:r>
+              <a:rPr lang="en-IN" dirty="0"/>
+              <a:t>   Physical Address. . . . . . . . . : 80-CE-62-16-74-B3</a:t>
+            </a:r>
+          </a:p>
+          <a:p>
+            <a:r>
+              <a:rPr lang="en-IN" dirty="0"/>
+              <a:t>   DHCP Enabled. . . . . . . . . . . : Yes</a:t>
+            </a:r>
+          </a:p>
+          <a:p>
+            <a:r>
+              <a:rPr lang="en-IN" dirty="0"/>
+              <a:t>   Autoconfiguration Enabled . . . . : Yes</a:t>
+            </a:r>
+          </a:p>
+          <a:p>
+            <a:endParaRPr lang="en-IN" dirty="0"/>
+          </a:p>
+        </p:txBody>
+      </p:sp>
+      <p:pic>
+        <p:nvPicPr>
+          <p:cNvPr id="6" name="Picture 2" descr="Industrial Electrical &amp; Mechanical Safety Training | NTT Training">
+            <a:extLst>
+              <a:ext uri="{FF2B5EF4-FFF2-40B4-BE49-F238E27FC236}">
+                <a16:creationId xmlns:a16="http://schemas.microsoft.com/office/drawing/2014/main" id="{2292D381-3EEA-4247-8989-C5AAF46A2127}"/>
+              </a:ext>
+            </a:extLst>
+          </p:cNvPr>
+          <p:cNvPicPr>
+            <a:picLocks noChangeAspect="1" noChangeArrowheads="1"/>
+          </p:cNvPicPr>
+          <p:nvPr/>
+        </p:nvPicPr>
+        <p:blipFill>
+          <a:blip r:embed="rId2">
+            <a:extLst>
+              <a:ext uri="{28A0092B-C50C-407E-A947-70E740481C1C}">
+                <a14:useLocalDpi xmlns:a14="http://schemas.microsoft.com/office/drawing/2010/main" val="0"/>
+              </a:ext>
+            </a:extLst>
+          </a:blip>
+          <a:srcRect/>
+          <a:stretch>
+            <a:fillRect/>
+          </a:stretch>
+        </p:blipFill>
+        <p:spPr bwMode="auto">
+          <a:xfrm>
+            <a:off x="10339197" y="618518"/>
+            <a:ext cx="1145619" cy="1145619"/>
+          </a:xfrm>
+          <a:prstGeom prst="rect">
+            <a:avLst/>
+          </a:prstGeom>
+          <a:noFill/>
+          <a:extLst>
+            <a:ext uri="{909E8E84-426E-40DD-AFC4-6F175D3DCCD1}">
+              <a14:hiddenFill xmlns:a14="http://schemas.microsoft.com/office/drawing/2010/main">
+                <a:solidFill>
+                  <a:srgbClr val="FFFFFF"/>
+                </a:solidFill>
+              </a14:hiddenFill>
+            </a:ext>
+          </a:extLst>
+        </p:spPr>
+      </p:pic>
+    </p:spTree>
+    <p:extLst>
+      <p:ext uri="{BB962C8B-B14F-4D97-AF65-F5344CB8AC3E}">
+        <p14:creationId xmlns:p14="http://schemas.microsoft.com/office/powerpoint/2010/main" val="3461204762"/>
+      </p:ext>
+    </p:extLst>
+  </p:cSld>
+  <p:clrMapOvr>
+    <a:masterClrMapping/>
+  </p:clrMapOvr>
+</p:sld>
+</file>
+
+<file path=ppt/slides/slide23.xml><?xml version="1.0" encoding="utf-8"?>
+<p:sld xmlns:a="http://schemas.openxmlformats.org/drawingml/2006/main" xmlns:r="http://schemas.openxmlformats.org/officeDocument/2006/relationships" xmlns:p="http://schemas.openxmlformats.org/presentationml/2006/main">
+  <p:cSld>
+    <p:spTree>
+      <p:nvGrpSpPr>
+        <p:cNvPr id="1" name=""/>
+        <p:cNvGrpSpPr/>
+        <p:nvPr/>
+      </p:nvGrpSpPr>
+      <p:grpSpPr>
+        <a:xfrm>
+          <a:off x="0" y="0"/>
+          <a:ext cx="0" cy="0"/>
+          <a:chOff x="0" y="0"/>
+          <a:chExt cx="0" cy="0"/>
+        </a:xfrm>
+      </p:grpSpPr>
+      <p:sp>
+        <p:nvSpPr>
+          <p:cNvPr id="2" name="TextBox 1">
+            <a:extLst>
+              <a:ext uri="{FF2B5EF4-FFF2-40B4-BE49-F238E27FC236}">
+                <a16:creationId xmlns:a16="http://schemas.microsoft.com/office/drawing/2014/main" id="{A0B78A04-C422-4ED0-91FC-D89D082AA98B}"/>
+              </a:ext>
+            </a:extLst>
+          </p:cNvPr>
+          <p:cNvSpPr txBox="1"/>
+          <p:nvPr/>
+        </p:nvSpPr>
+        <p:spPr>
+          <a:xfrm>
+            <a:off x="1405719" y="532263"/>
+            <a:ext cx="9662615" cy="5355312"/>
+          </a:xfrm>
+          <a:prstGeom prst="rect">
+            <a:avLst/>
+          </a:prstGeom>
+          <a:noFill/>
+        </p:spPr>
+        <p:txBody>
+          <a:bodyPr wrap="square" rtlCol="0">
+            <a:spAutoFit/>
+          </a:bodyPr>
+          <a:lstStyle/>
+          <a:p>
+            <a:r>
+              <a:rPr lang="en-IN" dirty="0"/>
+              <a:t>Wireless LAN adapter Local Area Connection* 1:</a:t>
+            </a:r>
+          </a:p>
+          <a:p>
+            <a:endParaRPr lang="en-IN" dirty="0"/>
+          </a:p>
+          <a:p>
+            <a:r>
+              <a:rPr lang="en-IN" dirty="0"/>
+              <a:t>   Media State . . . . . . . . . . . : Media disconnected</a:t>
+            </a:r>
+          </a:p>
+          <a:p>
+            <a:r>
+              <a:rPr lang="en-IN" dirty="0"/>
+              <a:t>   Connection-specific DNS Suffix  . :</a:t>
+            </a:r>
+          </a:p>
+          <a:p>
+            <a:r>
+              <a:rPr lang="en-IN" dirty="0"/>
+              <a:t>   Description . . . . . . . . . . . : Microsoft Wi-Fi Direct Virtual Adapter</a:t>
+            </a:r>
+          </a:p>
+          <a:p>
+            <a:r>
+              <a:rPr lang="en-IN" dirty="0"/>
+              <a:t>   Physical Address. . . . . . . . . : EA-2A-44-93-60-B1</a:t>
+            </a:r>
+          </a:p>
+          <a:p>
+            <a:r>
+              <a:rPr lang="en-IN" dirty="0"/>
+              <a:t>   DHCP Enabled. . . . . . . . . . . : Yes</a:t>
+            </a:r>
+          </a:p>
+          <a:p>
+            <a:r>
+              <a:rPr lang="en-IN" dirty="0"/>
+              <a:t>   Autoconfiguration Enabled . . . . : Yes</a:t>
+            </a:r>
+          </a:p>
+          <a:p>
+            <a:endParaRPr lang="en-IN" dirty="0"/>
+          </a:p>
+          <a:p>
+            <a:r>
+              <a:rPr lang="en-IN" dirty="0"/>
+              <a:t>Wireless LAN adapter Local Area Connection* 2:</a:t>
+            </a:r>
+          </a:p>
+          <a:p>
+            <a:endParaRPr lang="en-IN" dirty="0"/>
+          </a:p>
+          <a:p>
+            <a:r>
+              <a:rPr lang="en-IN" dirty="0"/>
+              <a:t>   Media State . . . . . . . . . . . : Media disconnected</a:t>
+            </a:r>
+          </a:p>
+          <a:p>
+            <a:r>
+              <a:rPr lang="en-IN" dirty="0"/>
+              <a:t>   Connection-specific DNS Suffix  . :</a:t>
+            </a:r>
+          </a:p>
+          <a:p>
+            <a:r>
+              <a:rPr lang="en-IN" dirty="0"/>
+              <a:t>   Description . . . . . . . . . . . : Microsoft Wi-Fi Direct Virtual Adapter #2</a:t>
+            </a:r>
+          </a:p>
+          <a:p>
+            <a:r>
+              <a:rPr lang="en-IN" dirty="0"/>
+              <a:t>   Physical Address. . . . . . . . . : E8-2A-44-93-60-B1</a:t>
+            </a:r>
+          </a:p>
+          <a:p>
+            <a:r>
+              <a:rPr lang="en-IN" dirty="0"/>
+              <a:t>   DHCP Enabled. . . . . . . . . . . : Yes</a:t>
+            </a:r>
+          </a:p>
+          <a:p>
+            <a:r>
+              <a:rPr lang="en-IN" dirty="0"/>
+              <a:t>   Autoconfiguration Enabled . . . . : Yes</a:t>
+            </a:r>
+          </a:p>
+          <a:p>
+            <a:endParaRPr lang="en-IN" dirty="0"/>
+          </a:p>
+          <a:p>
+            <a:endParaRPr lang="en-IN" dirty="0"/>
+          </a:p>
+        </p:txBody>
+      </p:sp>
+      <p:pic>
+        <p:nvPicPr>
+          <p:cNvPr id="4" name="Picture 2" descr="Industrial Electrical &amp; Mechanical Safety Training | NTT Training">
+            <a:extLst>
+              <a:ext uri="{FF2B5EF4-FFF2-40B4-BE49-F238E27FC236}">
+                <a16:creationId xmlns:a16="http://schemas.microsoft.com/office/drawing/2014/main" id="{D5161C1C-D350-4193-993F-5281F0A97156}"/>
+              </a:ext>
+            </a:extLst>
+          </p:cNvPr>
+          <p:cNvPicPr>
+            <a:picLocks noChangeAspect="1" noChangeArrowheads="1"/>
+          </p:cNvPicPr>
+          <p:nvPr/>
+        </p:nvPicPr>
+        <p:blipFill>
+          <a:blip r:embed="rId2">
+            <a:extLst>
+              <a:ext uri="{28A0092B-C50C-407E-A947-70E740481C1C}">
+                <a14:useLocalDpi xmlns:a14="http://schemas.microsoft.com/office/drawing/2010/main" val="0"/>
+              </a:ext>
+            </a:extLst>
+          </a:blip>
+          <a:srcRect/>
+          <a:stretch>
+            <a:fillRect/>
+          </a:stretch>
+        </p:blipFill>
+        <p:spPr bwMode="auto">
+          <a:xfrm>
+            <a:off x="10339197" y="618518"/>
+            <a:ext cx="1145619" cy="1145619"/>
+          </a:xfrm>
+          <a:prstGeom prst="rect">
+            <a:avLst/>
+          </a:prstGeom>
+          <a:noFill/>
+          <a:extLst>
+            <a:ext uri="{909E8E84-426E-40DD-AFC4-6F175D3DCCD1}">
+              <a14:hiddenFill xmlns:a14="http://schemas.microsoft.com/office/drawing/2010/main">
+                <a:solidFill>
+                  <a:srgbClr val="FFFFFF"/>
+                </a:solidFill>
+              </a14:hiddenFill>
+            </a:ext>
+          </a:extLst>
+        </p:spPr>
+      </p:pic>
+    </p:spTree>
+    <p:extLst>
+      <p:ext uri="{BB962C8B-B14F-4D97-AF65-F5344CB8AC3E}">
+        <p14:creationId xmlns:p14="http://schemas.microsoft.com/office/powerpoint/2010/main" val="2838165488"/>
+      </p:ext>
+    </p:extLst>
+  </p:cSld>
+  <p:clrMapOvr>
+    <a:masterClrMapping/>
+  </p:clrMapOvr>
+</p:sld>
+</file>
+
+<file path=ppt/slides/slide24.xml><?xml version="1.0" encoding="utf-8"?>
+<p:sld xmlns:a="http://schemas.openxmlformats.org/drawingml/2006/main" xmlns:r="http://schemas.openxmlformats.org/officeDocument/2006/relationships" xmlns:p="http://schemas.openxmlformats.org/presentationml/2006/main">
+  <p:cSld>
+    <p:spTree>
+      <p:nvGrpSpPr>
+        <p:cNvPr id="1" name=""/>
+        <p:cNvGrpSpPr/>
+        <p:nvPr/>
+      </p:nvGrpSpPr>
+      <p:grpSpPr>
+        <a:xfrm>
+          <a:off x="0" y="0"/>
+          <a:ext cx="0" cy="0"/>
+          <a:chOff x="0" y="0"/>
+          <a:chExt cx="0" cy="0"/>
+        </a:xfrm>
+      </p:grpSpPr>
+      <p:sp>
+        <p:nvSpPr>
+          <p:cNvPr id="2" name="TextBox 1">
+            <a:extLst>
+              <a:ext uri="{FF2B5EF4-FFF2-40B4-BE49-F238E27FC236}">
+                <a16:creationId xmlns:a16="http://schemas.microsoft.com/office/drawing/2014/main" id="{7D8C4BC1-2DE7-485F-A5E2-CE9C48A65F9C}"/>
+              </a:ext>
+            </a:extLst>
+          </p:cNvPr>
+          <p:cNvSpPr txBox="1"/>
+          <p:nvPr/>
+        </p:nvSpPr>
+        <p:spPr>
+          <a:xfrm>
+            <a:off x="1364776" y="450376"/>
+            <a:ext cx="9648967" cy="5632311"/>
+          </a:xfrm>
+          <a:prstGeom prst="rect">
+            <a:avLst/>
+          </a:prstGeom>
+          <a:noFill/>
+        </p:spPr>
+        <p:txBody>
+          <a:bodyPr wrap="square" rtlCol="0">
+            <a:spAutoFit/>
+          </a:bodyPr>
+          <a:lstStyle/>
+          <a:p>
+            <a:r>
+              <a:rPr lang="en-IN" dirty="0"/>
+              <a:t>Wireless LAN adapter Wi-Fi:</a:t>
+            </a:r>
+          </a:p>
+          <a:p>
+            <a:endParaRPr lang="en-IN" dirty="0"/>
+          </a:p>
+          <a:p>
+            <a:r>
+              <a:rPr lang="en-IN" dirty="0"/>
+              <a:t>   Connection-specific DNS Suffix  . :</a:t>
+            </a:r>
+          </a:p>
+          <a:p>
+            <a:r>
+              <a:rPr lang="en-IN" dirty="0"/>
+              <a:t>   Description . . . . . . . . . . . : Realtek RTL8723BE 802.11 </a:t>
+            </a:r>
+            <a:r>
+              <a:rPr lang="en-IN" dirty="0" err="1"/>
+              <a:t>bgn</a:t>
+            </a:r>
+            <a:r>
+              <a:rPr lang="en-IN" dirty="0"/>
+              <a:t> Wi-Fi Adapter</a:t>
+            </a:r>
+          </a:p>
+          <a:p>
+            <a:r>
+              <a:rPr lang="en-IN" dirty="0"/>
+              <a:t>   Physical Address. . . . . . . . . : E8-2A-44-93-60-B1</a:t>
+            </a:r>
+          </a:p>
+          <a:p>
+            <a:r>
+              <a:rPr lang="en-IN" dirty="0"/>
+              <a:t>   DHCP Enabled. . . . . . . . . . . : Yes</a:t>
+            </a:r>
+          </a:p>
+          <a:p>
+            <a:r>
+              <a:rPr lang="en-IN" dirty="0"/>
+              <a:t>   Autoconfiguration Enabled . . . . : Yes</a:t>
+            </a:r>
+          </a:p>
+          <a:p>
+            <a:r>
+              <a:rPr lang="en-IN" dirty="0"/>
+              <a:t>   Link-local IPv6 Address . . . . . : fe80::1c4a:e044:f083:d1b5%16(Preferred)</a:t>
+            </a:r>
+          </a:p>
+          <a:p>
+            <a:r>
+              <a:rPr lang="en-IN" dirty="0"/>
+              <a:t>   IPv4 Address. . . . . . . . . . . : 192.168.1.105(Preferred)</a:t>
+            </a:r>
+          </a:p>
+          <a:p>
+            <a:r>
+              <a:rPr lang="en-IN" dirty="0"/>
+              <a:t>   Subnet Mask . . . . . . . . . . . : 255.255.255.0</a:t>
+            </a:r>
+          </a:p>
+          <a:p>
+            <a:r>
+              <a:rPr lang="en-IN" dirty="0"/>
+              <a:t>   Lease Obtained. . . . . . . . . . : 16 July 2020 10:52:07</a:t>
+            </a:r>
+          </a:p>
+          <a:p>
+            <a:r>
+              <a:rPr lang="en-IN" dirty="0"/>
+              <a:t>   Lease Expires . . . . . . . . . . : 17 July 2020 00:42:22</a:t>
+            </a:r>
+          </a:p>
+          <a:p>
+            <a:r>
+              <a:rPr lang="en-IN" dirty="0"/>
+              <a:t>   Default Gateway . . . . . . . . . : 192.168.1.1</a:t>
+            </a:r>
+          </a:p>
+          <a:p>
+            <a:r>
+              <a:rPr lang="en-IN" dirty="0"/>
+              <a:t>   DHCP Server . . . . . . . . . . . : 192.168.1.1</a:t>
+            </a:r>
+          </a:p>
+          <a:p>
+            <a:r>
+              <a:rPr lang="en-IN" dirty="0"/>
+              <a:t>   DHCPv6 IAID . . . . . . . . . . . : 266873412</a:t>
+            </a:r>
+          </a:p>
+          <a:p>
+            <a:r>
+              <a:rPr lang="en-IN" dirty="0"/>
+              <a:t>   DHCPv6 Client DUID. . . . . . . . : 00-01-00-01-26-75-0B-43-80-CE-62-16-74-B3</a:t>
+            </a:r>
+          </a:p>
+          <a:p>
+            <a:r>
+              <a:rPr lang="en-IN" dirty="0"/>
+              <a:t>   DNS Servers . . . . . . . . . . . : 192.168.1.1</a:t>
+            </a:r>
+          </a:p>
+          <a:p>
+            <a:r>
+              <a:rPr lang="en-IN" dirty="0"/>
+              <a:t>   NetBIOS over </a:t>
+            </a:r>
+            <a:r>
+              <a:rPr lang="en-IN" dirty="0" err="1"/>
+              <a:t>Tcpip</a:t>
+            </a:r>
+            <a:r>
+              <a:rPr lang="en-IN" dirty="0"/>
+              <a:t>. . . . . . . . : Enabled</a:t>
+            </a:r>
+          </a:p>
+          <a:p>
+            <a:endParaRPr lang="en-IN" dirty="0"/>
+          </a:p>
+          <a:p>
+            <a:endParaRPr lang="en-IN" dirty="0"/>
+          </a:p>
+        </p:txBody>
+      </p:sp>
+      <p:pic>
+        <p:nvPicPr>
+          <p:cNvPr id="4" name="Picture 2" descr="Industrial Electrical &amp; Mechanical Safety Training | NTT Training">
+            <a:extLst>
+              <a:ext uri="{FF2B5EF4-FFF2-40B4-BE49-F238E27FC236}">
+                <a16:creationId xmlns:a16="http://schemas.microsoft.com/office/drawing/2014/main" id="{A898336E-7F52-4A3D-A692-A8202281760E}"/>
+              </a:ext>
+            </a:extLst>
+          </p:cNvPr>
+          <p:cNvPicPr>
+            <a:picLocks noChangeAspect="1" noChangeArrowheads="1"/>
+          </p:cNvPicPr>
+          <p:nvPr/>
+        </p:nvPicPr>
+        <p:blipFill>
+          <a:blip r:embed="rId2">
+            <a:extLst>
+              <a:ext uri="{28A0092B-C50C-407E-A947-70E740481C1C}">
+                <a14:useLocalDpi xmlns:a14="http://schemas.microsoft.com/office/drawing/2010/main" val="0"/>
+              </a:ext>
+            </a:extLst>
+          </a:blip>
+          <a:srcRect/>
+          <a:stretch>
+            <a:fillRect/>
+          </a:stretch>
+        </p:blipFill>
+        <p:spPr bwMode="auto">
+          <a:xfrm>
+            <a:off x="10339197" y="618518"/>
+            <a:ext cx="1145619" cy="1145619"/>
+          </a:xfrm>
+          <a:prstGeom prst="rect">
+            <a:avLst/>
+          </a:prstGeom>
+          <a:noFill/>
+          <a:extLst>
+            <a:ext uri="{909E8E84-426E-40DD-AFC4-6F175D3DCCD1}">
+              <a14:hiddenFill xmlns:a14="http://schemas.microsoft.com/office/drawing/2010/main">
+                <a:solidFill>
+                  <a:srgbClr val="FFFFFF"/>
+                </a:solidFill>
+              </a14:hiddenFill>
+            </a:ext>
+          </a:extLst>
+        </p:spPr>
+      </p:pic>
+    </p:spTree>
+    <p:extLst>
+      <p:ext uri="{BB962C8B-B14F-4D97-AF65-F5344CB8AC3E}">
+        <p14:creationId xmlns:p14="http://schemas.microsoft.com/office/powerpoint/2010/main" val="4113385952"/>
+      </p:ext>
+    </p:extLst>
+  </p:cSld>
+  <p:clrMapOvr>
+    <a:masterClrMapping/>
+  </p:clrMapOvr>
+</p:sld>
+</file>
+
+<file path=ppt/slides/slide25.xml><?xml version="1.0" encoding="utf-8"?>
+<p:sld xmlns:a="http://schemas.openxmlformats.org/drawingml/2006/main" xmlns:r="http://schemas.openxmlformats.org/officeDocument/2006/relationships" xmlns:p="http://schemas.openxmlformats.org/presentationml/2006/main">
+  <p:cSld>
+    <p:spTree>
+      <p:nvGrpSpPr>
+        <p:cNvPr id="1" name=""/>
+        <p:cNvGrpSpPr/>
+        <p:nvPr/>
+      </p:nvGrpSpPr>
+      <p:grpSpPr>
+        <a:xfrm>
+          <a:off x="0" y="0"/>
+          <a:ext cx="0" cy="0"/>
+          <a:chOff x="0" y="0"/>
+          <a:chExt cx="0" cy="0"/>
+        </a:xfrm>
+      </p:grpSpPr>
+      <p:sp>
+        <p:nvSpPr>
+          <p:cNvPr id="2" name="TextBox 1">
+            <a:extLst>
+              <a:ext uri="{FF2B5EF4-FFF2-40B4-BE49-F238E27FC236}">
+                <a16:creationId xmlns:a16="http://schemas.microsoft.com/office/drawing/2014/main" id="{8DA33184-0C54-4D4E-A7F4-6E419D3983A0}"/>
+              </a:ext>
+            </a:extLst>
+          </p:cNvPr>
+          <p:cNvSpPr txBox="1"/>
+          <p:nvPr/>
+        </p:nvSpPr>
+        <p:spPr>
+          <a:xfrm>
+            <a:off x="1323832" y="641445"/>
+            <a:ext cx="9812741" cy="2862322"/>
+          </a:xfrm>
+          <a:prstGeom prst="rect">
+            <a:avLst/>
+          </a:prstGeom>
+          <a:noFill/>
+        </p:spPr>
+        <p:txBody>
+          <a:bodyPr wrap="square" rtlCol="0">
+            <a:spAutoFit/>
+          </a:bodyPr>
+          <a:lstStyle/>
+          <a:p>
+            <a:r>
+              <a:rPr lang="en-IN" dirty="0"/>
+              <a:t>Ethernet adapter Bluetooth Network Connection:</a:t>
+            </a:r>
+          </a:p>
+          <a:p>
+            <a:endParaRPr lang="en-IN" dirty="0"/>
+          </a:p>
+          <a:p>
+            <a:r>
+              <a:rPr lang="en-IN" dirty="0"/>
+              <a:t>   Media State . . . . . . . . . . . : Media disconnected</a:t>
+            </a:r>
+          </a:p>
+          <a:p>
+            <a:r>
+              <a:rPr lang="en-IN" dirty="0"/>
+              <a:t>   Connection-specific DNS Suffix  . :</a:t>
+            </a:r>
+          </a:p>
+          <a:p>
+            <a:r>
+              <a:rPr lang="en-IN" dirty="0"/>
+              <a:t>   Description . . . . . . . . . . . : Bluetooth Device (Personal Area Network)</a:t>
+            </a:r>
+          </a:p>
+          <a:p>
+            <a:r>
+              <a:rPr lang="en-IN" dirty="0"/>
+              <a:t>   Physical Address. . . . . . . . . : E8-2A-44-93-60-B2</a:t>
+            </a:r>
+          </a:p>
+          <a:p>
+            <a:r>
+              <a:rPr lang="en-IN" dirty="0"/>
+              <a:t>   DHCP Enabled. . . . . . . . . . . : Yes</a:t>
+            </a:r>
+          </a:p>
+          <a:p>
+            <a:r>
+              <a:rPr lang="en-IN" dirty="0"/>
+              <a:t>   Autoconfiguration Enabled . . . . : Yes</a:t>
+            </a:r>
+          </a:p>
+          <a:p>
+            <a:endParaRPr lang="en-IN" dirty="0"/>
+          </a:p>
+          <a:p>
+            <a:endParaRPr lang="en-IN" dirty="0"/>
+          </a:p>
+        </p:txBody>
+      </p:sp>
+      <p:pic>
+        <p:nvPicPr>
+          <p:cNvPr id="4" name="Picture 2" descr="Industrial Electrical &amp; Mechanical Safety Training | NTT Training">
+            <a:extLst>
+              <a:ext uri="{FF2B5EF4-FFF2-40B4-BE49-F238E27FC236}">
+                <a16:creationId xmlns:a16="http://schemas.microsoft.com/office/drawing/2014/main" id="{195B89C7-2F2C-4BE5-A2CF-43985BD35BD9}"/>
+              </a:ext>
+            </a:extLst>
+          </p:cNvPr>
+          <p:cNvPicPr>
+            <a:picLocks noChangeAspect="1" noChangeArrowheads="1"/>
+          </p:cNvPicPr>
+          <p:nvPr/>
+        </p:nvPicPr>
+        <p:blipFill>
+          <a:blip r:embed="rId2">
+            <a:extLst>
+              <a:ext uri="{28A0092B-C50C-407E-A947-70E740481C1C}">
+                <a14:useLocalDpi xmlns:a14="http://schemas.microsoft.com/office/drawing/2010/main" val="0"/>
+              </a:ext>
+            </a:extLst>
+          </a:blip>
+          <a:srcRect/>
+          <a:stretch>
+            <a:fillRect/>
+          </a:stretch>
+        </p:blipFill>
+        <p:spPr bwMode="auto">
+          <a:xfrm>
+            <a:off x="10339197" y="618518"/>
+            <a:ext cx="1145619" cy="1145619"/>
+          </a:xfrm>
+          <a:prstGeom prst="rect">
+            <a:avLst/>
+          </a:prstGeom>
+          <a:noFill/>
+          <a:extLst>
+            <a:ext uri="{909E8E84-426E-40DD-AFC4-6F175D3DCCD1}">
+              <a14:hiddenFill xmlns:a14="http://schemas.microsoft.com/office/drawing/2010/main">
+                <a:solidFill>
+                  <a:srgbClr val="FFFFFF"/>
+                </a:solidFill>
+              </a14:hiddenFill>
+            </a:ext>
+          </a:extLst>
+        </p:spPr>
+      </p:pic>
+    </p:spTree>
+    <p:extLst>
+      <p:ext uri="{BB962C8B-B14F-4D97-AF65-F5344CB8AC3E}">
+        <p14:creationId xmlns:p14="http://schemas.microsoft.com/office/powerpoint/2010/main" val="2582478356"/>
+      </p:ext>
+    </p:extLst>
+  </p:cSld>
+  <p:clrMapOvr>
+    <a:masterClrMapping/>
+  </p:clrMapOvr>
+</p:sld>
+</file>
+
+<file path=ppt/slides/slide26.xml><?xml version="1.0" encoding="utf-8"?>
+<p:sld xmlns:a="http://schemas.openxmlformats.org/drawingml/2006/main" xmlns:r="http://schemas.openxmlformats.org/officeDocument/2006/relationships" xmlns:p="http://schemas.openxmlformats.org/presentationml/2006/main">
+  <p:cSld>
+    <p:spTree>
+      <p:nvGrpSpPr>
+        <p:cNvPr id="1" name=""/>
+        <p:cNvGrpSpPr/>
+        <p:nvPr/>
+      </p:nvGrpSpPr>
+      <p:grpSpPr>
+        <a:xfrm>
+          <a:off x="0" y="0"/>
+          <a:ext cx="0" cy="0"/>
+          <a:chOff x="0" y="0"/>
+          <a:chExt cx="0" cy="0"/>
+        </a:xfrm>
+      </p:grpSpPr>
       <p:sp>
         <p:nvSpPr>
           <p:cNvPr id="2" name="Title 1">
@@ -32730,6 +33831,53 @@
           </a:extLst>
         </p:spPr>
       </p:pic>
+      <p:pic>
+        <p:nvPicPr>
+          <p:cNvPr id="8198" name="Picture 6" descr="Ethernet Cable 3ft 1M 3m 5m RJ45 Ethernet Network Patch Cable Lan ...">
+            <a:extLst>
+              <a:ext uri="{FF2B5EF4-FFF2-40B4-BE49-F238E27FC236}">
+                <a16:creationId xmlns:a16="http://schemas.microsoft.com/office/drawing/2014/main" id="{6E61B5AE-BAE3-49A0-A83A-AB4180DDA3CA}"/>
+              </a:ext>
+            </a:extLst>
+          </p:cNvPr>
+          <p:cNvPicPr>
+            <a:picLocks noChangeAspect="1" noChangeArrowheads="1"/>
+          </p:cNvPicPr>
+          <p:nvPr/>
+        </p:nvPicPr>
+        <p:blipFill>
+          <a:blip r:embed="rId4">
+            <a:extLst>
+              <a:ext uri="{28A0092B-C50C-407E-A947-70E740481C1C}">
+                <a14:useLocalDpi xmlns:a14="http://schemas.microsoft.com/office/drawing/2010/main" val="0"/>
+              </a:ext>
+            </a:extLst>
+          </a:blip>
+          <a:srcRect/>
+          <a:stretch>
+            <a:fillRect/>
+          </a:stretch>
+        </p:blipFill>
+        <p:spPr bwMode="auto">
+          <a:xfrm>
+            <a:off x="2588076" y="3738359"/>
+            <a:ext cx="2993858" cy="2993858"/>
+          </a:xfrm>
+          <a:prstGeom prst="rect">
+            <a:avLst/>
+          </a:prstGeom>
+          <a:noFill/>
+          <a:extLst>
+            <a:ext uri="{909E8E84-426E-40DD-AFC4-6F175D3DCCD1}">
+              <a14:hiddenFill xmlns:a14="http://schemas.microsoft.com/office/drawing/2010/main">
+                <a:solidFill>
+                  <a:srgbClr val="FFFFFF"/>
+                </a:solidFill>
+              </a14:hiddenFill>
+            </a:ext>
+          </a:extLst>
+        </p:spPr>
+      </p:pic>
     </p:spTree>
     <p:extLst>
       <p:ext uri="{BB962C8B-B14F-4D97-AF65-F5344CB8AC3E}">
@@ -32743,7 +33891,7 @@
 </p:sld>
 </file>
 
-<file path=ppt/slides/slide21.xml><?xml version="1.0" encoding="utf-8"?>
+<file path=ppt/slides/slide27.xml><?xml version="1.0" encoding="utf-8"?>
 <p:sld xmlns:a="http://schemas.openxmlformats.org/drawingml/2006/main" xmlns:r="http://schemas.openxmlformats.org/officeDocument/2006/relationships" xmlns:p="http://schemas.openxmlformats.org/presentationml/2006/main">
   <p:cSld>
     <p:spTree>
@@ -32867,7 +34015,7 @@
 </p:sld>
 </file>
 
-<file path=ppt/slides/slide22.xml><?xml version="1.0" encoding="utf-8"?>
+<file path=ppt/slides/slide28.xml><?xml version="1.0" encoding="utf-8"?>
 <p:sld xmlns:a="http://schemas.openxmlformats.org/drawingml/2006/main" xmlns:r="http://schemas.openxmlformats.org/officeDocument/2006/relationships" xmlns:p="http://schemas.openxmlformats.org/presentationml/2006/main">
   <p:cSld>
     <p:spTree>
@@ -32907,7 +34055,9 @@
           </a:xfrm>
         </p:spPr>
         <p:txBody>
-          <a:bodyPr/>
+          <a:bodyPr>
+            <a:normAutofit fontScale="90000"/>
+          </a:bodyPr>
           <a:lstStyle/>
           <a:p>
             <a:r>
@@ -32916,7 +34066,7 @@
             </a:r>
             <a:r>
               <a:rPr lang="en-IN" dirty="0"/>
-              <a:t>ow are computer connected ?</a:t>
+              <a:t>ow are computer connected to communicate ?</a:t>
             </a:r>
           </a:p>
         </p:txBody>
@@ -33002,7 +34152,7 @@
 </p:sld>
 </file>
 
-<file path=ppt/slides/slide23.xml><?xml version="1.0" encoding="utf-8"?>
+<file path=ppt/slides/slide29.xml><?xml version="1.0" encoding="utf-8"?>
 <p:sld xmlns:a="http://schemas.openxmlformats.org/drawingml/2006/main" xmlns:r="http://schemas.openxmlformats.org/officeDocument/2006/relationships" xmlns:p="http://schemas.openxmlformats.org/presentationml/2006/main">
   <p:cSld>
     <p:spTree>
@@ -33225,7 +34375,295 @@
 </p:sld>
 </file>
 
-<file path=ppt/slides/slide24.xml><?xml version="1.0" encoding="utf-8"?>
+<file path=ppt/slides/slide3.xml><?xml version="1.0" encoding="utf-8"?>
+<p:sld xmlns:a="http://schemas.openxmlformats.org/drawingml/2006/main" xmlns:r="http://schemas.openxmlformats.org/officeDocument/2006/relationships" xmlns:p="http://schemas.openxmlformats.org/presentationml/2006/main">
+  <p:cSld>
+    <p:spTree>
+      <p:nvGrpSpPr>
+        <p:cNvPr id="1" name=""/>
+        <p:cNvGrpSpPr/>
+        <p:nvPr/>
+      </p:nvGrpSpPr>
+      <p:grpSpPr>
+        <a:xfrm>
+          <a:off x="0" y="0"/>
+          <a:ext cx="0" cy="0"/>
+          <a:chOff x="0" y="0"/>
+          <a:chExt cx="0" cy="0"/>
+        </a:xfrm>
+      </p:grpSpPr>
+      <p:sp>
+        <p:nvSpPr>
+          <p:cNvPr id="2" name="Title 1">
+            <a:extLst>
+              <a:ext uri="{FF2B5EF4-FFF2-40B4-BE49-F238E27FC236}">
+                <a16:creationId xmlns:a16="http://schemas.microsoft.com/office/drawing/2014/main" id="{05E40E30-D5F7-4DB3-963F-20FB7A0E682F}"/>
+              </a:ext>
+            </a:extLst>
+          </p:cNvPr>
+          <p:cNvSpPr txBox="1">
+            <a:spLocks/>
+          </p:cNvSpPr>
+          <p:nvPr/>
+        </p:nvSpPr>
+        <p:spPr>
+          <a:xfrm>
+            <a:off x="1141413" y="618518"/>
+            <a:ext cx="9905998" cy="812717"/>
+          </a:xfrm>
+          <a:prstGeom prst="rect">
+            <a:avLst/>
+          </a:prstGeom>
+        </p:spPr>
+        <p:txBody>
+          <a:bodyPr/>
+          <a:lstStyle>
+            <a:lvl1pPr algn="l" defTabSz="914400" rtl="0" eaLnBrk="1" latinLnBrk="0" hangingPunct="1">
+              <a:lnSpc>
+                <a:spcPct val="90000"/>
+              </a:lnSpc>
+              <a:spcBef>
+                <a:spcPct val="0"/>
+              </a:spcBef>
+              <a:buNone/>
+              <a:defRPr sz="3600" kern="1200" cap="all" baseline="0">
+                <a:solidFill>
+                  <a:schemeClr val="tx1"/>
+                </a:solidFill>
+                <a:effectLst>
+                  <a:outerShdw blurRad="177800" dist="38100" dir="2700000" algn="tl">
+                    <a:srgbClr val="000000">
+                      <a:alpha val="24000"/>
+                    </a:srgbClr>
+                  </a:outerShdw>
+                </a:effectLst>
+                <a:latin typeface="+mj-lt"/>
+                <a:ea typeface="+mj-ea"/>
+                <a:cs typeface="+mj-cs"/>
+              </a:defRPr>
+            </a:lvl1pPr>
+          </a:lstStyle>
+          <a:p>
+            <a:r>
+              <a:rPr lang="en-US" dirty="0"/>
+              <a:t>How was this term “</a:t>
+            </a:r>
+            <a:r>
+              <a:rPr lang="en-US" i="1" dirty="0">
+                <a:latin typeface="Ink Free" panose="03080402000500000000" pitchFamily="66" charset="0"/>
+              </a:rPr>
+              <a:t>Things</a:t>
+            </a:r>
+            <a:r>
+              <a:rPr lang="en-US" dirty="0"/>
+              <a:t>” coined</a:t>
+            </a:r>
+            <a:endParaRPr lang="en-IN" dirty="0"/>
+          </a:p>
+        </p:txBody>
+      </p:sp>
+      <p:sp>
+        <p:nvSpPr>
+          <p:cNvPr id="4" name="TextBox 3">
+            <a:extLst>
+              <a:ext uri="{FF2B5EF4-FFF2-40B4-BE49-F238E27FC236}">
+                <a16:creationId xmlns:a16="http://schemas.microsoft.com/office/drawing/2014/main" id="{F365DF2E-673D-47AD-846F-8CA9026FE84E}"/>
+              </a:ext>
+            </a:extLst>
+          </p:cNvPr>
+          <p:cNvSpPr txBox="1"/>
+          <p:nvPr/>
+        </p:nvSpPr>
+        <p:spPr>
+          <a:xfrm>
+            <a:off x="5718451" y="1282147"/>
+            <a:ext cx="5539408" cy="3693319"/>
+          </a:xfrm>
+          <a:prstGeom prst="rect">
+            <a:avLst/>
+          </a:prstGeom>
+          <a:noFill/>
+        </p:spPr>
+        <p:txBody>
+          <a:bodyPr wrap="square">
+            <a:spAutoFit/>
+          </a:bodyPr>
+          <a:lstStyle/>
+          <a:p>
+            <a:r>
+              <a:rPr lang="en-US" b="0" i="0" dirty="0">
+                <a:solidFill>
+                  <a:srgbClr val="000000"/>
+                </a:solidFill>
+                <a:effectLst/>
+                <a:latin typeface="Open Sans"/>
+              </a:rPr>
+              <a:t>The term Internet of Things is </a:t>
+            </a:r>
+            <a:r>
+              <a:rPr lang="en-US" dirty="0">
+                <a:solidFill>
+                  <a:srgbClr val="000000"/>
+                </a:solidFill>
+                <a:latin typeface="Open Sans"/>
+              </a:rPr>
+              <a:t>more than  four decade old.</a:t>
+            </a:r>
+            <a:r>
+              <a:rPr lang="en-US" b="0" i="0" dirty="0">
+                <a:solidFill>
+                  <a:srgbClr val="000000"/>
+                </a:solidFill>
+                <a:effectLst/>
+                <a:latin typeface="Open Sans"/>
+              </a:rPr>
+              <a:t>. The   idea of connected devices had been around </a:t>
+            </a:r>
+            <a:r>
+              <a:rPr lang="en-US" dirty="0">
+                <a:solidFill>
+                  <a:srgbClr val="000000"/>
+                </a:solidFill>
+                <a:latin typeface="Open Sans"/>
+              </a:rPr>
+              <a:t>for more than four decades when internet was in experimental stage. </a:t>
+            </a:r>
+          </a:p>
+          <a:p>
+            <a:endParaRPr lang="en-US" b="0" i="0" dirty="0">
+              <a:solidFill>
+                <a:srgbClr val="000000"/>
+              </a:solidFill>
+              <a:effectLst/>
+              <a:latin typeface="Open Sans"/>
+            </a:endParaRPr>
+          </a:p>
+          <a:p>
+            <a:r>
+              <a:rPr lang="en-US" dirty="0">
+                <a:solidFill>
+                  <a:srgbClr val="000000"/>
+                </a:solidFill>
+                <a:latin typeface="Open Sans"/>
+              </a:rPr>
+              <a:t>The </a:t>
+            </a:r>
+            <a:r>
+              <a:rPr lang="en-US" b="0" i="0" dirty="0">
+                <a:solidFill>
+                  <a:srgbClr val="000000"/>
+                </a:solidFill>
+                <a:effectLst/>
+                <a:latin typeface="Open Sans"/>
+              </a:rPr>
+              <a:t>term “Internet of Things” was coined by </a:t>
+            </a:r>
+            <a:r>
+              <a:rPr lang="en-US" b="0" i="0" u="none" strike="noStrike" dirty="0">
+                <a:solidFill>
+                  <a:srgbClr val="FF483C"/>
+                </a:solidFill>
+                <a:effectLst/>
+                <a:latin typeface="Open Sans"/>
+                <a:hlinkClick r:id="rId2"/>
+              </a:rPr>
+              <a:t>Kevin Ashton</a:t>
+            </a:r>
+            <a:r>
+              <a:rPr lang="en-US" b="0" i="0" dirty="0">
+                <a:solidFill>
+                  <a:srgbClr val="000000"/>
+                </a:solidFill>
+                <a:effectLst/>
+                <a:latin typeface="Open Sans"/>
+              </a:rPr>
+              <a:t> in 1999 during his work at </a:t>
+            </a:r>
+            <a:r>
+              <a:rPr lang="en-US" b="0" i="0" dirty="0" err="1">
+                <a:solidFill>
+                  <a:srgbClr val="000000"/>
+                </a:solidFill>
+                <a:effectLst/>
+                <a:latin typeface="Open Sans"/>
+              </a:rPr>
+              <a:t>Procter&amp;Gamble</a:t>
+            </a:r>
+            <a:r>
+              <a:rPr lang="en-US" b="0" i="0" dirty="0">
+                <a:solidFill>
+                  <a:srgbClr val="000000"/>
+                </a:solidFill>
+                <a:effectLst/>
+                <a:latin typeface="Open Sans"/>
+              </a:rPr>
+              <a:t>. Ashton who was working in supply chain optimization, wanted to attract senior management’s attention to a new exciting technology called RFID. Because the internet was the hottest new trend in 1999 and because it somehow made sense, he called his presentation “Internet of Things”.</a:t>
+            </a:r>
+            <a:endParaRPr lang="en-IN" dirty="0"/>
+          </a:p>
+        </p:txBody>
+      </p:sp>
+      <p:pic>
+        <p:nvPicPr>
+          <p:cNvPr id="1026" name="Picture 2" descr="Kevin Ashton">
+            <a:extLst>
+              <a:ext uri="{FF2B5EF4-FFF2-40B4-BE49-F238E27FC236}">
+                <a16:creationId xmlns:a16="http://schemas.microsoft.com/office/drawing/2014/main" id="{3BB46879-263B-42CC-8B79-38FBA6F6F7B2}"/>
+              </a:ext>
+            </a:extLst>
+          </p:cNvPr>
+          <p:cNvPicPr>
+            <a:picLocks noChangeAspect="1" noChangeArrowheads="1"/>
+          </p:cNvPicPr>
+          <p:nvPr/>
+        </p:nvPicPr>
+        <p:blipFill>
+          <a:blip r:embed="rId3">
+            <a:extLst>
+              <a:ext uri="{28A0092B-C50C-407E-A947-70E740481C1C}">
+                <a14:useLocalDpi xmlns:a14="http://schemas.microsoft.com/office/drawing/2010/main" val="0"/>
+              </a:ext>
+            </a:extLst>
+          </a:blip>
+          <a:srcRect/>
+          <a:stretch>
+            <a:fillRect/>
+          </a:stretch>
+        </p:blipFill>
+        <p:spPr bwMode="auto">
+          <a:xfrm>
+            <a:off x="1543530" y="3150897"/>
+            <a:ext cx="3088585" cy="3088585"/>
+          </a:xfrm>
+          <a:prstGeom prst="rect">
+            <a:avLst/>
+          </a:prstGeom>
+          <a:noFill/>
+          <a:extLst>
+            <a:ext uri="{909E8E84-426E-40DD-AFC4-6F175D3DCCD1}">
+              <a14:hiddenFill xmlns:a14="http://schemas.microsoft.com/office/drawing/2010/main">
+                <a:solidFill>
+                  <a:srgbClr val="FFFFFF"/>
+                </a:solidFill>
+              </a14:hiddenFill>
+            </a:ext>
+          </a:extLst>
+        </p:spPr>
+      </p:pic>
+    </p:spTree>
+    <p:extLst>
+      <p:ext uri="{BB962C8B-B14F-4D97-AF65-F5344CB8AC3E}">
+        <p14:creationId xmlns:p14="http://schemas.microsoft.com/office/powerpoint/2010/main" val="4207826616"/>
+      </p:ext>
+    </p:extLst>
+  </p:cSld>
+  <p:clrMapOvr>
+    <a:masterClrMapping/>
+  </p:clrMapOvr>
+</p:sld>
+</file>
+
+<file path=ppt/slides/slide30.xml><?xml version="1.0" encoding="utf-8"?>
 <p:sld xmlns:a="http://schemas.openxmlformats.org/drawingml/2006/main" xmlns:r="http://schemas.openxmlformats.org/officeDocument/2006/relationships" xmlns:p="http://schemas.openxmlformats.org/presentationml/2006/main">
   <p:cSld>
     <p:spTree>
@@ -33642,7 +35080,7 @@
 </p:sld>
 </file>
 
-<file path=ppt/slides/slide25.xml><?xml version="1.0" encoding="utf-8"?>
+<file path=ppt/slides/slide31.xml><?xml version="1.0" encoding="utf-8"?>
 <p:sld xmlns:a="http://schemas.openxmlformats.org/drawingml/2006/main" xmlns:r="http://schemas.openxmlformats.org/officeDocument/2006/relationships" xmlns:p="http://schemas.openxmlformats.org/presentationml/2006/main">
   <p:cSld>
     <p:spTree>
@@ -33719,7 +35157,7 @@
 </p:sld>
 </file>
 
-<file path=ppt/slides/slide26.xml><?xml version="1.0" encoding="utf-8"?>
+<file path=ppt/slides/slide32.xml><?xml version="1.0" encoding="utf-8"?>
 <p:sld xmlns:a="http://schemas.openxmlformats.org/drawingml/2006/main" xmlns:r="http://schemas.openxmlformats.org/officeDocument/2006/relationships" xmlns:p="http://schemas.openxmlformats.org/presentationml/2006/main">
   <p:cSld>
     <p:spTree>
@@ -33815,7 +35253,7 @@
 </p:sld>
 </file>
 
-<file path=ppt/slides/slide27.xml><?xml version="1.0" encoding="utf-8"?>
+<file path=ppt/slides/slide33.xml><?xml version="1.0" encoding="utf-8"?>
 <p:sld xmlns:a="http://schemas.openxmlformats.org/drawingml/2006/main" xmlns:r="http://schemas.openxmlformats.org/officeDocument/2006/relationships" xmlns:p="http://schemas.openxmlformats.org/presentationml/2006/main">
   <p:cSld>
     <p:spTree>
@@ -33875,7 +35313,7 @@
 </p:sld>
 </file>
 
-<file path=ppt/slides/slide28.xml><?xml version="1.0" encoding="utf-8"?>
+<file path=ppt/slides/slide34.xml><?xml version="1.0" encoding="utf-8"?>
 <p:sld xmlns:a="http://schemas.openxmlformats.org/drawingml/2006/main" xmlns:r="http://schemas.openxmlformats.org/officeDocument/2006/relationships" xmlns:p="http://schemas.openxmlformats.org/presentationml/2006/main">
   <p:cSld>
     <p:spTree>
@@ -33999,7 +35437,7 @@
 </p:sld>
 </file>
 
-<file path=ppt/slides/slide29.xml><?xml version="1.0" encoding="utf-8"?>
+<file path=ppt/slides/slide35.xml><?xml version="1.0" encoding="utf-8"?>
 <p:sld xmlns:a="http://schemas.openxmlformats.org/drawingml/2006/main" xmlns:r="http://schemas.openxmlformats.org/officeDocument/2006/relationships" xmlns:p="http://schemas.openxmlformats.org/presentationml/2006/main">
   <p:cSld>
     <p:spTree>
@@ -34141,295 +35579,7 @@
 </p:sld>
 </file>
 
-<file path=ppt/slides/slide3.xml><?xml version="1.0" encoding="utf-8"?>
-<p:sld xmlns:a="http://schemas.openxmlformats.org/drawingml/2006/main" xmlns:r="http://schemas.openxmlformats.org/officeDocument/2006/relationships" xmlns:p="http://schemas.openxmlformats.org/presentationml/2006/main">
-  <p:cSld>
-    <p:spTree>
-      <p:nvGrpSpPr>
-        <p:cNvPr id="1" name=""/>
-        <p:cNvGrpSpPr/>
-        <p:nvPr/>
-      </p:nvGrpSpPr>
-      <p:grpSpPr>
-        <a:xfrm>
-          <a:off x="0" y="0"/>
-          <a:ext cx="0" cy="0"/>
-          <a:chOff x="0" y="0"/>
-          <a:chExt cx="0" cy="0"/>
-        </a:xfrm>
-      </p:grpSpPr>
-      <p:sp>
-        <p:nvSpPr>
-          <p:cNvPr id="2" name="Title 1">
-            <a:extLst>
-              <a:ext uri="{FF2B5EF4-FFF2-40B4-BE49-F238E27FC236}">
-                <a16:creationId xmlns:a16="http://schemas.microsoft.com/office/drawing/2014/main" id="{05E40E30-D5F7-4DB3-963F-20FB7A0E682F}"/>
-              </a:ext>
-            </a:extLst>
-          </p:cNvPr>
-          <p:cNvSpPr txBox="1">
-            <a:spLocks/>
-          </p:cNvSpPr>
-          <p:nvPr/>
-        </p:nvSpPr>
-        <p:spPr>
-          <a:xfrm>
-            <a:off x="1141413" y="618518"/>
-            <a:ext cx="9905998" cy="812717"/>
-          </a:xfrm>
-          <a:prstGeom prst="rect">
-            <a:avLst/>
-          </a:prstGeom>
-        </p:spPr>
-        <p:txBody>
-          <a:bodyPr/>
-          <a:lstStyle>
-            <a:lvl1pPr algn="l" defTabSz="914400" rtl="0" eaLnBrk="1" latinLnBrk="0" hangingPunct="1">
-              <a:lnSpc>
-                <a:spcPct val="90000"/>
-              </a:lnSpc>
-              <a:spcBef>
-                <a:spcPct val="0"/>
-              </a:spcBef>
-              <a:buNone/>
-              <a:defRPr sz="3600" kern="1200" cap="all" baseline="0">
-                <a:solidFill>
-                  <a:schemeClr val="tx1"/>
-                </a:solidFill>
-                <a:effectLst>
-                  <a:outerShdw blurRad="177800" dist="38100" dir="2700000" algn="tl">
-                    <a:srgbClr val="000000">
-                      <a:alpha val="24000"/>
-                    </a:srgbClr>
-                  </a:outerShdw>
-                </a:effectLst>
-                <a:latin typeface="+mj-lt"/>
-                <a:ea typeface="+mj-ea"/>
-                <a:cs typeface="+mj-cs"/>
-              </a:defRPr>
-            </a:lvl1pPr>
-          </a:lstStyle>
-          <a:p>
-            <a:r>
-              <a:rPr lang="en-US" dirty="0"/>
-              <a:t>How was this term “</a:t>
-            </a:r>
-            <a:r>
-              <a:rPr lang="en-US" i="1" dirty="0">
-                <a:latin typeface="Ink Free" panose="03080402000500000000" pitchFamily="66" charset="0"/>
-              </a:rPr>
-              <a:t>Things</a:t>
-            </a:r>
-            <a:r>
-              <a:rPr lang="en-US" dirty="0"/>
-              <a:t>” coined</a:t>
-            </a:r>
-            <a:endParaRPr lang="en-IN" dirty="0"/>
-          </a:p>
-        </p:txBody>
-      </p:sp>
-      <p:sp>
-        <p:nvSpPr>
-          <p:cNvPr id="4" name="TextBox 3">
-            <a:extLst>
-              <a:ext uri="{FF2B5EF4-FFF2-40B4-BE49-F238E27FC236}">
-                <a16:creationId xmlns:a16="http://schemas.microsoft.com/office/drawing/2014/main" id="{F365DF2E-673D-47AD-846F-8CA9026FE84E}"/>
-              </a:ext>
-            </a:extLst>
-          </p:cNvPr>
-          <p:cNvSpPr txBox="1"/>
-          <p:nvPr/>
-        </p:nvSpPr>
-        <p:spPr>
-          <a:xfrm>
-            <a:off x="5718451" y="1282147"/>
-            <a:ext cx="5539408" cy="3693319"/>
-          </a:xfrm>
-          <a:prstGeom prst="rect">
-            <a:avLst/>
-          </a:prstGeom>
-          <a:noFill/>
-        </p:spPr>
-        <p:txBody>
-          <a:bodyPr wrap="square">
-            <a:spAutoFit/>
-          </a:bodyPr>
-          <a:lstStyle/>
-          <a:p>
-            <a:r>
-              <a:rPr lang="en-US" b="0" i="0" dirty="0">
-                <a:solidFill>
-                  <a:srgbClr val="000000"/>
-                </a:solidFill>
-                <a:effectLst/>
-                <a:latin typeface="Open Sans"/>
-              </a:rPr>
-              <a:t>The term Internet of Things is </a:t>
-            </a:r>
-            <a:r>
-              <a:rPr lang="en-US" dirty="0">
-                <a:solidFill>
-                  <a:srgbClr val="000000"/>
-                </a:solidFill>
-                <a:latin typeface="Open Sans"/>
-              </a:rPr>
-              <a:t>more than  four decade old.</a:t>
-            </a:r>
-            <a:r>
-              <a:rPr lang="en-US" b="0" i="0" dirty="0">
-                <a:solidFill>
-                  <a:srgbClr val="000000"/>
-                </a:solidFill>
-                <a:effectLst/>
-                <a:latin typeface="Open Sans"/>
-              </a:rPr>
-              <a:t>. The   idea of connected devices had been around </a:t>
-            </a:r>
-            <a:r>
-              <a:rPr lang="en-US" dirty="0">
-                <a:solidFill>
-                  <a:srgbClr val="000000"/>
-                </a:solidFill>
-                <a:latin typeface="Open Sans"/>
-              </a:rPr>
-              <a:t>for more than four decades when internet was in experimental stage. </a:t>
-            </a:r>
-          </a:p>
-          <a:p>
-            <a:endParaRPr lang="en-US" b="0" i="0" dirty="0">
-              <a:solidFill>
-                <a:srgbClr val="000000"/>
-              </a:solidFill>
-              <a:effectLst/>
-              <a:latin typeface="Open Sans"/>
-            </a:endParaRPr>
-          </a:p>
-          <a:p>
-            <a:r>
-              <a:rPr lang="en-US" dirty="0">
-                <a:solidFill>
-                  <a:srgbClr val="000000"/>
-                </a:solidFill>
-                <a:latin typeface="Open Sans"/>
-              </a:rPr>
-              <a:t>The </a:t>
-            </a:r>
-            <a:r>
-              <a:rPr lang="en-US" b="0" i="0" dirty="0">
-                <a:solidFill>
-                  <a:srgbClr val="000000"/>
-                </a:solidFill>
-                <a:effectLst/>
-                <a:latin typeface="Open Sans"/>
-              </a:rPr>
-              <a:t>term “Internet of Things” was coined by </a:t>
-            </a:r>
-            <a:r>
-              <a:rPr lang="en-US" b="0" i="0" u="none" strike="noStrike" dirty="0">
-                <a:solidFill>
-                  <a:srgbClr val="FF483C"/>
-                </a:solidFill>
-                <a:effectLst/>
-                <a:latin typeface="Open Sans"/>
-                <a:hlinkClick r:id="rId2"/>
-              </a:rPr>
-              <a:t>Kevin Ashton</a:t>
-            </a:r>
-            <a:r>
-              <a:rPr lang="en-US" b="0" i="0" dirty="0">
-                <a:solidFill>
-                  <a:srgbClr val="000000"/>
-                </a:solidFill>
-                <a:effectLst/>
-                <a:latin typeface="Open Sans"/>
-              </a:rPr>
-              <a:t> in 1999 during his work at </a:t>
-            </a:r>
-            <a:r>
-              <a:rPr lang="en-US" b="0" i="0" dirty="0" err="1">
-                <a:solidFill>
-                  <a:srgbClr val="000000"/>
-                </a:solidFill>
-                <a:effectLst/>
-                <a:latin typeface="Open Sans"/>
-              </a:rPr>
-              <a:t>Procter&amp;Gamble</a:t>
-            </a:r>
-            <a:r>
-              <a:rPr lang="en-US" b="0" i="0" dirty="0">
-                <a:solidFill>
-                  <a:srgbClr val="000000"/>
-                </a:solidFill>
-                <a:effectLst/>
-                <a:latin typeface="Open Sans"/>
-              </a:rPr>
-              <a:t>. Ashton who was working in supply chain optimization, wanted to attract senior management’s attention to a new exciting technology called RFID. Because the internet was the hottest new trend in 1999 and because it somehow made sense, he called his presentation “Internet of Things”.</a:t>
-            </a:r>
-            <a:endParaRPr lang="en-IN" dirty="0"/>
-          </a:p>
-        </p:txBody>
-      </p:sp>
-      <p:pic>
-        <p:nvPicPr>
-          <p:cNvPr id="1026" name="Picture 2" descr="Kevin Ashton">
-            <a:extLst>
-              <a:ext uri="{FF2B5EF4-FFF2-40B4-BE49-F238E27FC236}">
-                <a16:creationId xmlns:a16="http://schemas.microsoft.com/office/drawing/2014/main" id="{3BB46879-263B-42CC-8B79-38FBA6F6F7B2}"/>
-              </a:ext>
-            </a:extLst>
-          </p:cNvPr>
-          <p:cNvPicPr>
-            <a:picLocks noChangeAspect="1" noChangeArrowheads="1"/>
-          </p:cNvPicPr>
-          <p:nvPr/>
-        </p:nvPicPr>
-        <p:blipFill>
-          <a:blip r:embed="rId3">
-            <a:extLst>
-              <a:ext uri="{28A0092B-C50C-407E-A947-70E740481C1C}">
-                <a14:useLocalDpi xmlns:a14="http://schemas.microsoft.com/office/drawing/2010/main" val="0"/>
-              </a:ext>
-            </a:extLst>
-          </a:blip>
-          <a:srcRect/>
-          <a:stretch>
-            <a:fillRect/>
-          </a:stretch>
-        </p:blipFill>
-        <p:spPr bwMode="auto">
-          <a:xfrm>
-            <a:off x="1543530" y="3150897"/>
-            <a:ext cx="3088585" cy="3088585"/>
-          </a:xfrm>
-          <a:prstGeom prst="rect">
-            <a:avLst/>
-          </a:prstGeom>
-          <a:noFill/>
-          <a:extLst>
-            <a:ext uri="{909E8E84-426E-40DD-AFC4-6F175D3DCCD1}">
-              <a14:hiddenFill xmlns:a14="http://schemas.microsoft.com/office/drawing/2010/main">
-                <a:solidFill>
-                  <a:srgbClr val="FFFFFF"/>
-                </a:solidFill>
-              </a14:hiddenFill>
-            </a:ext>
-          </a:extLst>
-        </p:spPr>
-      </p:pic>
-    </p:spTree>
-    <p:extLst>
-      <p:ext uri="{BB962C8B-B14F-4D97-AF65-F5344CB8AC3E}">
-        <p14:creationId xmlns:p14="http://schemas.microsoft.com/office/powerpoint/2010/main" val="4207826616"/>
-      </p:ext>
-    </p:extLst>
-  </p:cSld>
-  <p:clrMapOvr>
-    <a:masterClrMapping/>
-  </p:clrMapOvr>
-</p:sld>
-</file>
-
-<file path=ppt/slides/slide30.xml><?xml version="1.0" encoding="utf-8"?>
+<file path=ppt/slides/slide36.xml><?xml version="1.0" encoding="utf-8"?>
 <p:sld xmlns:a="http://schemas.openxmlformats.org/drawingml/2006/main" xmlns:r="http://schemas.openxmlformats.org/officeDocument/2006/relationships" xmlns:p="http://schemas.openxmlformats.org/presentationml/2006/main">
   <p:cSld>
     <p:spTree>
@@ -34562,7 +35712,7 @@
 </p:sld>
 </file>
 
-<file path=ppt/slides/slide31.xml><?xml version="1.0" encoding="utf-8"?>
+<file path=ppt/slides/slide37.xml><?xml version="1.0" encoding="utf-8"?>
 <p:sld xmlns:a="http://schemas.openxmlformats.org/drawingml/2006/main" xmlns:r="http://schemas.openxmlformats.org/officeDocument/2006/relationships" xmlns:p="http://schemas.openxmlformats.org/presentationml/2006/main">
   <p:cSld>
     <p:spTree>
@@ -34721,7 +35871,7 @@
 </p:sld>
 </file>
 
-<file path=ppt/slides/slide32.xml><?xml version="1.0" encoding="utf-8"?>
+<file path=ppt/slides/slide38.xml><?xml version="1.0" encoding="utf-8"?>
 <p:sld xmlns:a="http://schemas.openxmlformats.org/drawingml/2006/main" xmlns:r="http://schemas.openxmlformats.org/officeDocument/2006/relationships" xmlns:p="http://schemas.openxmlformats.org/presentationml/2006/main">
   <p:cSld>
     <p:spTree>
@@ -35101,7 +36251,7 @@
 </p:sld>
 </file>
 
-<file path=ppt/slides/slide33.xml><?xml version="1.0" encoding="utf-8"?>
+<file path=ppt/slides/slide39.xml><?xml version="1.0" encoding="utf-8"?>
 <p:sld xmlns:a="http://schemas.openxmlformats.org/drawingml/2006/main" xmlns:r="http://schemas.openxmlformats.org/officeDocument/2006/relationships" xmlns:p="http://schemas.openxmlformats.org/presentationml/2006/main">
   <p:cSld>
     <p:spTree>
@@ -35161,7 +36311,143 @@
 </p:sld>
 </file>
 
-<file path=ppt/slides/slide34.xml><?xml version="1.0" encoding="utf-8"?>
+<file path=ppt/slides/slide4.xml><?xml version="1.0" encoding="utf-8"?>
+<p:sld xmlns:a="http://schemas.openxmlformats.org/drawingml/2006/main" xmlns:r="http://schemas.openxmlformats.org/officeDocument/2006/relationships" xmlns:p="http://schemas.openxmlformats.org/presentationml/2006/main">
+  <p:cSld>
+    <p:spTree>
+      <p:nvGrpSpPr>
+        <p:cNvPr id="1" name=""/>
+        <p:cNvGrpSpPr/>
+        <p:nvPr/>
+      </p:nvGrpSpPr>
+      <p:grpSpPr>
+        <a:xfrm>
+          <a:off x="0" y="0"/>
+          <a:ext cx="0" cy="0"/>
+          <a:chOff x="0" y="0"/>
+          <a:chExt cx="0" cy="0"/>
+        </a:xfrm>
+      </p:grpSpPr>
+      <p:sp>
+        <p:nvSpPr>
+          <p:cNvPr id="2" name="Title 1">
+            <a:extLst>
+              <a:ext uri="{FF2B5EF4-FFF2-40B4-BE49-F238E27FC236}">
+                <a16:creationId xmlns:a16="http://schemas.microsoft.com/office/drawing/2014/main" id="{8ADD84E6-F0FE-49CC-BBD3-7BF373478CEE}"/>
+              </a:ext>
+            </a:extLst>
+          </p:cNvPr>
+          <p:cNvSpPr>
+            <a:spLocks noGrp="1"/>
+          </p:cNvSpPr>
+          <p:nvPr>
+            <p:ph type="title"/>
+          </p:nvPr>
+        </p:nvSpPr>
+        <p:spPr/>
+        <p:txBody>
+          <a:bodyPr/>
+          <a:lstStyle/>
+          <a:p>
+            <a:r>
+              <a:rPr lang="en-US" dirty="0"/>
+              <a:t>Listen to Kevin for few minutes</a:t>
+            </a:r>
+            <a:endParaRPr lang="en-IN" dirty="0"/>
+          </a:p>
+        </p:txBody>
+      </p:sp>
+      <p:sp>
+        <p:nvSpPr>
+          <p:cNvPr id="4" name="TextBox 3">
+            <a:extLst>
+              <a:ext uri="{FF2B5EF4-FFF2-40B4-BE49-F238E27FC236}">
+                <a16:creationId xmlns:a16="http://schemas.microsoft.com/office/drawing/2014/main" id="{93DC780E-E601-481A-B4D9-F662F7D39D2E}"/>
+              </a:ext>
+            </a:extLst>
+          </p:cNvPr>
+          <p:cNvSpPr txBox="1"/>
+          <p:nvPr/>
+        </p:nvSpPr>
+        <p:spPr>
+          <a:xfrm>
+            <a:off x="1262269" y="2828835"/>
+            <a:ext cx="10571921" cy="369332"/>
+          </a:xfrm>
+          <a:prstGeom prst="rect">
+            <a:avLst/>
+          </a:prstGeom>
+          <a:noFill/>
+        </p:spPr>
+        <p:txBody>
+          <a:bodyPr wrap="square">
+            <a:spAutoFit/>
+          </a:bodyPr>
+          <a:lstStyle/>
+          <a:p>
+            <a:r>
+              <a:rPr lang="en-IN" dirty="0"/>
+              <a:t>https://www.techrepublic.com/videos/share/how-the-term-internet-of-things-was-invented</a:t>
+            </a:r>
+          </a:p>
+        </p:txBody>
+      </p:sp>
+      <p:sp>
+        <p:nvSpPr>
+          <p:cNvPr id="6" name="TextBox 5">
+            <a:extLst>
+              <a:ext uri="{FF2B5EF4-FFF2-40B4-BE49-F238E27FC236}">
+                <a16:creationId xmlns:a16="http://schemas.microsoft.com/office/drawing/2014/main" id="{3E79D20F-43F2-4515-8486-63216E5B0356}"/>
+              </a:ext>
+            </a:extLst>
+          </p:cNvPr>
+          <p:cNvSpPr txBox="1"/>
+          <p:nvPr/>
+        </p:nvSpPr>
+        <p:spPr>
+          <a:xfrm>
+            <a:off x="1141413" y="3929914"/>
+            <a:ext cx="9905997" cy="1200329"/>
+          </a:xfrm>
+          <a:prstGeom prst="rect">
+            <a:avLst/>
+          </a:prstGeom>
+          <a:noFill/>
+        </p:spPr>
+        <p:txBody>
+          <a:bodyPr wrap="square">
+            <a:spAutoFit/>
+          </a:bodyPr>
+          <a:lstStyle/>
+          <a:p>
+            <a:r>
+              <a:rPr lang="en-US" b="0" i="0" dirty="0">
+                <a:solidFill>
+                  <a:srgbClr val="333333"/>
+                </a:solidFill>
+                <a:effectLst/>
+                <a:latin typeface="Proxima Nova"/>
+              </a:rPr>
+              <a:t>The Internet of Things is not really when your app tells you that your toaster is ready with your toast. Right? We don't care about that. The Internet of Things means a whole range of different sensors that are somehow connected to the internet that are gathering information about the real world that can then be made useful in some way.</a:t>
+            </a:r>
+            <a:endParaRPr lang="en-IN" dirty="0"/>
+          </a:p>
+        </p:txBody>
+      </p:sp>
+    </p:spTree>
+    <p:extLst>
+      <p:ext uri="{BB962C8B-B14F-4D97-AF65-F5344CB8AC3E}">
+        <p14:creationId xmlns:p14="http://schemas.microsoft.com/office/powerpoint/2010/main" val="1839944405"/>
+      </p:ext>
+    </p:extLst>
+  </p:cSld>
+  <p:clrMapOvr>
+    <a:masterClrMapping/>
+  </p:clrMapOvr>
+</p:sld>
+</file>
+
+<file path=ppt/slides/slide40.xml><?xml version="1.0" encoding="utf-8"?>
 <p:sld xmlns:a="http://schemas.openxmlformats.org/drawingml/2006/main" xmlns:r="http://schemas.openxmlformats.org/officeDocument/2006/relationships" xmlns:p="http://schemas.openxmlformats.org/presentationml/2006/main">
   <p:cSld>
     <p:spTree>
@@ -35221,7 +36507,7 @@
 </p:sld>
 </file>
 
-<file path=ppt/slides/slide35.xml><?xml version="1.0" encoding="utf-8"?>
+<file path=ppt/slides/slide41.xml><?xml version="1.0" encoding="utf-8"?>
 <p:sld xmlns:a="http://schemas.openxmlformats.org/drawingml/2006/main" xmlns:r="http://schemas.openxmlformats.org/officeDocument/2006/relationships" xmlns:p="http://schemas.openxmlformats.org/presentationml/2006/main">
   <p:cSld>
     <p:spTree>
@@ -35449,7 +36735,7 @@
 </p:sld>
 </file>
 
-<file path=ppt/slides/slide36.xml><?xml version="1.0" encoding="utf-8"?>
+<file path=ppt/slides/slide42.xml><?xml version="1.0" encoding="utf-8"?>
 <p:sld xmlns:a="http://schemas.openxmlformats.org/drawingml/2006/main" xmlns:r="http://schemas.openxmlformats.org/officeDocument/2006/relationships" xmlns:p="http://schemas.openxmlformats.org/presentationml/2006/main">
   <p:cSld>
     <p:spTree>
@@ -35636,7 +36922,7 @@
 </p:sld>
 </file>
 
-<file path=ppt/slides/slide37.xml><?xml version="1.0" encoding="utf-8"?>
+<file path=ppt/slides/slide43.xml><?xml version="1.0" encoding="utf-8"?>
 <p:sld xmlns:a="http://schemas.openxmlformats.org/drawingml/2006/main" xmlns:r="http://schemas.openxmlformats.org/officeDocument/2006/relationships" xmlns:p="http://schemas.openxmlformats.org/presentationml/2006/main">
   <p:cSld>
     <p:spTree>
@@ -35718,7 +37004,7 @@
         </p:nvSpPr>
         <p:spPr>
           <a:xfrm>
-            <a:off x="1405718" y="2265528"/>
+            <a:off x="1413229" y="2104114"/>
             <a:ext cx="9362365" cy="923330"/>
           </a:xfrm>
           <a:prstGeom prst="rect">
@@ -35773,7 +37059,7 @@
         <p:spPr>
           <a:xfrm>
             <a:off x="887104" y="3330054"/>
-            <a:ext cx="10481481" cy="2585323"/>
+            <a:ext cx="10481481" cy="3416320"/>
           </a:xfrm>
           <a:prstGeom prst="rect">
             <a:avLst/>
@@ -35880,7 +37166,45 @@
               </a:rPr>
               <a:t>GNS3 is open source and freely available for download. Runs on Windows and Linux</a:t>
             </a:r>
-            <a:endParaRPr lang="en-IN" dirty="0"/>
+          </a:p>
+          <a:p>
+            <a:endParaRPr lang="en-US" dirty="0">
+              <a:latin typeface="Geneva"/>
+            </a:endParaRPr>
+          </a:p>
+          <a:p>
+            <a:r>
+              <a:rPr lang="en-US" b="1" dirty="0">
+                <a:solidFill>
+                  <a:srgbClr val="FF0000"/>
+                </a:solidFill>
+                <a:latin typeface="Geneva"/>
+              </a:rPr>
+              <a:t>Google for “GNS3” you will find all the material for your setup a virtual networking </a:t>
+            </a:r>
+            <a:r>
+              <a:rPr lang="en-US" b="1" dirty="0" err="1">
+                <a:solidFill>
+                  <a:srgbClr val="FF0000"/>
+                </a:solidFill>
+                <a:latin typeface="Geneva"/>
+              </a:rPr>
+              <a:t>lab,on</a:t>
+            </a:r>
+            <a:r>
+              <a:rPr lang="en-US" b="1" dirty="0">
+                <a:solidFill>
+                  <a:srgbClr val="FF0000"/>
+                </a:solidFill>
+                <a:latin typeface="Geneva"/>
+              </a:rPr>
+              <a:t> your laptop</a:t>
+            </a:r>
+            <a:endParaRPr lang="en-IN" b="1" dirty="0">
+              <a:solidFill>
+                <a:srgbClr val="FF0000"/>
+              </a:solidFill>
+            </a:endParaRPr>
           </a:p>
         </p:txBody>
       </p:sp>
@@ -35897,7 +37221,7 @@
 </p:sld>
 </file>
 
-<file path=ppt/slides/slide38.xml><?xml version="1.0" encoding="utf-8"?>
+<file path=ppt/slides/slide44.xml><?xml version="1.0" encoding="utf-8"?>
 <p:sld xmlns:a="http://schemas.openxmlformats.org/drawingml/2006/main" xmlns:r="http://schemas.openxmlformats.org/officeDocument/2006/relationships" xmlns:p="http://schemas.openxmlformats.org/presentationml/2006/main">
   <p:cSld>
     <p:spTree>
@@ -35995,71 +37319,12 @@
           </a:extLst>
         </p:spPr>
       </p:pic>
-    </p:spTree>
-    <p:extLst>
-      <p:ext uri="{BB962C8B-B14F-4D97-AF65-F5344CB8AC3E}">
-        <p14:creationId xmlns:p14="http://schemas.microsoft.com/office/powerpoint/2010/main" val="1261496233"/>
-      </p:ext>
-    </p:extLst>
-  </p:cSld>
-  <p:clrMapOvr>
-    <a:masterClrMapping/>
-  </p:clrMapOvr>
-</p:sld>
-</file>
-
-<file path=ppt/slides/slide4.xml><?xml version="1.0" encoding="utf-8"?>
-<p:sld xmlns:a="http://schemas.openxmlformats.org/drawingml/2006/main" xmlns:r="http://schemas.openxmlformats.org/officeDocument/2006/relationships" xmlns:p="http://schemas.openxmlformats.org/presentationml/2006/main">
-  <p:cSld>
-    <p:spTree>
-      <p:nvGrpSpPr>
-        <p:cNvPr id="1" name=""/>
-        <p:cNvGrpSpPr/>
-        <p:nvPr/>
-      </p:nvGrpSpPr>
-      <p:grpSpPr>
-        <a:xfrm>
-          <a:off x="0" y="0"/>
-          <a:ext cx="0" cy="0"/>
-          <a:chOff x="0" y="0"/>
-          <a:chExt cx="0" cy="0"/>
-        </a:xfrm>
-      </p:grpSpPr>
       <p:sp>
         <p:nvSpPr>
-          <p:cNvPr id="2" name="Title 1">
+          <p:cNvPr id="3" name="TextBox 2">
             <a:extLst>
               <a:ext uri="{FF2B5EF4-FFF2-40B4-BE49-F238E27FC236}">
-                <a16:creationId xmlns:a16="http://schemas.microsoft.com/office/drawing/2014/main" id="{8ADD84E6-F0FE-49CC-BBD3-7BF373478CEE}"/>
-              </a:ext>
-            </a:extLst>
-          </p:cNvPr>
-          <p:cNvSpPr>
-            <a:spLocks noGrp="1"/>
-          </p:cNvSpPr>
-          <p:nvPr>
-            <p:ph type="title"/>
-          </p:nvPr>
-        </p:nvSpPr>
-        <p:spPr/>
-        <p:txBody>
-          <a:bodyPr/>
-          <a:lstStyle/>
-          <a:p>
-            <a:r>
-              <a:rPr lang="en-US" dirty="0"/>
-              <a:t>Listen to Kevin for few minutes</a:t>
-            </a:r>
-            <a:endParaRPr lang="en-IN" dirty="0"/>
-          </a:p>
-        </p:txBody>
-      </p:sp>
-      <p:sp>
-        <p:nvSpPr>
-          <p:cNvPr id="4" name="TextBox 3">
-            <a:extLst>
-              <a:ext uri="{FF2B5EF4-FFF2-40B4-BE49-F238E27FC236}">
-                <a16:creationId xmlns:a16="http://schemas.microsoft.com/office/drawing/2014/main" id="{93DC780E-E601-481A-B4D9-F662F7D39D2E}"/>
+                <a16:creationId xmlns:a16="http://schemas.microsoft.com/office/drawing/2014/main" id="{3117E883-1AD7-4743-8404-EAC94B58D583}"/>
               </a:ext>
             </a:extLst>
           </p:cNvPr>
@@ -36068,8 +37333,8 @@
         </p:nvSpPr>
         <p:spPr>
           <a:xfrm>
-            <a:off x="1262269" y="2828835"/>
-            <a:ext cx="10571921" cy="369332"/>
+            <a:off x="1187355" y="1516143"/>
+            <a:ext cx="8446259" cy="646331"/>
           </a:xfrm>
           <a:prstGeom prst="rect">
             <a:avLst/>
@@ -36077,64 +37342,360 @@
           <a:noFill/>
         </p:spPr>
         <p:txBody>
-          <a:bodyPr wrap="square">
+          <a:bodyPr wrap="square" rtlCol="0">
             <a:spAutoFit/>
           </a:bodyPr>
           <a:lstStyle/>
           <a:p>
             <a:r>
-              <a:rPr lang="en-IN" dirty="0"/>
-              <a:t>https://www.techrepublic.com/videos/share/how-the-term-internet-of-things-was-invented</a:t>
+              <a:rPr lang="en-US" dirty="0"/>
+              <a:t>Lets write a simple python script to find the IP address of a computer using Domain name</a:t>
             </a:r>
+          </a:p>
+          <a:p>
+            <a:endParaRPr lang="en-IN" dirty="0"/>
           </a:p>
         </p:txBody>
       </p:sp>
       <p:sp>
         <p:nvSpPr>
-          <p:cNvPr id="6" name="TextBox 5">
+          <p:cNvPr id="4" name="Scroll: Vertical 3">
             <a:extLst>
               <a:ext uri="{FF2B5EF4-FFF2-40B4-BE49-F238E27FC236}">
-                <a16:creationId xmlns:a16="http://schemas.microsoft.com/office/drawing/2014/main" id="{3E79D20F-43F2-4515-8486-63216E5B0356}"/>
+                <a16:creationId xmlns:a16="http://schemas.microsoft.com/office/drawing/2014/main" id="{D498CA34-313E-44AD-8DD7-2AEA5E7FDF10}"/>
               </a:ext>
             </a:extLst>
           </p:cNvPr>
-          <p:cNvSpPr txBox="1"/>
+          <p:cNvSpPr/>
           <p:nvPr/>
         </p:nvSpPr>
         <p:spPr>
           <a:xfrm>
-            <a:off x="1141413" y="3929914"/>
-            <a:ext cx="9905997" cy="1200329"/>
+            <a:off x="684091" y="2257536"/>
+            <a:ext cx="10534366" cy="2342927"/>
           </a:xfrm>
-          <a:prstGeom prst="rect">
+          <a:prstGeom prst="verticalScroll">
             <a:avLst/>
           </a:prstGeom>
-          <a:noFill/>
         </p:spPr>
+        <p:style>
+          <a:lnRef idx="2">
+            <a:schemeClr val="accent1">
+              <a:shade val="50000"/>
+            </a:schemeClr>
+          </a:lnRef>
+          <a:fillRef idx="1">
+            <a:schemeClr val="accent1"/>
+          </a:fillRef>
+          <a:effectRef idx="0">
+            <a:schemeClr val="accent1"/>
+          </a:effectRef>
+          <a:fontRef idx="minor">
+            <a:schemeClr val="lt1"/>
+          </a:fontRef>
+        </p:style>
         <p:txBody>
-          <a:bodyPr wrap="square">
-            <a:spAutoFit/>
-          </a:bodyPr>
+          <a:bodyPr rtlCol="0" anchor="ctr"/>
           <a:lstStyle/>
           <a:p>
+            <a:pPr algn="l"/>
             <a:r>
-              <a:rPr lang="en-US" b="0" i="0" dirty="0">
+              <a:rPr lang="en-IN" b="0" i="0" dirty="0">
                 <a:solidFill>
                   <a:srgbClr val="333333"/>
                 </a:solidFill>
                 <a:effectLst/>
-                <a:latin typeface="Proxima Nova"/>
+                <a:latin typeface="Courier New" panose="02070309020205020404" pitchFamily="49" charset="0"/>
               </a:rPr>
-              <a:t>The Internet of Things is not really when your app tells you that your toaster is ready with your toast. Right? We don't care about that. The Internet of Things means a whole range of different sensors that are somehow connected to the internet that are gathering information about the real world that can then be made useful in some way.</a:t>
+              <a:t>import socket</a:t>
             </a:r>
-            <a:endParaRPr lang="en-IN" dirty="0"/>
+            <a:endParaRPr lang="en-IN" b="0" i="0" dirty="0">
+              <a:solidFill>
+                <a:srgbClr val="333333"/>
+              </a:solidFill>
+              <a:effectLst/>
+              <a:latin typeface="Helvetica Neue"/>
+            </a:endParaRPr>
+          </a:p>
+          <a:p>
+            <a:pPr algn="l"/>
+            <a:r>
+              <a:rPr lang="en-IN" b="0" i="0" dirty="0">
+                <a:solidFill>
+                  <a:srgbClr val="333333"/>
+                </a:solidFill>
+                <a:effectLst/>
+                <a:latin typeface="Helvetica Neue"/>
+              </a:rPr>
+              <a:t> </a:t>
+            </a:r>
+          </a:p>
+          <a:p>
+            <a:pPr algn="l"/>
+            <a:r>
+              <a:rPr lang="en-IN" b="0" i="0" dirty="0" err="1">
+                <a:solidFill>
+                  <a:srgbClr val="333333"/>
+                </a:solidFill>
+                <a:effectLst/>
+                <a:latin typeface="Courier New" panose="02070309020205020404" pitchFamily="49" charset="0"/>
+              </a:rPr>
+              <a:t>hostName</a:t>
+            </a:r>
+            <a:r>
+              <a:rPr lang="en-IN" b="0" i="0" dirty="0">
+                <a:solidFill>
+                  <a:srgbClr val="333333"/>
+                </a:solidFill>
+                <a:effectLst/>
+                <a:latin typeface="Courier New" panose="02070309020205020404" pitchFamily="49" charset="0"/>
+              </a:rPr>
+              <a:t>    = "example.org"</a:t>
+            </a:r>
+            <a:endParaRPr lang="en-IN" b="0" i="0" dirty="0">
+              <a:solidFill>
+                <a:srgbClr val="333333"/>
+              </a:solidFill>
+              <a:effectLst/>
+              <a:latin typeface="Helvetica Neue"/>
+            </a:endParaRPr>
+          </a:p>
+          <a:p>
+            <a:pPr algn="l"/>
+            <a:r>
+              <a:rPr lang="en-IN" b="0" i="0" dirty="0">
+                <a:solidFill>
+                  <a:srgbClr val="333333"/>
+                </a:solidFill>
+                <a:effectLst/>
+                <a:latin typeface="Helvetica Neue"/>
+              </a:rPr>
+              <a:t> </a:t>
+            </a:r>
+          </a:p>
+          <a:p>
+            <a:pPr algn="l"/>
+            <a:r>
+              <a:rPr lang="en-IN" b="0" i="0" dirty="0" err="1">
+                <a:solidFill>
+                  <a:srgbClr val="333333"/>
+                </a:solidFill>
+                <a:effectLst/>
+                <a:latin typeface="Courier New" panose="02070309020205020404" pitchFamily="49" charset="0"/>
+              </a:rPr>
+              <a:t>ipAddress</a:t>
+            </a:r>
+            <a:r>
+              <a:rPr lang="en-IN" b="0" i="0" dirty="0">
+                <a:solidFill>
+                  <a:srgbClr val="333333"/>
+                </a:solidFill>
+                <a:effectLst/>
+                <a:latin typeface="Courier New" panose="02070309020205020404" pitchFamily="49" charset="0"/>
+              </a:rPr>
+              <a:t>   = </a:t>
+            </a:r>
+            <a:r>
+              <a:rPr lang="en-IN" b="0" i="0" dirty="0" err="1">
+                <a:solidFill>
+                  <a:srgbClr val="333333"/>
+                </a:solidFill>
+                <a:effectLst/>
+                <a:latin typeface="Courier New" panose="02070309020205020404" pitchFamily="49" charset="0"/>
+              </a:rPr>
+              <a:t>socket.gethostbyname</a:t>
+            </a:r>
+            <a:r>
+              <a:rPr lang="en-IN" b="0" i="0" dirty="0">
+                <a:solidFill>
+                  <a:srgbClr val="333333"/>
+                </a:solidFill>
+                <a:effectLst/>
+                <a:latin typeface="Courier New" panose="02070309020205020404" pitchFamily="49" charset="0"/>
+              </a:rPr>
+              <a:t>(</a:t>
+            </a:r>
+            <a:r>
+              <a:rPr lang="en-IN" b="0" i="0" dirty="0" err="1">
+                <a:solidFill>
+                  <a:srgbClr val="333333"/>
+                </a:solidFill>
+                <a:effectLst/>
+                <a:latin typeface="Courier New" panose="02070309020205020404" pitchFamily="49" charset="0"/>
+              </a:rPr>
+              <a:t>hostName</a:t>
+            </a:r>
+            <a:r>
+              <a:rPr lang="en-IN" b="0" i="0" dirty="0">
+                <a:solidFill>
+                  <a:srgbClr val="333333"/>
+                </a:solidFill>
+                <a:effectLst/>
+                <a:latin typeface="Courier New" panose="02070309020205020404" pitchFamily="49" charset="0"/>
+              </a:rPr>
+              <a:t>)</a:t>
+            </a:r>
+            <a:endParaRPr lang="en-IN" b="0" i="0" dirty="0">
+              <a:solidFill>
+                <a:srgbClr val="333333"/>
+              </a:solidFill>
+              <a:effectLst/>
+              <a:latin typeface="Helvetica Neue"/>
+            </a:endParaRPr>
+          </a:p>
+          <a:p>
+            <a:pPr algn="l"/>
+            <a:r>
+              <a:rPr lang="en-IN" b="0" i="0" dirty="0">
+                <a:solidFill>
+                  <a:srgbClr val="333333"/>
+                </a:solidFill>
+                <a:effectLst/>
+                <a:latin typeface="Courier New" panose="02070309020205020404" pitchFamily="49" charset="0"/>
+              </a:rPr>
+              <a:t>print("IP address of the host name {} is: {}".format(</a:t>
+            </a:r>
+            <a:r>
+              <a:rPr lang="en-IN" b="0" i="0" dirty="0" err="1">
+                <a:solidFill>
+                  <a:srgbClr val="333333"/>
+                </a:solidFill>
+                <a:effectLst/>
+                <a:latin typeface="Courier New" panose="02070309020205020404" pitchFamily="49" charset="0"/>
+              </a:rPr>
+              <a:t>hostName</a:t>
+            </a:r>
+            <a:r>
+              <a:rPr lang="en-IN" b="0" i="0" dirty="0">
+                <a:solidFill>
+                  <a:srgbClr val="333333"/>
+                </a:solidFill>
+                <a:effectLst/>
+                <a:latin typeface="Courier New" panose="02070309020205020404" pitchFamily="49" charset="0"/>
+              </a:rPr>
+              <a:t>, </a:t>
+            </a:r>
+            <a:r>
+              <a:rPr lang="en-IN" b="0" i="0" dirty="0" err="1">
+                <a:solidFill>
+                  <a:srgbClr val="333333"/>
+                </a:solidFill>
+                <a:effectLst/>
+                <a:latin typeface="Courier New" panose="02070309020205020404" pitchFamily="49" charset="0"/>
+              </a:rPr>
+              <a:t>ipAddress</a:t>
+            </a:r>
+            <a:r>
+              <a:rPr lang="en-IN" b="0" i="0" dirty="0">
+                <a:solidFill>
+                  <a:srgbClr val="333333"/>
+                </a:solidFill>
+                <a:effectLst/>
+                <a:latin typeface="Courier New" panose="02070309020205020404" pitchFamily="49" charset="0"/>
+              </a:rPr>
+              <a:t>))</a:t>
+            </a:r>
+            <a:endParaRPr lang="en-IN" b="0" i="0" dirty="0">
+              <a:solidFill>
+                <a:srgbClr val="333333"/>
+              </a:solidFill>
+              <a:effectLst/>
+              <a:latin typeface="Helvetica Neue"/>
+            </a:endParaRPr>
+          </a:p>
+        </p:txBody>
+      </p:sp>
+      <p:sp>
+        <p:nvSpPr>
+          <p:cNvPr id="5" name="Rectangle: Rounded Corners 4">
+            <a:extLst>
+              <a:ext uri="{FF2B5EF4-FFF2-40B4-BE49-F238E27FC236}">
+                <a16:creationId xmlns:a16="http://schemas.microsoft.com/office/drawing/2014/main" id="{F0AEF782-D8A9-43B4-8F52-F5502B645ED8}"/>
+              </a:ext>
+            </a:extLst>
+          </p:cNvPr>
+          <p:cNvSpPr/>
+          <p:nvPr/>
+        </p:nvSpPr>
+        <p:spPr>
+          <a:xfrm>
+            <a:off x="1528549" y="4954137"/>
+            <a:ext cx="9689908" cy="1582467"/>
+          </a:xfrm>
+          <a:prstGeom prst="roundRect">
+            <a:avLst/>
+          </a:prstGeom>
+          <a:solidFill>
+            <a:schemeClr val="bg1"/>
+          </a:solidFill>
+        </p:spPr>
+        <p:style>
+          <a:lnRef idx="2">
+            <a:schemeClr val="accent1">
+              <a:shade val="50000"/>
+            </a:schemeClr>
+          </a:lnRef>
+          <a:fillRef idx="1">
+            <a:schemeClr val="accent1"/>
+          </a:fillRef>
+          <a:effectRef idx="0">
+            <a:schemeClr val="accent1"/>
+          </a:effectRef>
+          <a:fontRef idx="minor">
+            <a:schemeClr val="lt1"/>
+          </a:fontRef>
+        </p:style>
+        <p:txBody>
+          <a:bodyPr rtlCol="0" anchor="ctr"/>
+          <a:lstStyle/>
+          <a:p>
+            <a:r>
+              <a:rPr lang="en-US" dirty="0">
+                <a:solidFill>
+                  <a:schemeClr val="tx1"/>
+                </a:solidFill>
+              </a:rPr>
+              <a:t>C:\Users\giris\Documents\IotTraining\code&gt;python dns.py</a:t>
+            </a:r>
+          </a:p>
+          <a:p>
+            <a:r>
+              <a:rPr lang="en-US" dirty="0">
+                <a:solidFill>
+                  <a:schemeClr val="tx1"/>
+                </a:solidFill>
+              </a:rPr>
+              <a:t>IP address of the host name example.org is: 93.184.216.34</a:t>
+            </a:r>
+          </a:p>
+          <a:p>
+            <a:endParaRPr lang="en-US" dirty="0">
+              <a:solidFill>
+                <a:schemeClr val="tx1"/>
+              </a:solidFill>
+            </a:endParaRPr>
+          </a:p>
+          <a:p>
+            <a:r>
+              <a:rPr lang="en-US" dirty="0">
+                <a:solidFill>
+                  <a:schemeClr val="tx1"/>
+                </a:solidFill>
+              </a:rPr>
+              <a:t>C:\Users\giris\Documents\IotTraining\code&gt;</a:t>
+            </a:r>
+            <a:endParaRPr lang="en-IN" dirty="0">
+              <a:solidFill>
+                <a:schemeClr val="tx1"/>
+              </a:solidFill>
+            </a:endParaRPr>
           </a:p>
         </p:txBody>
       </p:sp>
     </p:spTree>
     <p:extLst>
       <p:ext uri="{BB962C8B-B14F-4D97-AF65-F5344CB8AC3E}">
-        <p14:creationId xmlns:p14="http://schemas.microsoft.com/office/powerpoint/2010/main" val="1839944405"/>
+        <p14:creationId xmlns:p14="http://schemas.microsoft.com/office/powerpoint/2010/main" val="1261496233"/>
       </p:ext>
     </p:extLst>
   </p:cSld>

--- a/Module-1.pptx
+++ b/Module-1.pptx
@@ -14,7 +14,7 @@
     <p:sldId id="267" r:id="rId5"/>
     <p:sldId id="259" r:id="rId6"/>
     <p:sldId id="262" r:id="rId7"/>
-    <p:sldId id="263" r:id="rId8"/>
+    <p:sldId id="300" r:id="rId8"/>
     <p:sldId id="264" r:id="rId9"/>
     <p:sldId id="265" r:id="rId10"/>
     <p:sldId id="260" r:id="rId11"/>
@@ -155,7 +155,7 @@
 
 <file path=ppt/commentAuthors.xml><?xml version="1.0" encoding="utf-8"?>
 <p:cmAuthorLst xmlns:a="http://schemas.openxmlformats.org/drawingml/2006/main" xmlns:r="http://schemas.openxmlformats.org/officeDocument/2006/relationships" xmlns:p="http://schemas.openxmlformats.org/presentationml/2006/main">
-  <p:cmAuthor id="1" name="Girish Kumar" initials="GK" lastIdx="1" clrIdx="0">
+  <p:cmAuthor id="1" name="Girish Kumar" initials="GK" lastIdx="2" clrIdx="0">
     <p:extLst>
       <p:ext uri="{19B8F6BF-5375-455C-9EA6-DF929625EA0E}">
         <p15:presenceInfo xmlns:p15="http://schemas.microsoft.com/office/powerpoint/2012/main" userId="04f681a11d665b0a" providerId="Windows Live"/>
@@ -166,6 +166,20 @@
 </file>
 
 <file path=ppt/comments/comment1.xml><?xml version="1.0" encoding="utf-8"?>
+<p:cmLst xmlns:a="http://schemas.openxmlformats.org/drawingml/2006/main" xmlns:r="http://schemas.openxmlformats.org/officeDocument/2006/relationships" xmlns:p="http://schemas.openxmlformats.org/presentationml/2006/main">
+  <p:cm authorId="1" dt="2020-07-16T23:29:56.640" idx="2">
+    <p:pos x="6400" y="427"/>
+    <p:text/>
+    <p:extLst>
+      <p:ext uri="{C676402C-5697-4E1C-873F-D02D1690AC5C}">
+        <p15:threadingInfo xmlns:p15="http://schemas.microsoft.com/office/powerpoint/2012/main" timeZoneBias="-330"/>
+      </p:ext>
+    </p:extLst>
+  </p:cm>
+</p:cmLst>
+</file>
+
+<file path=ppt/comments/comment2.xml><?xml version="1.0" encoding="utf-8"?>
 <p:cmLst xmlns:a="http://schemas.openxmlformats.org/drawingml/2006/main" xmlns:r="http://schemas.openxmlformats.org/officeDocument/2006/relationships" xmlns:p="http://schemas.openxmlformats.org/presentationml/2006/main">
   <p:cm authorId="1" dt="2020-07-16T18:24:21.666" idx="1">
     <p:pos x="10" y="10"/>
@@ -2421,6 +2435,753 @@
 </file>
 
 <file path=ppt/diagrams/colors4.xml><?xml version="1.0" encoding="utf-8"?>
+<dgm:colorsDef xmlns:dgm="http://schemas.openxmlformats.org/drawingml/2006/diagram" xmlns:a="http://schemas.openxmlformats.org/drawingml/2006/main" uniqueId="urn:microsoft.com/office/officeart/2005/8/colors/accent1_2">
+  <dgm:title val=""/>
+  <dgm:desc val=""/>
+  <dgm:catLst>
+    <dgm:cat type="accent1" pri="11200"/>
+  </dgm:catLst>
+  <dgm:styleLbl name="node0">
+    <dgm:fillClrLst meth="repeat">
+      <a:schemeClr val="accent1"/>
+    </dgm:fillClrLst>
+    <dgm:linClrLst meth="repeat">
+      <a:schemeClr val="lt1"/>
+    </dgm:linClrLst>
+    <dgm:effectClrLst/>
+    <dgm:txLinClrLst/>
+    <dgm:txFillClrLst/>
+    <dgm:txEffectClrLst/>
+  </dgm:styleLbl>
+  <dgm:styleLbl name="alignNode1">
+    <dgm:fillClrLst meth="repeat">
+      <a:schemeClr val="accent1"/>
+    </dgm:fillClrLst>
+    <dgm:linClrLst meth="repeat">
+      <a:schemeClr val="accent1"/>
+    </dgm:linClrLst>
+    <dgm:effectClrLst/>
+    <dgm:txLinClrLst/>
+    <dgm:txFillClrLst/>
+    <dgm:txEffectClrLst/>
+  </dgm:styleLbl>
+  <dgm:styleLbl name="node1">
+    <dgm:fillClrLst meth="repeat">
+      <a:schemeClr val="accent1"/>
+    </dgm:fillClrLst>
+    <dgm:linClrLst meth="repeat">
+      <a:schemeClr val="lt1"/>
+    </dgm:linClrLst>
+    <dgm:effectClrLst/>
+    <dgm:txLinClrLst/>
+    <dgm:txFillClrLst/>
+    <dgm:txEffectClrLst/>
+  </dgm:styleLbl>
+  <dgm:styleLbl name="lnNode1">
+    <dgm:fillClrLst meth="repeat">
+      <a:schemeClr val="accent1"/>
+    </dgm:fillClrLst>
+    <dgm:linClrLst meth="repeat">
+      <a:schemeClr val="lt1"/>
+    </dgm:linClrLst>
+    <dgm:effectClrLst/>
+    <dgm:txLinClrLst/>
+    <dgm:txFillClrLst/>
+    <dgm:txEffectClrLst/>
+  </dgm:styleLbl>
+  <dgm:styleLbl name="vennNode1">
+    <dgm:fillClrLst meth="repeat">
+      <a:schemeClr val="accent1">
+        <a:alpha val="50000"/>
+      </a:schemeClr>
+    </dgm:fillClrLst>
+    <dgm:linClrLst meth="repeat">
+      <a:schemeClr val="lt1"/>
+    </dgm:linClrLst>
+    <dgm:effectClrLst/>
+    <dgm:txLinClrLst/>
+    <dgm:txFillClrLst/>
+    <dgm:txEffectClrLst/>
+  </dgm:styleLbl>
+  <dgm:styleLbl name="node2">
+    <dgm:fillClrLst meth="repeat">
+      <a:schemeClr val="accent1"/>
+    </dgm:fillClrLst>
+    <dgm:linClrLst meth="repeat">
+      <a:schemeClr val="lt1"/>
+    </dgm:linClrLst>
+    <dgm:effectClrLst/>
+    <dgm:txLinClrLst/>
+    <dgm:txFillClrLst/>
+    <dgm:txEffectClrLst/>
+  </dgm:styleLbl>
+  <dgm:styleLbl name="node3">
+    <dgm:fillClrLst meth="repeat">
+      <a:schemeClr val="accent1"/>
+    </dgm:fillClrLst>
+    <dgm:linClrLst meth="repeat">
+      <a:schemeClr val="lt1"/>
+    </dgm:linClrLst>
+    <dgm:effectClrLst/>
+    <dgm:txLinClrLst/>
+    <dgm:txFillClrLst/>
+    <dgm:txEffectClrLst/>
+  </dgm:styleLbl>
+  <dgm:styleLbl name="node4">
+    <dgm:fillClrLst meth="repeat">
+      <a:schemeClr val="accent1"/>
+    </dgm:fillClrLst>
+    <dgm:linClrLst meth="repeat">
+      <a:schemeClr val="lt1"/>
+    </dgm:linClrLst>
+    <dgm:effectClrLst/>
+    <dgm:txLinClrLst/>
+    <dgm:txFillClrLst/>
+    <dgm:txEffectClrLst/>
+  </dgm:styleLbl>
+  <dgm:styleLbl name="fgImgPlace1">
+    <dgm:fillClrLst meth="repeat">
+      <a:schemeClr val="accent1">
+        <a:tint val="50000"/>
+      </a:schemeClr>
+    </dgm:fillClrLst>
+    <dgm:linClrLst meth="repeat">
+      <a:schemeClr val="lt1"/>
+    </dgm:linClrLst>
+    <dgm:effectClrLst/>
+    <dgm:txLinClrLst/>
+    <dgm:txFillClrLst meth="repeat">
+      <a:schemeClr val="lt1"/>
+    </dgm:txFillClrLst>
+    <dgm:txEffectClrLst/>
+  </dgm:styleLbl>
+  <dgm:styleLbl name="alignImgPlace1">
+    <dgm:fillClrLst meth="repeat">
+      <a:schemeClr val="accent1">
+        <a:tint val="50000"/>
+      </a:schemeClr>
+    </dgm:fillClrLst>
+    <dgm:linClrLst meth="repeat">
+      <a:schemeClr val="lt1"/>
+    </dgm:linClrLst>
+    <dgm:effectClrLst/>
+    <dgm:txLinClrLst/>
+    <dgm:txFillClrLst meth="repeat">
+      <a:schemeClr val="lt1"/>
+    </dgm:txFillClrLst>
+    <dgm:txEffectClrLst/>
+  </dgm:styleLbl>
+  <dgm:styleLbl name="bgImgPlace1">
+    <dgm:fillClrLst meth="repeat">
+      <a:schemeClr val="accent1">
+        <a:tint val="50000"/>
+      </a:schemeClr>
+    </dgm:fillClrLst>
+    <dgm:linClrLst meth="repeat">
+      <a:schemeClr val="lt1"/>
+    </dgm:linClrLst>
+    <dgm:effectClrLst/>
+    <dgm:txLinClrLst/>
+    <dgm:txFillClrLst meth="repeat">
+      <a:schemeClr val="lt1"/>
+    </dgm:txFillClrLst>
+    <dgm:txEffectClrLst/>
+  </dgm:styleLbl>
+  <dgm:styleLbl name="sibTrans2D1">
+    <dgm:fillClrLst meth="repeat">
+      <a:schemeClr val="accent1">
+        <a:tint val="60000"/>
+      </a:schemeClr>
+    </dgm:fillClrLst>
+    <dgm:linClrLst meth="repeat">
+      <a:schemeClr val="accent1">
+        <a:tint val="60000"/>
+      </a:schemeClr>
+    </dgm:linClrLst>
+    <dgm:effectClrLst/>
+    <dgm:txLinClrLst/>
+    <dgm:txFillClrLst/>
+    <dgm:txEffectClrLst/>
+  </dgm:styleLbl>
+  <dgm:styleLbl name="fgSibTrans2D1">
+    <dgm:fillClrLst meth="repeat">
+      <a:schemeClr val="accent1">
+        <a:tint val="60000"/>
+      </a:schemeClr>
+    </dgm:fillClrLst>
+    <dgm:linClrLst meth="repeat">
+      <a:schemeClr val="accent1">
+        <a:tint val="60000"/>
+      </a:schemeClr>
+    </dgm:linClrLst>
+    <dgm:effectClrLst/>
+    <dgm:txLinClrLst/>
+    <dgm:txFillClrLst/>
+    <dgm:txEffectClrLst/>
+  </dgm:styleLbl>
+  <dgm:styleLbl name="bgSibTrans2D1">
+    <dgm:fillClrLst meth="repeat">
+      <a:schemeClr val="accent1">
+        <a:tint val="60000"/>
+      </a:schemeClr>
+    </dgm:fillClrLst>
+    <dgm:linClrLst meth="repeat">
+      <a:schemeClr val="accent1">
+        <a:tint val="60000"/>
+      </a:schemeClr>
+    </dgm:linClrLst>
+    <dgm:effectClrLst/>
+    <dgm:txLinClrLst/>
+    <dgm:txFillClrLst/>
+    <dgm:txEffectClrLst/>
+  </dgm:styleLbl>
+  <dgm:styleLbl name="sibTrans1D1">
+    <dgm:fillClrLst meth="repeat">
+      <a:schemeClr val="accent1"/>
+    </dgm:fillClrLst>
+    <dgm:linClrLst meth="repeat">
+      <a:schemeClr val="accent1"/>
+    </dgm:linClrLst>
+    <dgm:effectClrLst/>
+    <dgm:txLinClrLst/>
+    <dgm:txFillClrLst meth="repeat">
+      <a:schemeClr val="tx1"/>
+    </dgm:txFillClrLst>
+    <dgm:txEffectClrLst/>
+  </dgm:styleLbl>
+  <dgm:styleLbl name="callout">
+    <dgm:fillClrLst meth="repeat">
+      <a:schemeClr val="accent1"/>
+    </dgm:fillClrLst>
+    <dgm:linClrLst meth="repeat">
+      <a:schemeClr val="accent1">
+        <a:tint val="50000"/>
+      </a:schemeClr>
+    </dgm:linClrLst>
+    <dgm:effectClrLst/>
+    <dgm:txLinClrLst/>
+    <dgm:txFillClrLst meth="repeat">
+      <a:schemeClr val="tx1"/>
+    </dgm:txFillClrLst>
+    <dgm:txEffectClrLst/>
+  </dgm:styleLbl>
+  <dgm:styleLbl name="asst0">
+    <dgm:fillClrLst meth="repeat">
+      <a:schemeClr val="accent1"/>
+    </dgm:fillClrLst>
+    <dgm:linClrLst meth="repeat">
+      <a:schemeClr val="lt1"/>
+    </dgm:linClrLst>
+    <dgm:effectClrLst/>
+    <dgm:txLinClrLst/>
+    <dgm:txFillClrLst/>
+    <dgm:txEffectClrLst/>
+  </dgm:styleLbl>
+  <dgm:styleLbl name="asst1">
+    <dgm:fillClrLst meth="repeat">
+      <a:schemeClr val="accent1"/>
+    </dgm:fillClrLst>
+    <dgm:linClrLst meth="repeat">
+      <a:schemeClr val="lt1"/>
+    </dgm:linClrLst>
+    <dgm:effectClrLst/>
+    <dgm:txLinClrLst/>
+    <dgm:txFillClrLst/>
+    <dgm:txEffectClrLst/>
+  </dgm:styleLbl>
+  <dgm:styleLbl name="asst2">
+    <dgm:fillClrLst meth="repeat">
+      <a:schemeClr val="accent1"/>
+    </dgm:fillClrLst>
+    <dgm:linClrLst meth="repeat">
+      <a:schemeClr val="lt1"/>
+    </dgm:linClrLst>
+    <dgm:effectClrLst/>
+    <dgm:txLinClrLst/>
+    <dgm:txFillClrLst/>
+    <dgm:txEffectClrLst/>
+  </dgm:styleLbl>
+  <dgm:styleLbl name="asst3">
+    <dgm:fillClrLst meth="repeat">
+      <a:schemeClr val="accent1"/>
+    </dgm:fillClrLst>
+    <dgm:linClrLst meth="repeat">
+      <a:schemeClr val="lt1"/>
+    </dgm:linClrLst>
+    <dgm:effectClrLst/>
+    <dgm:txLinClrLst/>
+    <dgm:txFillClrLst/>
+    <dgm:txEffectClrLst/>
+  </dgm:styleLbl>
+  <dgm:styleLbl name="asst4">
+    <dgm:fillClrLst meth="repeat">
+      <a:schemeClr val="accent1"/>
+    </dgm:fillClrLst>
+    <dgm:linClrLst meth="repeat">
+      <a:schemeClr val="lt1"/>
+    </dgm:linClrLst>
+    <dgm:effectClrLst/>
+    <dgm:txLinClrLst/>
+    <dgm:txFillClrLst/>
+    <dgm:txEffectClrLst/>
+  </dgm:styleLbl>
+  <dgm:styleLbl name="parChTrans2D1">
+    <dgm:fillClrLst meth="repeat">
+      <a:schemeClr val="accent1">
+        <a:tint val="60000"/>
+      </a:schemeClr>
+    </dgm:fillClrLst>
+    <dgm:linClrLst meth="repeat">
+      <a:schemeClr val="accent1">
+        <a:tint val="60000"/>
+      </a:schemeClr>
+    </dgm:linClrLst>
+    <dgm:effectClrLst/>
+    <dgm:txLinClrLst/>
+    <dgm:txFillClrLst meth="repeat">
+      <a:schemeClr val="lt1"/>
+    </dgm:txFillClrLst>
+    <dgm:txEffectClrLst/>
+  </dgm:styleLbl>
+  <dgm:styleLbl name="parChTrans2D2">
+    <dgm:fillClrLst meth="repeat">
+      <a:schemeClr val="accent1"/>
+    </dgm:fillClrLst>
+    <dgm:linClrLst meth="repeat">
+      <a:schemeClr val="accent1"/>
+    </dgm:linClrLst>
+    <dgm:effectClrLst/>
+    <dgm:txLinClrLst/>
+    <dgm:txFillClrLst meth="repeat">
+      <a:schemeClr val="lt1"/>
+    </dgm:txFillClrLst>
+    <dgm:txEffectClrLst/>
+  </dgm:styleLbl>
+  <dgm:styleLbl name="parChTrans2D3">
+    <dgm:fillClrLst meth="repeat">
+      <a:schemeClr val="accent1"/>
+    </dgm:fillClrLst>
+    <dgm:linClrLst meth="repeat">
+      <a:schemeClr val="accent1"/>
+    </dgm:linClrLst>
+    <dgm:effectClrLst/>
+    <dgm:txLinClrLst/>
+    <dgm:txFillClrLst meth="repeat">
+      <a:schemeClr val="lt1"/>
+    </dgm:txFillClrLst>
+    <dgm:txEffectClrLst/>
+  </dgm:styleLbl>
+  <dgm:styleLbl name="parChTrans2D4">
+    <dgm:fillClrLst meth="repeat">
+      <a:schemeClr val="accent1"/>
+    </dgm:fillClrLst>
+    <dgm:linClrLst meth="repeat">
+      <a:schemeClr val="accent1"/>
+    </dgm:linClrLst>
+    <dgm:effectClrLst/>
+    <dgm:txLinClrLst/>
+    <dgm:txFillClrLst meth="repeat">
+      <a:schemeClr val="lt1"/>
+    </dgm:txFillClrLst>
+    <dgm:txEffectClrLst/>
+  </dgm:styleLbl>
+  <dgm:styleLbl name="parChTrans1D1">
+    <dgm:fillClrLst meth="repeat">
+      <a:schemeClr val="accent1"/>
+    </dgm:fillClrLst>
+    <dgm:linClrLst meth="repeat">
+      <a:schemeClr val="accent1">
+        <a:shade val="60000"/>
+      </a:schemeClr>
+    </dgm:linClrLst>
+    <dgm:effectClrLst/>
+    <dgm:txLinClrLst/>
+    <dgm:txFillClrLst meth="repeat">
+      <a:schemeClr val="tx1"/>
+    </dgm:txFillClrLst>
+    <dgm:txEffectClrLst/>
+  </dgm:styleLbl>
+  <dgm:styleLbl name="parChTrans1D2">
+    <dgm:fillClrLst meth="repeat">
+      <a:schemeClr val="accent1"/>
+    </dgm:fillClrLst>
+    <dgm:linClrLst meth="repeat">
+      <a:schemeClr val="accent1">
+        <a:shade val="60000"/>
+      </a:schemeClr>
+    </dgm:linClrLst>
+    <dgm:effectClrLst/>
+    <dgm:txLinClrLst/>
+    <dgm:txFillClrLst meth="repeat">
+      <a:schemeClr val="tx1"/>
+    </dgm:txFillClrLst>
+    <dgm:txEffectClrLst/>
+  </dgm:styleLbl>
+  <dgm:styleLbl name="parChTrans1D3">
+    <dgm:fillClrLst meth="repeat">
+      <a:schemeClr val="accent1"/>
+    </dgm:fillClrLst>
+    <dgm:linClrLst meth="repeat">
+      <a:schemeClr val="accent1">
+        <a:shade val="80000"/>
+      </a:schemeClr>
+    </dgm:linClrLst>
+    <dgm:effectClrLst/>
+    <dgm:txLinClrLst/>
+    <dgm:txFillClrLst meth="repeat">
+      <a:schemeClr val="tx1"/>
+    </dgm:txFillClrLst>
+    <dgm:txEffectClrLst/>
+  </dgm:styleLbl>
+  <dgm:styleLbl name="parChTrans1D4">
+    <dgm:fillClrLst meth="repeat">
+      <a:schemeClr val="accent1"/>
+    </dgm:fillClrLst>
+    <dgm:linClrLst meth="repeat">
+      <a:schemeClr val="accent1">
+        <a:shade val="80000"/>
+      </a:schemeClr>
+    </dgm:linClrLst>
+    <dgm:effectClrLst/>
+    <dgm:txLinClrLst/>
+    <dgm:txFillClrLst meth="repeat">
+      <a:schemeClr val="tx1"/>
+    </dgm:txFillClrLst>
+    <dgm:txEffectClrLst/>
+  </dgm:styleLbl>
+  <dgm:styleLbl name="fgAcc1">
+    <dgm:fillClrLst meth="repeat">
+      <a:schemeClr val="lt1">
+        <a:alpha val="90000"/>
+      </a:schemeClr>
+    </dgm:fillClrLst>
+    <dgm:linClrLst meth="repeat">
+      <a:schemeClr val="accent1"/>
+    </dgm:linClrLst>
+    <dgm:effectClrLst/>
+    <dgm:txLinClrLst/>
+    <dgm:txFillClrLst meth="repeat">
+      <a:schemeClr val="dk1"/>
+    </dgm:txFillClrLst>
+    <dgm:txEffectClrLst/>
+  </dgm:styleLbl>
+  <dgm:styleLbl name="conFgAcc1">
+    <dgm:fillClrLst meth="repeat">
+      <a:schemeClr val="lt1">
+        <a:alpha val="90000"/>
+      </a:schemeClr>
+    </dgm:fillClrLst>
+    <dgm:linClrLst meth="repeat">
+      <a:schemeClr val="accent1"/>
+    </dgm:linClrLst>
+    <dgm:effectClrLst/>
+    <dgm:txLinClrLst/>
+    <dgm:txFillClrLst meth="repeat">
+      <a:schemeClr val="dk1"/>
+    </dgm:txFillClrLst>
+    <dgm:txEffectClrLst/>
+  </dgm:styleLbl>
+  <dgm:styleLbl name="alignAcc1">
+    <dgm:fillClrLst meth="repeat">
+      <a:schemeClr val="lt1">
+        <a:alpha val="90000"/>
+      </a:schemeClr>
+    </dgm:fillClrLst>
+    <dgm:linClrLst meth="repeat">
+      <a:schemeClr val="accent1"/>
+    </dgm:linClrLst>
+    <dgm:effectClrLst/>
+    <dgm:txLinClrLst/>
+    <dgm:txFillClrLst meth="repeat">
+      <a:schemeClr val="dk1"/>
+    </dgm:txFillClrLst>
+    <dgm:txEffectClrLst/>
+  </dgm:styleLbl>
+  <dgm:styleLbl name="trAlignAcc1">
+    <dgm:fillClrLst meth="repeat">
+      <a:schemeClr val="lt1">
+        <a:alpha val="40000"/>
+      </a:schemeClr>
+    </dgm:fillClrLst>
+    <dgm:linClrLst meth="repeat">
+      <a:schemeClr val="accent1"/>
+    </dgm:linClrLst>
+    <dgm:effectClrLst/>
+    <dgm:txLinClrLst/>
+    <dgm:txFillClrLst meth="repeat">
+      <a:schemeClr val="dk1"/>
+    </dgm:txFillClrLst>
+    <dgm:txEffectClrLst/>
+  </dgm:styleLbl>
+  <dgm:styleLbl name="bgAcc1">
+    <dgm:fillClrLst meth="repeat">
+      <a:schemeClr val="lt1">
+        <a:alpha val="90000"/>
+      </a:schemeClr>
+    </dgm:fillClrLst>
+    <dgm:linClrLst meth="repeat">
+      <a:schemeClr val="accent1"/>
+    </dgm:linClrLst>
+    <dgm:effectClrLst/>
+    <dgm:txLinClrLst/>
+    <dgm:txFillClrLst meth="repeat">
+      <a:schemeClr val="dk1"/>
+    </dgm:txFillClrLst>
+    <dgm:txEffectClrLst/>
+  </dgm:styleLbl>
+  <dgm:styleLbl name="solidFgAcc1">
+    <dgm:fillClrLst meth="repeat">
+      <a:schemeClr val="lt1"/>
+    </dgm:fillClrLst>
+    <dgm:linClrLst meth="repeat">
+      <a:schemeClr val="accent1"/>
+    </dgm:linClrLst>
+    <dgm:effectClrLst/>
+    <dgm:txLinClrLst/>
+    <dgm:txFillClrLst meth="repeat">
+      <a:schemeClr val="dk1"/>
+    </dgm:txFillClrLst>
+    <dgm:txEffectClrLst/>
+  </dgm:styleLbl>
+  <dgm:styleLbl name="solidAlignAcc1">
+    <dgm:fillClrLst meth="repeat">
+      <a:schemeClr val="lt1"/>
+    </dgm:fillClrLst>
+    <dgm:linClrLst meth="repeat">
+      <a:schemeClr val="accent1"/>
+    </dgm:linClrLst>
+    <dgm:effectClrLst/>
+    <dgm:txLinClrLst/>
+    <dgm:txFillClrLst meth="repeat">
+      <a:schemeClr val="dk1"/>
+    </dgm:txFillClrLst>
+    <dgm:txEffectClrLst/>
+  </dgm:styleLbl>
+  <dgm:styleLbl name="solidBgAcc1">
+    <dgm:fillClrLst meth="repeat">
+      <a:schemeClr val="lt1"/>
+    </dgm:fillClrLst>
+    <dgm:linClrLst meth="repeat">
+      <a:schemeClr val="accent1"/>
+    </dgm:linClrLst>
+    <dgm:effectClrLst/>
+    <dgm:txLinClrLst/>
+    <dgm:txFillClrLst meth="repeat">
+      <a:schemeClr val="dk1"/>
+    </dgm:txFillClrLst>
+    <dgm:txEffectClrLst/>
+  </dgm:styleLbl>
+  <dgm:styleLbl name="fgAccFollowNode1">
+    <dgm:fillClrLst meth="repeat">
+      <a:schemeClr val="accent1">
+        <a:alpha val="90000"/>
+        <a:tint val="40000"/>
+      </a:schemeClr>
+    </dgm:fillClrLst>
+    <dgm:linClrLst meth="repeat">
+      <a:schemeClr val="accent1">
+        <a:alpha val="90000"/>
+        <a:tint val="40000"/>
+      </a:schemeClr>
+    </dgm:linClrLst>
+    <dgm:effectClrLst/>
+    <dgm:txLinClrLst/>
+    <dgm:txFillClrLst meth="repeat">
+      <a:schemeClr val="dk1"/>
+    </dgm:txFillClrLst>
+    <dgm:txEffectClrLst/>
+  </dgm:styleLbl>
+  <dgm:styleLbl name="alignAccFollowNode1">
+    <dgm:fillClrLst meth="repeat">
+      <a:schemeClr val="accent1">
+        <a:alpha val="90000"/>
+        <a:tint val="40000"/>
+      </a:schemeClr>
+    </dgm:fillClrLst>
+    <dgm:linClrLst meth="repeat">
+      <a:schemeClr val="accent1">
+        <a:alpha val="90000"/>
+        <a:tint val="40000"/>
+      </a:schemeClr>
+    </dgm:linClrLst>
+    <dgm:effectClrLst/>
+    <dgm:txLinClrLst/>
+    <dgm:txFillClrLst meth="repeat">
+      <a:schemeClr val="dk1"/>
+    </dgm:txFillClrLst>
+    <dgm:txEffectClrLst/>
+  </dgm:styleLbl>
+  <dgm:styleLbl name="bgAccFollowNode1">
+    <dgm:fillClrLst meth="repeat">
+      <a:schemeClr val="accent1">
+        <a:alpha val="90000"/>
+        <a:tint val="40000"/>
+      </a:schemeClr>
+    </dgm:fillClrLst>
+    <dgm:linClrLst meth="repeat">
+      <a:schemeClr val="accent1">
+        <a:alpha val="90000"/>
+        <a:tint val="40000"/>
+      </a:schemeClr>
+    </dgm:linClrLst>
+    <dgm:effectClrLst/>
+    <dgm:txLinClrLst/>
+    <dgm:txFillClrLst meth="repeat">
+      <a:schemeClr val="dk1"/>
+    </dgm:txFillClrLst>
+    <dgm:txEffectClrLst/>
+  </dgm:styleLbl>
+  <dgm:styleLbl name="fgAcc0">
+    <dgm:fillClrLst meth="repeat">
+      <a:schemeClr val="lt1">
+        <a:alpha val="90000"/>
+      </a:schemeClr>
+    </dgm:fillClrLst>
+    <dgm:linClrLst meth="repeat">
+      <a:schemeClr val="accent1"/>
+    </dgm:linClrLst>
+    <dgm:effectClrLst/>
+    <dgm:txLinClrLst/>
+    <dgm:txFillClrLst meth="repeat">
+      <a:schemeClr val="dk1"/>
+    </dgm:txFillClrLst>
+    <dgm:txEffectClrLst/>
+  </dgm:styleLbl>
+  <dgm:styleLbl name="fgAcc2">
+    <dgm:fillClrLst meth="repeat">
+      <a:schemeClr val="lt1">
+        <a:alpha val="90000"/>
+      </a:schemeClr>
+    </dgm:fillClrLst>
+    <dgm:linClrLst meth="repeat">
+      <a:schemeClr val="accent1"/>
+    </dgm:linClrLst>
+    <dgm:effectClrLst/>
+    <dgm:txLinClrLst/>
+    <dgm:txFillClrLst meth="repeat">
+      <a:schemeClr val="dk1"/>
+    </dgm:txFillClrLst>
+    <dgm:txEffectClrLst/>
+  </dgm:styleLbl>
+  <dgm:styleLbl name="fgAcc3">
+    <dgm:fillClrLst meth="repeat">
+      <a:schemeClr val="lt1">
+        <a:alpha val="90000"/>
+      </a:schemeClr>
+    </dgm:fillClrLst>
+    <dgm:linClrLst meth="repeat">
+      <a:schemeClr val="accent1"/>
+    </dgm:linClrLst>
+    <dgm:effectClrLst/>
+    <dgm:txLinClrLst/>
+    <dgm:txFillClrLst meth="repeat">
+      <a:schemeClr val="dk1"/>
+    </dgm:txFillClrLst>
+    <dgm:txEffectClrLst/>
+  </dgm:styleLbl>
+  <dgm:styleLbl name="fgAcc4">
+    <dgm:fillClrLst meth="repeat">
+      <a:schemeClr val="lt1">
+        <a:alpha val="90000"/>
+      </a:schemeClr>
+    </dgm:fillClrLst>
+    <dgm:linClrLst meth="repeat">
+      <a:schemeClr val="accent1"/>
+    </dgm:linClrLst>
+    <dgm:effectClrLst/>
+    <dgm:txLinClrLst/>
+    <dgm:txFillClrLst meth="repeat">
+      <a:schemeClr val="dk1"/>
+    </dgm:txFillClrLst>
+    <dgm:txEffectClrLst/>
+  </dgm:styleLbl>
+  <dgm:styleLbl name="bgShp">
+    <dgm:fillClrLst meth="repeat">
+      <a:schemeClr val="accent1">
+        <a:tint val="40000"/>
+      </a:schemeClr>
+    </dgm:fillClrLst>
+    <dgm:linClrLst meth="repeat">
+      <a:schemeClr val="accent1"/>
+    </dgm:linClrLst>
+    <dgm:effectClrLst/>
+    <dgm:txLinClrLst/>
+    <dgm:txFillClrLst meth="repeat">
+      <a:schemeClr val="dk1"/>
+    </dgm:txFillClrLst>
+    <dgm:txEffectClrLst/>
+  </dgm:styleLbl>
+  <dgm:styleLbl name="dkBgShp">
+    <dgm:fillClrLst meth="repeat">
+      <a:schemeClr val="accent1">
+        <a:shade val="80000"/>
+      </a:schemeClr>
+    </dgm:fillClrLst>
+    <dgm:linClrLst meth="repeat">
+      <a:schemeClr val="accent1"/>
+    </dgm:linClrLst>
+    <dgm:effectClrLst/>
+    <dgm:txLinClrLst/>
+    <dgm:txFillClrLst meth="repeat">
+      <a:schemeClr val="lt1"/>
+    </dgm:txFillClrLst>
+    <dgm:txEffectClrLst/>
+  </dgm:styleLbl>
+  <dgm:styleLbl name="trBgShp">
+    <dgm:fillClrLst meth="repeat">
+      <a:schemeClr val="accent1">
+        <a:tint val="50000"/>
+        <a:alpha val="40000"/>
+      </a:schemeClr>
+    </dgm:fillClrLst>
+    <dgm:linClrLst meth="repeat">
+      <a:schemeClr val="accent1"/>
+    </dgm:linClrLst>
+    <dgm:effectClrLst/>
+    <dgm:txLinClrLst/>
+    <dgm:txFillClrLst meth="repeat">
+      <a:schemeClr val="lt1"/>
+    </dgm:txFillClrLst>
+    <dgm:txEffectClrLst/>
+  </dgm:styleLbl>
+  <dgm:styleLbl name="fgShp">
+    <dgm:fillClrLst meth="repeat">
+      <a:schemeClr val="accent1">
+        <a:tint val="60000"/>
+      </a:schemeClr>
+    </dgm:fillClrLst>
+    <dgm:linClrLst meth="repeat">
+      <a:schemeClr val="lt1"/>
+    </dgm:linClrLst>
+    <dgm:effectClrLst/>
+    <dgm:txLinClrLst/>
+    <dgm:txFillClrLst meth="repeat">
+      <a:schemeClr val="dk1"/>
+    </dgm:txFillClrLst>
+    <dgm:txEffectClrLst/>
+  </dgm:styleLbl>
+  <dgm:styleLbl name="revTx">
+    <dgm:fillClrLst meth="repeat">
+      <a:schemeClr val="lt1">
+        <a:alpha val="0"/>
+      </a:schemeClr>
+    </dgm:fillClrLst>
+    <dgm:linClrLst meth="repeat">
+      <a:schemeClr val="dk1">
+        <a:alpha val="0"/>
+      </a:schemeClr>
+    </dgm:linClrLst>
+    <dgm:effectClrLst/>
+    <dgm:txLinClrLst/>
+    <dgm:txFillClrLst meth="repeat">
+      <a:schemeClr val="tx1"/>
+    </dgm:txFillClrLst>
+    <dgm:txEffectClrLst/>
+  </dgm:styleLbl>
+</dgm:colorsDef>
+</file>
+
+<file path=ppt/diagrams/colors5.xml><?xml version="1.0" encoding="utf-8"?>
 <dgm:colorsDef xmlns:dgm="http://schemas.openxmlformats.org/drawingml/2006/diagram" xmlns:a="http://schemas.openxmlformats.org/drawingml/2006/main" uniqueId="urn:microsoft.com/office/officeart/2005/8/colors/accent1_2">
   <dgm:title val=""/>
   <dgm:desc val=""/>
@@ -3751,6 +4512,645 @@
 </file>
 
 <file path=ppt/diagrams/data2.xml><?xml version="1.0" encoding="utf-8"?>
+<dgm:dataModel xmlns:dgm="http://schemas.openxmlformats.org/drawingml/2006/diagram" xmlns:a="http://schemas.openxmlformats.org/drawingml/2006/main">
+  <dgm:ptLst>
+    <dgm:pt modelId="{4E7E2364-B48F-4CBF-8966-3EBA6E787B16}" type="doc">
+      <dgm:prSet loTypeId="urn:microsoft.com/office/officeart/2005/8/layout/chevron2" loCatId="list" qsTypeId="urn:microsoft.com/office/officeart/2005/8/quickstyle/simple1" qsCatId="simple" csTypeId="urn:microsoft.com/office/officeart/2005/8/colors/accent1_2" csCatId="accent1" phldr="1"/>
+      <dgm:spPr/>
+      <dgm:t>
+        <a:bodyPr/>
+        <a:lstStyle/>
+        <a:p>
+          <a:endParaRPr lang="en-IN"/>
+        </a:p>
+      </dgm:t>
+    </dgm:pt>
+    <dgm:pt modelId="{8F7C003B-B45E-4A6C-A64A-6F43ACBF022B}">
+      <dgm:prSet phldrT="[Text]"/>
+      <dgm:spPr/>
+      <dgm:t>
+        <a:bodyPr/>
+        <a:lstStyle/>
+        <a:p>
+          <a:r>
+            <a:rPr lang="en-US" dirty="0"/>
+            <a:t>Industry 1.0</a:t>
+          </a:r>
+          <a:endParaRPr lang="en-IN" dirty="0"/>
+        </a:p>
+      </dgm:t>
+    </dgm:pt>
+    <dgm:pt modelId="{EC43515B-4FC9-491B-960D-2E02B9560B2F}" type="parTrans" cxnId="{C0DCB060-24A2-436B-9025-82058C407D16}">
+      <dgm:prSet/>
+      <dgm:spPr/>
+      <dgm:t>
+        <a:bodyPr/>
+        <a:lstStyle/>
+        <a:p>
+          <a:endParaRPr lang="en-IN"/>
+        </a:p>
+      </dgm:t>
+    </dgm:pt>
+    <dgm:pt modelId="{2E773F69-DCF8-4CE3-9CB6-D9A210FE7F66}" type="sibTrans" cxnId="{C0DCB060-24A2-436B-9025-82058C407D16}">
+      <dgm:prSet/>
+      <dgm:spPr/>
+      <dgm:t>
+        <a:bodyPr/>
+        <a:lstStyle/>
+        <a:p>
+          <a:endParaRPr lang="en-IN"/>
+        </a:p>
+      </dgm:t>
+    </dgm:pt>
+    <dgm:pt modelId="{87BDD663-CEB5-49E1-BA17-F18B347AF70E}">
+      <dgm:prSet phldrT="[Text]"/>
+      <dgm:spPr/>
+      <dgm:t>
+        <a:bodyPr/>
+        <a:lstStyle/>
+        <a:p>
+          <a:r>
+            <a:rPr lang="en-US" b="0" i="0" dirty="0"/>
+            <a:t>Around 1760, the First Industrial Revolution was the transition to new manufacturing processes using water and steam.  </a:t>
+          </a:r>
+          <a:endParaRPr lang="en-IN" dirty="0"/>
+        </a:p>
+      </dgm:t>
+    </dgm:pt>
+    <dgm:pt modelId="{D43490A4-A5A6-4278-9242-A7519111392C}" type="parTrans" cxnId="{A5FA2CA4-02B5-41CC-BB04-C2739C910D51}">
+      <dgm:prSet/>
+      <dgm:spPr/>
+      <dgm:t>
+        <a:bodyPr/>
+        <a:lstStyle/>
+        <a:p>
+          <a:endParaRPr lang="en-IN"/>
+        </a:p>
+      </dgm:t>
+    </dgm:pt>
+    <dgm:pt modelId="{19C661AD-30D4-44E3-A87F-31B5617E454B}" type="sibTrans" cxnId="{A5FA2CA4-02B5-41CC-BB04-C2739C910D51}">
+      <dgm:prSet/>
+      <dgm:spPr/>
+      <dgm:t>
+        <a:bodyPr/>
+        <a:lstStyle/>
+        <a:p>
+          <a:endParaRPr lang="en-IN"/>
+        </a:p>
+      </dgm:t>
+    </dgm:pt>
+    <dgm:pt modelId="{69A58761-58D9-49ED-B655-11874FAD8CDD}">
+      <dgm:prSet phldrT="[Text]"/>
+      <dgm:spPr/>
+      <dgm:t>
+        <a:bodyPr/>
+        <a:lstStyle/>
+        <a:p>
+          <a:r>
+            <a:rPr lang="en-US" dirty="0"/>
+            <a:t>Industry 2.0</a:t>
+          </a:r>
+          <a:endParaRPr lang="en-IN" dirty="0"/>
+        </a:p>
+      </dgm:t>
+    </dgm:pt>
+    <dgm:pt modelId="{69C47172-493C-4D76-90E6-637CCFDEB680}" type="parTrans" cxnId="{2C71198B-47E2-4E9E-A54D-56E85E8776C5}">
+      <dgm:prSet/>
+      <dgm:spPr/>
+      <dgm:t>
+        <a:bodyPr/>
+        <a:lstStyle/>
+        <a:p>
+          <a:endParaRPr lang="en-IN"/>
+        </a:p>
+      </dgm:t>
+    </dgm:pt>
+    <dgm:pt modelId="{47BA5BB4-CE7E-42FE-B32B-A8D9A3AC60A1}" type="sibTrans" cxnId="{2C71198B-47E2-4E9E-A54D-56E85E8776C5}">
+      <dgm:prSet/>
+      <dgm:spPr/>
+      <dgm:t>
+        <a:bodyPr/>
+        <a:lstStyle/>
+        <a:p>
+          <a:endParaRPr lang="en-IN"/>
+        </a:p>
+      </dgm:t>
+    </dgm:pt>
+    <dgm:pt modelId="{A81D80C5-5F58-4AD9-B6E6-D26A19098C6C}">
+      <dgm:prSet phldrT="[Text]"/>
+      <dgm:spPr/>
+      <dgm:t>
+        <a:bodyPr/>
+        <a:lstStyle/>
+        <a:p>
+          <a:r>
+            <a:rPr lang="en-US" dirty="0"/>
+            <a:t>Around 1840, </a:t>
+          </a:r>
+          <a:r>
+            <a:rPr lang="en-US" b="0" i="0" dirty="0"/>
+            <a:t>new technological systems were introduced, most notably superior electrical technology which allowed for even greater production and more sophisticated machines.</a:t>
+          </a:r>
+          <a:endParaRPr lang="en-IN" dirty="0"/>
+        </a:p>
+      </dgm:t>
+    </dgm:pt>
+    <dgm:pt modelId="{72AE898E-CB49-4415-8D2F-0B409D2CFCBF}" type="parTrans" cxnId="{888FBCE8-8B84-4298-BABF-A441FF89B682}">
+      <dgm:prSet/>
+      <dgm:spPr/>
+      <dgm:t>
+        <a:bodyPr/>
+        <a:lstStyle/>
+        <a:p>
+          <a:endParaRPr lang="en-IN"/>
+        </a:p>
+      </dgm:t>
+    </dgm:pt>
+    <dgm:pt modelId="{9038DBF3-4D98-40CD-989B-CAA005DBB867}" type="sibTrans" cxnId="{888FBCE8-8B84-4298-BABF-A441FF89B682}">
+      <dgm:prSet/>
+      <dgm:spPr/>
+      <dgm:t>
+        <a:bodyPr/>
+        <a:lstStyle/>
+        <a:p>
+          <a:endParaRPr lang="en-IN"/>
+        </a:p>
+      </dgm:t>
+    </dgm:pt>
+    <dgm:pt modelId="{442579F1-62FD-4889-9D86-6C898A675A81}">
+      <dgm:prSet phldrT="[Text]" phldr="1"/>
+      <dgm:spPr/>
+      <dgm:t>
+        <a:bodyPr/>
+        <a:lstStyle/>
+        <a:p>
+          <a:endParaRPr lang="en-IN"/>
+        </a:p>
+      </dgm:t>
+    </dgm:pt>
+    <dgm:pt modelId="{4C281688-E923-4129-902D-C3FE62D220EC}" type="parTrans" cxnId="{EAE59750-EE80-4690-BBC5-8407B80A7D99}">
+      <dgm:prSet/>
+      <dgm:spPr/>
+      <dgm:t>
+        <a:bodyPr/>
+        <a:lstStyle/>
+        <a:p>
+          <a:endParaRPr lang="en-IN"/>
+        </a:p>
+      </dgm:t>
+    </dgm:pt>
+    <dgm:pt modelId="{08FAEA31-B162-4847-8E5F-5BDF4E52AA49}" type="sibTrans" cxnId="{EAE59750-EE80-4690-BBC5-8407B80A7D99}">
+      <dgm:prSet/>
+      <dgm:spPr/>
+      <dgm:t>
+        <a:bodyPr/>
+        <a:lstStyle/>
+        <a:p>
+          <a:endParaRPr lang="en-IN"/>
+        </a:p>
+      </dgm:t>
+    </dgm:pt>
+    <dgm:pt modelId="{9BA9899D-2ED2-4521-A7FA-31BB68F31D56}">
+      <dgm:prSet phldrT="[Text]"/>
+      <dgm:spPr/>
+      <dgm:t>
+        <a:bodyPr/>
+        <a:lstStyle/>
+        <a:p>
+          <a:r>
+            <a:rPr lang="en-US" dirty="0"/>
+            <a:t>Industry 4.0</a:t>
+          </a:r>
+        </a:p>
+      </dgm:t>
+    </dgm:pt>
+    <dgm:pt modelId="{BB2BC23E-7CB6-4C6D-A31E-4991EAD967BF}" type="parTrans" cxnId="{823A441D-8447-42AA-A7B3-A8D48DD17194}">
+      <dgm:prSet/>
+      <dgm:spPr/>
+      <dgm:t>
+        <a:bodyPr/>
+        <a:lstStyle/>
+        <a:p>
+          <a:endParaRPr lang="en-IN"/>
+        </a:p>
+      </dgm:t>
+    </dgm:pt>
+    <dgm:pt modelId="{1819326A-0D9C-4EE7-A94D-2F1913D14D75}" type="sibTrans" cxnId="{823A441D-8447-42AA-A7B3-A8D48DD17194}">
+      <dgm:prSet/>
+      <dgm:spPr/>
+      <dgm:t>
+        <a:bodyPr/>
+        <a:lstStyle/>
+        <a:p>
+          <a:endParaRPr lang="en-IN"/>
+        </a:p>
+      </dgm:t>
+    </dgm:pt>
+    <dgm:pt modelId="{4E843ABE-011B-4772-9DCA-3FDCC1AE441C}">
+      <dgm:prSet phldrT="[Text]"/>
+      <dgm:spPr/>
+      <dgm:t>
+        <a:bodyPr/>
+        <a:lstStyle/>
+        <a:p>
+          <a:r>
+            <a:rPr lang="en-US" dirty="0"/>
+            <a:t>Industry 3.0</a:t>
+          </a:r>
+        </a:p>
+      </dgm:t>
+    </dgm:pt>
+    <dgm:pt modelId="{32F992DC-A0D6-407E-B5AB-794795D213AB}" type="parTrans" cxnId="{1332C77A-B53A-4643-97B0-4241E9B39F2A}">
+      <dgm:prSet/>
+      <dgm:spPr/>
+      <dgm:t>
+        <a:bodyPr/>
+        <a:lstStyle/>
+        <a:p>
+          <a:endParaRPr lang="en-IN"/>
+        </a:p>
+      </dgm:t>
+    </dgm:pt>
+    <dgm:pt modelId="{BCBCE0B8-C729-49B1-ACAB-9C457F2CC680}" type="sibTrans" cxnId="{1332C77A-B53A-4643-97B0-4241E9B39F2A}">
+      <dgm:prSet/>
+      <dgm:spPr/>
+      <dgm:t>
+        <a:bodyPr/>
+        <a:lstStyle/>
+        <a:p>
+          <a:endParaRPr lang="en-IN"/>
+        </a:p>
+      </dgm:t>
+    </dgm:pt>
+    <dgm:pt modelId="{4B084F81-42BE-406E-AD2D-ECDCB88042B3}">
+      <dgm:prSet/>
+      <dgm:spPr/>
+      <dgm:t>
+        <a:bodyPr/>
+        <a:lstStyle/>
+        <a:p>
+          <a:r>
+            <a:rPr lang="en-US" b="0" i="0"/>
+            <a:t>Around 1970 the Third Industrial Revolution involved the use of electronics and IT (Information Technology) to further automation in production. – Concept of automation entered industry</a:t>
+          </a:r>
+          <a:endParaRPr lang="en-IN"/>
+        </a:p>
+      </dgm:t>
+    </dgm:pt>
+    <dgm:pt modelId="{9B15C841-CFCC-4724-AC7A-2B728F5BE78D}" type="parTrans" cxnId="{FBEB1702-F438-4942-9FFB-CD33B1423510}">
+      <dgm:prSet/>
+      <dgm:spPr/>
+      <dgm:t>
+        <a:bodyPr/>
+        <a:lstStyle/>
+        <a:p>
+          <a:endParaRPr lang="en-IN"/>
+        </a:p>
+      </dgm:t>
+    </dgm:pt>
+    <dgm:pt modelId="{AB72FC89-2F5C-4BF5-BDD4-617521B9596B}" type="sibTrans" cxnId="{FBEB1702-F438-4942-9FFB-CD33B1423510}">
+      <dgm:prSet/>
+      <dgm:spPr/>
+      <dgm:t>
+        <a:bodyPr/>
+        <a:lstStyle/>
+        <a:p>
+          <a:endParaRPr lang="en-IN"/>
+        </a:p>
+      </dgm:t>
+    </dgm:pt>
+    <dgm:pt modelId="{FD3719A6-F4F2-42D5-8ECA-0444C6A9326A}">
+      <dgm:prSet/>
+      <dgm:spPr/>
+      <dgm:t>
+        <a:bodyPr/>
+        <a:lstStyle/>
+        <a:p>
+          <a:endParaRPr lang="en-IN" dirty="0"/>
+        </a:p>
+      </dgm:t>
+    </dgm:pt>
+    <dgm:pt modelId="{F04DD37E-4569-4AB0-AEFD-9F7277A1D43C}" type="parTrans" cxnId="{D4EB35AE-0724-4359-8D17-FAB3BD1CA614}">
+      <dgm:prSet/>
+      <dgm:spPr/>
+      <dgm:t>
+        <a:bodyPr/>
+        <a:lstStyle/>
+        <a:p>
+          <a:endParaRPr lang="en-IN"/>
+        </a:p>
+      </dgm:t>
+    </dgm:pt>
+    <dgm:pt modelId="{F955A307-D62E-45F3-992B-26AF63DAA453}" type="sibTrans" cxnId="{D4EB35AE-0724-4359-8D17-FAB3BD1CA614}">
+      <dgm:prSet/>
+      <dgm:spPr/>
+      <dgm:t>
+        <a:bodyPr/>
+        <a:lstStyle/>
+        <a:p>
+          <a:endParaRPr lang="en-IN"/>
+        </a:p>
+      </dgm:t>
+    </dgm:pt>
+    <dgm:pt modelId="{BD52B412-53B7-40A1-9F85-A07256610EAB}">
+      <dgm:prSet phldrT="[Text]"/>
+      <dgm:spPr/>
+      <dgm:t>
+        <a:bodyPr/>
+        <a:lstStyle/>
+        <a:p>
+          <a:r>
+            <a:rPr lang="en-US" dirty="0"/>
+            <a:t>Industry 5.0</a:t>
+          </a:r>
+        </a:p>
+      </dgm:t>
+    </dgm:pt>
+    <dgm:pt modelId="{21606666-DA50-4BCD-99B6-8628F3CD4C49}" type="parTrans" cxnId="{19BE196F-7E70-4862-A25A-8E9673FA22BF}">
+      <dgm:prSet/>
+      <dgm:spPr/>
+      <dgm:t>
+        <a:bodyPr/>
+        <a:lstStyle/>
+        <a:p>
+          <a:endParaRPr lang="en-IN"/>
+        </a:p>
+      </dgm:t>
+    </dgm:pt>
+    <dgm:pt modelId="{6A672EE4-1BDB-4EAD-877F-D8D60D5B30C3}" type="sibTrans" cxnId="{19BE196F-7E70-4862-A25A-8E9673FA22BF}">
+      <dgm:prSet/>
+      <dgm:spPr/>
+      <dgm:t>
+        <a:bodyPr/>
+        <a:lstStyle/>
+        <a:p>
+          <a:endParaRPr lang="en-IN"/>
+        </a:p>
+      </dgm:t>
+    </dgm:pt>
+    <dgm:pt modelId="{7086E3AD-7C5F-4F80-A369-A2311CAB31B8}">
+      <dgm:prSet/>
+      <dgm:spPr/>
+      <dgm:t>
+        <a:bodyPr/>
+        <a:lstStyle/>
+        <a:p>
+          <a:r>
+            <a:rPr lang="en-US" b="0" i="0"/>
+            <a:t>The Fourth industrial Revolution is the era of smart machines, storage systems and production facilities that can autonomously exchange information, trigger actions and control each other without human intervention.This exchange of information is made possible with the Industrial Internet of things (IIoT) as we know it today.</a:t>
+          </a:r>
+          <a:endParaRPr lang="en-IN"/>
+        </a:p>
+      </dgm:t>
+    </dgm:pt>
+    <dgm:pt modelId="{92F66474-AFAF-4071-99C5-18EA529869CF}" type="parTrans" cxnId="{5D968443-4FAA-45E5-95FA-0788A5143D4A}">
+      <dgm:prSet/>
+      <dgm:spPr/>
+      <dgm:t>
+        <a:bodyPr/>
+        <a:lstStyle/>
+        <a:p>
+          <a:endParaRPr lang="en-IN"/>
+        </a:p>
+      </dgm:t>
+    </dgm:pt>
+    <dgm:pt modelId="{985EA096-98B4-488F-AA6A-65264FA0FD04}" type="sibTrans" cxnId="{5D968443-4FAA-45E5-95FA-0788A5143D4A}">
+      <dgm:prSet/>
+      <dgm:spPr/>
+      <dgm:t>
+        <a:bodyPr/>
+        <a:lstStyle/>
+        <a:p>
+          <a:endParaRPr lang="en-IN"/>
+        </a:p>
+      </dgm:t>
+    </dgm:pt>
+    <dgm:pt modelId="{3CC15D04-D6EE-4198-9FC8-FBF173FBF41A}">
+      <dgm:prSet/>
+      <dgm:spPr/>
+      <dgm:t>
+        <a:bodyPr/>
+        <a:lstStyle/>
+        <a:p>
+          <a:r>
+            <a:rPr lang="en-US" b="0" i="0"/>
+            <a:t>Industry 5.0 is the revolution in which man and machine reconcile and find ways to work together to improve the means and efficiency of production.</a:t>
+          </a:r>
+          <a:endParaRPr lang="en-US"/>
+        </a:p>
+      </dgm:t>
+    </dgm:pt>
+    <dgm:pt modelId="{370B69E8-76EB-4421-8FF9-4694FBCC590D}" type="parTrans" cxnId="{1C25FD66-F705-473A-A00B-4AD449C04284}">
+      <dgm:prSet/>
+      <dgm:spPr/>
+      <dgm:t>
+        <a:bodyPr/>
+        <a:lstStyle/>
+        <a:p>
+          <a:endParaRPr lang="en-IN"/>
+        </a:p>
+      </dgm:t>
+    </dgm:pt>
+    <dgm:pt modelId="{4465E549-EF4C-4264-97EA-D71F3360211C}" type="sibTrans" cxnId="{1C25FD66-F705-473A-A00B-4AD449C04284}">
+      <dgm:prSet/>
+      <dgm:spPr/>
+      <dgm:t>
+        <a:bodyPr/>
+        <a:lstStyle/>
+        <a:p>
+          <a:endParaRPr lang="en-IN"/>
+        </a:p>
+      </dgm:t>
+    </dgm:pt>
+    <dgm:pt modelId="{9F9B3D23-F57F-479E-A9E2-1E674146C5EE}" type="pres">
+      <dgm:prSet presAssocID="{4E7E2364-B48F-4CBF-8966-3EBA6E787B16}" presName="linearFlow" presStyleCnt="0">
+        <dgm:presLayoutVars>
+          <dgm:dir/>
+          <dgm:animLvl val="lvl"/>
+          <dgm:resizeHandles val="exact"/>
+        </dgm:presLayoutVars>
+      </dgm:prSet>
+      <dgm:spPr/>
+    </dgm:pt>
+    <dgm:pt modelId="{3E0216AC-9128-418D-99D9-357A2AC3150F}" type="pres">
+      <dgm:prSet presAssocID="{8F7C003B-B45E-4A6C-A64A-6F43ACBF022B}" presName="composite" presStyleCnt="0"/>
+      <dgm:spPr/>
+    </dgm:pt>
+    <dgm:pt modelId="{80112BF2-A566-4FF9-999C-3356EB71F0A1}" type="pres">
+      <dgm:prSet presAssocID="{8F7C003B-B45E-4A6C-A64A-6F43ACBF022B}" presName="parentText" presStyleLbl="alignNode1" presStyleIdx="0" presStyleCnt="5">
+        <dgm:presLayoutVars>
+          <dgm:chMax val="1"/>
+          <dgm:bulletEnabled val="1"/>
+        </dgm:presLayoutVars>
+      </dgm:prSet>
+      <dgm:spPr/>
+    </dgm:pt>
+    <dgm:pt modelId="{861923AB-CA6F-46E8-8771-DCE8711A66D5}" type="pres">
+      <dgm:prSet presAssocID="{8F7C003B-B45E-4A6C-A64A-6F43ACBF022B}" presName="descendantText" presStyleLbl="alignAcc1" presStyleIdx="0" presStyleCnt="5" custLinFactNeighborX="-428" custLinFactNeighborY="5076">
+        <dgm:presLayoutVars>
+          <dgm:bulletEnabled val="1"/>
+        </dgm:presLayoutVars>
+      </dgm:prSet>
+      <dgm:spPr/>
+    </dgm:pt>
+    <dgm:pt modelId="{699974C0-13C9-450B-9248-C67F4FC729E3}" type="pres">
+      <dgm:prSet presAssocID="{2E773F69-DCF8-4CE3-9CB6-D9A210FE7F66}" presName="sp" presStyleCnt="0"/>
+      <dgm:spPr/>
+    </dgm:pt>
+    <dgm:pt modelId="{35CCA5A2-AE1B-4C50-BC63-9A0F37C2E567}" type="pres">
+      <dgm:prSet presAssocID="{69A58761-58D9-49ED-B655-11874FAD8CDD}" presName="composite" presStyleCnt="0"/>
+      <dgm:spPr/>
+    </dgm:pt>
+    <dgm:pt modelId="{3049B3A9-A3A9-426A-903C-C35DE0F05948}" type="pres">
+      <dgm:prSet presAssocID="{69A58761-58D9-49ED-B655-11874FAD8CDD}" presName="parentText" presStyleLbl="alignNode1" presStyleIdx="1" presStyleCnt="5">
+        <dgm:presLayoutVars>
+          <dgm:chMax val="1"/>
+          <dgm:bulletEnabled val="1"/>
+        </dgm:presLayoutVars>
+      </dgm:prSet>
+      <dgm:spPr/>
+    </dgm:pt>
+    <dgm:pt modelId="{BFE2DAAC-5B3C-4EC0-A45D-FC68573CE952}" type="pres">
+      <dgm:prSet presAssocID="{69A58761-58D9-49ED-B655-11874FAD8CDD}" presName="descendantText" presStyleLbl="alignAcc1" presStyleIdx="1" presStyleCnt="5">
+        <dgm:presLayoutVars>
+          <dgm:bulletEnabled val="1"/>
+        </dgm:presLayoutVars>
+      </dgm:prSet>
+      <dgm:spPr/>
+    </dgm:pt>
+    <dgm:pt modelId="{03CBCFA6-5D88-41F7-9624-F038BBD1A1D3}" type="pres">
+      <dgm:prSet presAssocID="{47BA5BB4-CE7E-42FE-B32B-A8D9A3AC60A1}" presName="sp" presStyleCnt="0"/>
+      <dgm:spPr/>
+    </dgm:pt>
+    <dgm:pt modelId="{A52B54F9-6733-4CCC-AD11-F548F729C9E9}" type="pres">
+      <dgm:prSet presAssocID="{4E843ABE-011B-4772-9DCA-3FDCC1AE441C}" presName="composite" presStyleCnt="0"/>
+      <dgm:spPr/>
+    </dgm:pt>
+    <dgm:pt modelId="{9EDEE1CB-B1FE-4E11-9B25-8164DDD9B5F8}" type="pres">
+      <dgm:prSet presAssocID="{4E843ABE-011B-4772-9DCA-3FDCC1AE441C}" presName="parentText" presStyleLbl="alignNode1" presStyleIdx="2" presStyleCnt="5">
+        <dgm:presLayoutVars>
+          <dgm:chMax val="1"/>
+          <dgm:bulletEnabled val="1"/>
+        </dgm:presLayoutVars>
+      </dgm:prSet>
+      <dgm:spPr/>
+    </dgm:pt>
+    <dgm:pt modelId="{48C22D36-4F4D-434D-A872-CDF596EA837E}" type="pres">
+      <dgm:prSet presAssocID="{4E843ABE-011B-4772-9DCA-3FDCC1AE441C}" presName="descendantText" presStyleLbl="alignAcc1" presStyleIdx="2" presStyleCnt="5">
+        <dgm:presLayoutVars>
+          <dgm:bulletEnabled val="1"/>
+        </dgm:presLayoutVars>
+      </dgm:prSet>
+      <dgm:spPr/>
+    </dgm:pt>
+    <dgm:pt modelId="{21CCE789-53FE-4152-AA19-94DFD97F1FA7}" type="pres">
+      <dgm:prSet presAssocID="{BCBCE0B8-C729-49B1-ACAB-9C457F2CC680}" presName="sp" presStyleCnt="0"/>
+      <dgm:spPr/>
+    </dgm:pt>
+    <dgm:pt modelId="{831D8475-BFFB-447A-9B7D-DE412D27D648}" type="pres">
+      <dgm:prSet presAssocID="{9BA9899D-2ED2-4521-A7FA-31BB68F31D56}" presName="composite" presStyleCnt="0"/>
+      <dgm:spPr/>
+    </dgm:pt>
+    <dgm:pt modelId="{9D9CCF76-DCB2-489C-9788-F777FAFF1075}" type="pres">
+      <dgm:prSet presAssocID="{9BA9899D-2ED2-4521-A7FA-31BB68F31D56}" presName="parentText" presStyleLbl="alignNode1" presStyleIdx="3" presStyleCnt="5">
+        <dgm:presLayoutVars>
+          <dgm:chMax val="1"/>
+          <dgm:bulletEnabled val="1"/>
+        </dgm:presLayoutVars>
+      </dgm:prSet>
+      <dgm:spPr/>
+    </dgm:pt>
+    <dgm:pt modelId="{EB64F46C-DBDA-47A7-9404-CE1480713049}" type="pres">
+      <dgm:prSet presAssocID="{9BA9899D-2ED2-4521-A7FA-31BB68F31D56}" presName="descendantText" presStyleLbl="alignAcc1" presStyleIdx="3" presStyleCnt="5">
+        <dgm:presLayoutVars>
+          <dgm:bulletEnabled val="1"/>
+        </dgm:presLayoutVars>
+      </dgm:prSet>
+      <dgm:spPr/>
+    </dgm:pt>
+    <dgm:pt modelId="{8200B73C-A6CE-4F23-BEC6-DBBDB16134F8}" type="pres">
+      <dgm:prSet presAssocID="{1819326A-0D9C-4EE7-A94D-2F1913D14D75}" presName="sp" presStyleCnt="0"/>
+      <dgm:spPr/>
+    </dgm:pt>
+    <dgm:pt modelId="{212D0E48-13CF-4C61-899C-3D4A286436BC}" type="pres">
+      <dgm:prSet presAssocID="{BD52B412-53B7-40A1-9F85-A07256610EAB}" presName="composite" presStyleCnt="0"/>
+      <dgm:spPr/>
+    </dgm:pt>
+    <dgm:pt modelId="{BF65131A-9F6B-49EC-87AD-33F17EB353A5}" type="pres">
+      <dgm:prSet presAssocID="{BD52B412-53B7-40A1-9F85-A07256610EAB}" presName="parentText" presStyleLbl="alignNode1" presStyleIdx="4" presStyleCnt="5">
+        <dgm:presLayoutVars>
+          <dgm:chMax val="1"/>
+          <dgm:bulletEnabled val="1"/>
+        </dgm:presLayoutVars>
+      </dgm:prSet>
+      <dgm:spPr/>
+    </dgm:pt>
+    <dgm:pt modelId="{B5383A9F-9D6F-45B5-8C90-F9004861FB3A}" type="pres">
+      <dgm:prSet presAssocID="{BD52B412-53B7-40A1-9F85-A07256610EAB}" presName="descendantText" presStyleLbl="alignAcc1" presStyleIdx="4" presStyleCnt="5">
+        <dgm:presLayoutVars>
+          <dgm:bulletEnabled val="1"/>
+        </dgm:presLayoutVars>
+      </dgm:prSet>
+      <dgm:spPr/>
+    </dgm:pt>
+  </dgm:ptLst>
+  <dgm:cxnLst>
+    <dgm:cxn modelId="{FBEB1702-F438-4942-9FFB-CD33B1423510}" srcId="{4E843ABE-011B-4772-9DCA-3FDCC1AE441C}" destId="{4B084F81-42BE-406E-AD2D-ECDCB88042B3}" srcOrd="0" destOrd="0" parTransId="{9B15C841-CFCC-4724-AC7A-2B728F5BE78D}" sibTransId="{AB72FC89-2F5C-4BF5-BDD4-617521B9596B}"/>
+    <dgm:cxn modelId="{F6B44806-8C64-433E-8269-72D7B40B06AA}" type="presOf" srcId="{87BDD663-CEB5-49E1-BA17-F18B347AF70E}" destId="{861923AB-CA6F-46E8-8771-DCE8711A66D5}" srcOrd="0" destOrd="0" presId="urn:microsoft.com/office/officeart/2005/8/layout/chevron2"/>
+    <dgm:cxn modelId="{823A441D-8447-42AA-A7B3-A8D48DD17194}" srcId="{4E7E2364-B48F-4CBF-8966-3EBA6E787B16}" destId="{9BA9899D-2ED2-4521-A7FA-31BB68F31D56}" srcOrd="3" destOrd="0" parTransId="{BB2BC23E-7CB6-4C6D-A31E-4991EAD967BF}" sibTransId="{1819326A-0D9C-4EE7-A94D-2F1913D14D75}"/>
+    <dgm:cxn modelId="{87CE6023-0606-4807-930B-B06CEC1999B2}" type="presOf" srcId="{4E843ABE-011B-4772-9DCA-3FDCC1AE441C}" destId="{9EDEE1CB-B1FE-4E11-9B25-8164DDD9B5F8}" srcOrd="0" destOrd="0" presId="urn:microsoft.com/office/officeart/2005/8/layout/chevron2"/>
+    <dgm:cxn modelId="{838B5036-FE34-4364-B445-8BFACECC25C3}" type="presOf" srcId="{7086E3AD-7C5F-4F80-A369-A2311CAB31B8}" destId="{EB64F46C-DBDA-47A7-9404-CE1480713049}" srcOrd="0" destOrd="0" presId="urn:microsoft.com/office/officeart/2005/8/layout/chevron2"/>
+    <dgm:cxn modelId="{E3F8FC3F-AA94-489F-8349-D97C7A150053}" type="presOf" srcId="{3CC15D04-D6EE-4198-9FC8-FBF173FBF41A}" destId="{B5383A9F-9D6F-45B5-8C90-F9004861FB3A}" srcOrd="0" destOrd="1" presId="urn:microsoft.com/office/officeart/2005/8/layout/chevron2"/>
+    <dgm:cxn modelId="{C0DCB060-24A2-436B-9025-82058C407D16}" srcId="{4E7E2364-B48F-4CBF-8966-3EBA6E787B16}" destId="{8F7C003B-B45E-4A6C-A64A-6F43ACBF022B}" srcOrd="0" destOrd="0" parTransId="{EC43515B-4FC9-491B-960D-2E02B9560B2F}" sibTransId="{2E773F69-DCF8-4CE3-9CB6-D9A210FE7F66}"/>
+    <dgm:cxn modelId="{5D968443-4FAA-45E5-95FA-0788A5143D4A}" srcId="{9BA9899D-2ED2-4521-A7FA-31BB68F31D56}" destId="{7086E3AD-7C5F-4F80-A369-A2311CAB31B8}" srcOrd="0" destOrd="0" parTransId="{92F66474-AFAF-4071-99C5-18EA529869CF}" sibTransId="{985EA096-98B4-488F-AA6A-65264FA0FD04}"/>
+    <dgm:cxn modelId="{F4D36664-555E-4922-9A53-A7A87932DD8A}" type="presOf" srcId="{A81D80C5-5F58-4AD9-B6E6-D26A19098C6C}" destId="{BFE2DAAC-5B3C-4EC0-A45D-FC68573CE952}" srcOrd="0" destOrd="0" presId="urn:microsoft.com/office/officeart/2005/8/layout/chevron2"/>
+    <dgm:cxn modelId="{1C25FD66-F705-473A-A00B-4AD449C04284}" srcId="{BD52B412-53B7-40A1-9F85-A07256610EAB}" destId="{3CC15D04-D6EE-4198-9FC8-FBF173FBF41A}" srcOrd="1" destOrd="0" parTransId="{370B69E8-76EB-4421-8FF9-4694FBCC590D}" sibTransId="{4465E549-EF4C-4264-97EA-D71F3360211C}"/>
+    <dgm:cxn modelId="{19BE196F-7E70-4862-A25A-8E9673FA22BF}" srcId="{4E7E2364-B48F-4CBF-8966-3EBA6E787B16}" destId="{BD52B412-53B7-40A1-9F85-A07256610EAB}" srcOrd="4" destOrd="0" parTransId="{21606666-DA50-4BCD-99B6-8628F3CD4C49}" sibTransId="{6A672EE4-1BDB-4EAD-877F-D8D60D5B30C3}"/>
+    <dgm:cxn modelId="{AA641C6F-4EB8-4394-858F-53E297A5EB0A}" type="presOf" srcId="{442579F1-62FD-4889-9D86-6C898A675A81}" destId="{BFE2DAAC-5B3C-4EC0-A45D-FC68573CE952}" srcOrd="0" destOrd="1" presId="urn:microsoft.com/office/officeart/2005/8/layout/chevron2"/>
+    <dgm:cxn modelId="{EAE59750-EE80-4690-BBC5-8407B80A7D99}" srcId="{69A58761-58D9-49ED-B655-11874FAD8CDD}" destId="{442579F1-62FD-4889-9D86-6C898A675A81}" srcOrd="1" destOrd="0" parTransId="{4C281688-E923-4129-902D-C3FE62D220EC}" sibTransId="{08FAEA31-B162-4847-8E5F-5BDF4E52AA49}"/>
+    <dgm:cxn modelId="{5E0EAF72-7535-4A35-9CAC-EAE0ED10EC8E}" type="presOf" srcId="{69A58761-58D9-49ED-B655-11874FAD8CDD}" destId="{3049B3A9-A3A9-426A-903C-C35DE0F05948}" srcOrd="0" destOrd="0" presId="urn:microsoft.com/office/officeart/2005/8/layout/chevron2"/>
+    <dgm:cxn modelId="{08743C57-72D7-4B03-878E-89C319A06C67}" type="presOf" srcId="{BD52B412-53B7-40A1-9F85-A07256610EAB}" destId="{BF65131A-9F6B-49EC-87AD-33F17EB353A5}" srcOrd="0" destOrd="0" presId="urn:microsoft.com/office/officeart/2005/8/layout/chevron2"/>
+    <dgm:cxn modelId="{1332C77A-B53A-4643-97B0-4241E9B39F2A}" srcId="{4E7E2364-B48F-4CBF-8966-3EBA6E787B16}" destId="{4E843ABE-011B-4772-9DCA-3FDCC1AE441C}" srcOrd="2" destOrd="0" parTransId="{32F992DC-A0D6-407E-B5AB-794795D213AB}" sibTransId="{BCBCE0B8-C729-49B1-ACAB-9C457F2CC680}"/>
+    <dgm:cxn modelId="{CF5A4A7D-BE33-4964-BCC4-D125CB851F09}" type="presOf" srcId="{4E7E2364-B48F-4CBF-8966-3EBA6E787B16}" destId="{9F9B3D23-F57F-479E-A9E2-1E674146C5EE}" srcOrd="0" destOrd="0" presId="urn:microsoft.com/office/officeart/2005/8/layout/chevron2"/>
+    <dgm:cxn modelId="{2C71198B-47E2-4E9E-A54D-56E85E8776C5}" srcId="{4E7E2364-B48F-4CBF-8966-3EBA6E787B16}" destId="{69A58761-58D9-49ED-B655-11874FAD8CDD}" srcOrd="1" destOrd="0" parTransId="{69C47172-493C-4D76-90E6-637CCFDEB680}" sibTransId="{47BA5BB4-CE7E-42FE-B32B-A8D9A3AC60A1}"/>
+    <dgm:cxn modelId="{0134CA9E-B3A5-4F4E-8FB2-01605F1E1CC5}" type="presOf" srcId="{FD3719A6-F4F2-42D5-8ECA-0444C6A9326A}" destId="{B5383A9F-9D6F-45B5-8C90-F9004861FB3A}" srcOrd="0" destOrd="0" presId="urn:microsoft.com/office/officeart/2005/8/layout/chevron2"/>
+    <dgm:cxn modelId="{A5FA2CA4-02B5-41CC-BB04-C2739C910D51}" srcId="{8F7C003B-B45E-4A6C-A64A-6F43ACBF022B}" destId="{87BDD663-CEB5-49E1-BA17-F18B347AF70E}" srcOrd="0" destOrd="0" parTransId="{D43490A4-A5A6-4278-9242-A7519111392C}" sibTransId="{19C661AD-30D4-44E3-A87F-31B5617E454B}"/>
+    <dgm:cxn modelId="{1F3253AD-9544-4409-ADE5-732451C6A5E3}" type="presOf" srcId="{8F7C003B-B45E-4A6C-A64A-6F43ACBF022B}" destId="{80112BF2-A566-4FF9-999C-3356EB71F0A1}" srcOrd="0" destOrd="0" presId="urn:microsoft.com/office/officeart/2005/8/layout/chevron2"/>
+    <dgm:cxn modelId="{D4EB35AE-0724-4359-8D17-FAB3BD1CA614}" srcId="{BD52B412-53B7-40A1-9F85-A07256610EAB}" destId="{FD3719A6-F4F2-42D5-8ECA-0444C6A9326A}" srcOrd="0" destOrd="0" parTransId="{F04DD37E-4569-4AB0-AEFD-9F7277A1D43C}" sibTransId="{F955A307-D62E-45F3-992B-26AF63DAA453}"/>
+    <dgm:cxn modelId="{888FBCE8-8B84-4298-BABF-A441FF89B682}" srcId="{69A58761-58D9-49ED-B655-11874FAD8CDD}" destId="{A81D80C5-5F58-4AD9-B6E6-D26A19098C6C}" srcOrd="0" destOrd="0" parTransId="{72AE898E-CB49-4415-8D2F-0B409D2CFCBF}" sibTransId="{9038DBF3-4D98-40CD-989B-CAA005DBB867}"/>
+    <dgm:cxn modelId="{D16AF1E8-529E-4D1F-8AA4-0C49FE152A1F}" type="presOf" srcId="{9BA9899D-2ED2-4521-A7FA-31BB68F31D56}" destId="{9D9CCF76-DCB2-489C-9788-F777FAFF1075}" srcOrd="0" destOrd="0" presId="urn:microsoft.com/office/officeart/2005/8/layout/chevron2"/>
+    <dgm:cxn modelId="{8E75A1F3-4331-48D1-9565-F96901D800F1}" type="presOf" srcId="{4B084F81-42BE-406E-AD2D-ECDCB88042B3}" destId="{48C22D36-4F4D-434D-A872-CDF596EA837E}" srcOrd="0" destOrd="0" presId="urn:microsoft.com/office/officeart/2005/8/layout/chevron2"/>
+    <dgm:cxn modelId="{6936C4B0-9207-4388-B36D-2768F0CF3D70}" type="presParOf" srcId="{9F9B3D23-F57F-479E-A9E2-1E674146C5EE}" destId="{3E0216AC-9128-418D-99D9-357A2AC3150F}" srcOrd="0" destOrd="0" presId="urn:microsoft.com/office/officeart/2005/8/layout/chevron2"/>
+    <dgm:cxn modelId="{0B4AED1E-39AD-4644-A18A-1F04869A9112}" type="presParOf" srcId="{3E0216AC-9128-418D-99D9-357A2AC3150F}" destId="{80112BF2-A566-4FF9-999C-3356EB71F0A1}" srcOrd="0" destOrd="0" presId="urn:microsoft.com/office/officeart/2005/8/layout/chevron2"/>
+    <dgm:cxn modelId="{7DB0E7C2-CDE9-4B0A-A1A8-E46542608435}" type="presParOf" srcId="{3E0216AC-9128-418D-99D9-357A2AC3150F}" destId="{861923AB-CA6F-46E8-8771-DCE8711A66D5}" srcOrd="1" destOrd="0" presId="urn:microsoft.com/office/officeart/2005/8/layout/chevron2"/>
+    <dgm:cxn modelId="{10C9D1EC-801A-4401-B924-0EAE76459DDB}" type="presParOf" srcId="{9F9B3D23-F57F-479E-A9E2-1E674146C5EE}" destId="{699974C0-13C9-450B-9248-C67F4FC729E3}" srcOrd="1" destOrd="0" presId="urn:microsoft.com/office/officeart/2005/8/layout/chevron2"/>
+    <dgm:cxn modelId="{0721D8AC-6988-4532-B78E-AB5F8044D978}" type="presParOf" srcId="{9F9B3D23-F57F-479E-A9E2-1E674146C5EE}" destId="{35CCA5A2-AE1B-4C50-BC63-9A0F37C2E567}" srcOrd="2" destOrd="0" presId="urn:microsoft.com/office/officeart/2005/8/layout/chevron2"/>
+    <dgm:cxn modelId="{EA8FBDFA-E932-48B0-878B-0900C8DCA463}" type="presParOf" srcId="{35CCA5A2-AE1B-4C50-BC63-9A0F37C2E567}" destId="{3049B3A9-A3A9-426A-903C-C35DE0F05948}" srcOrd="0" destOrd="0" presId="urn:microsoft.com/office/officeart/2005/8/layout/chevron2"/>
+    <dgm:cxn modelId="{B56F601E-6BC8-49D6-8C16-0FA3AF01B217}" type="presParOf" srcId="{35CCA5A2-AE1B-4C50-BC63-9A0F37C2E567}" destId="{BFE2DAAC-5B3C-4EC0-A45D-FC68573CE952}" srcOrd="1" destOrd="0" presId="urn:microsoft.com/office/officeart/2005/8/layout/chevron2"/>
+    <dgm:cxn modelId="{72C190C5-36E6-4279-B58C-47911D3A8864}" type="presParOf" srcId="{9F9B3D23-F57F-479E-A9E2-1E674146C5EE}" destId="{03CBCFA6-5D88-41F7-9624-F038BBD1A1D3}" srcOrd="3" destOrd="0" presId="urn:microsoft.com/office/officeart/2005/8/layout/chevron2"/>
+    <dgm:cxn modelId="{88AF3574-5F63-4F26-8C2D-E50B92E71660}" type="presParOf" srcId="{9F9B3D23-F57F-479E-A9E2-1E674146C5EE}" destId="{A52B54F9-6733-4CCC-AD11-F548F729C9E9}" srcOrd="4" destOrd="0" presId="urn:microsoft.com/office/officeart/2005/8/layout/chevron2"/>
+    <dgm:cxn modelId="{AEB58614-3218-404C-963E-81E8C033E175}" type="presParOf" srcId="{A52B54F9-6733-4CCC-AD11-F548F729C9E9}" destId="{9EDEE1CB-B1FE-4E11-9B25-8164DDD9B5F8}" srcOrd="0" destOrd="0" presId="urn:microsoft.com/office/officeart/2005/8/layout/chevron2"/>
+    <dgm:cxn modelId="{AB998C8E-4C30-4739-B484-6EEE34DE9FC2}" type="presParOf" srcId="{A52B54F9-6733-4CCC-AD11-F548F729C9E9}" destId="{48C22D36-4F4D-434D-A872-CDF596EA837E}" srcOrd="1" destOrd="0" presId="urn:microsoft.com/office/officeart/2005/8/layout/chevron2"/>
+    <dgm:cxn modelId="{DDF30C18-C346-4493-B3FE-420F738DD3A2}" type="presParOf" srcId="{9F9B3D23-F57F-479E-A9E2-1E674146C5EE}" destId="{21CCE789-53FE-4152-AA19-94DFD97F1FA7}" srcOrd="5" destOrd="0" presId="urn:microsoft.com/office/officeart/2005/8/layout/chevron2"/>
+    <dgm:cxn modelId="{DE25FF10-4987-4931-B349-BD59D8265E6C}" type="presParOf" srcId="{9F9B3D23-F57F-479E-A9E2-1E674146C5EE}" destId="{831D8475-BFFB-447A-9B7D-DE412D27D648}" srcOrd="6" destOrd="0" presId="urn:microsoft.com/office/officeart/2005/8/layout/chevron2"/>
+    <dgm:cxn modelId="{5BF54D51-9395-4457-BE54-463671B8A980}" type="presParOf" srcId="{831D8475-BFFB-447A-9B7D-DE412D27D648}" destId="{9D9CCF76-DCB2-489C-9788-F777FAFF1075}" srcOrd="0" destOrd="0" presId="urn:microsoft.com/office/officeart/2005/8/layout/chevron2"/>
+    <dgm:cxn modelId="{44C4E13E-A81B-47FC-BB2C-1BDF50EC5573}" type="presParOf" srcId="{831D8475-BFFB-447A-9B7D-DE412D27D648}" destId="{EB64F46C-DBDA-47A7-9404-CE1480713049}" srcOrd="1" destOrd="0" presId="urn:microsoft.com/office/officeart/2005/8/layout/chevron2"/>
+    <dgm:cxn modelId="{36688FDA-54A5-4253-B3C9-CFFCED7706FC}" type="presParOf" srcId="{9F9B3D23-F57F-479E-A9E2-1E674146C5EE}" destId="{8200B73C-A6CE-4F23-BEC6-DBBDB16134F8}" srcOrd="7" destOrd="0" presId="urn:microsoft.com/office/officeart/2005/8/layout/chevron2"/>
+    <dgm:cxn modelId="{4D6C04CC-EE35-4F32-BED8-9275E24869EF}" type="presParOf" srcId="{9F9B3D23-F57F-479E-A9E2-1E674146C5EE}" destId="{212D0E48-13CF-4C61-899C-3D4A286436BC}" srcOrd="8" destOrd="0" presId="urn:microsoft.com/office/officeart/2005/8/layout/chevron2"/>
+    <dgm:cxn modelId="{CDA7CAC8-A85F-428D-A133-5A0031F24DBE}" type="presParOf" srcId="{212D0E48-13CF-4C61-899C-3D4A286436BC}" destId="{BF65131A-9F6B-49EC-87AD-33F17EB353A5}" srcOrd="0" destOrd="0" presId="urn:microsoft.com/office/officeart/2005/8/layout/chevron2"/>
+    <dgm:cxn modelId="{7D224E6E-214E-49E4-AAB3-B7B03891935B}" type="presParOf" srcId="{212D0E48-13CF-4C61-899C-3D4A286436BC}" destId="{B5383A9F-9D6F-45B5-8C90-F9004861FB3A}" srcOrd="1" destOrd="0" presId="urn:microsoft.com/office/officeart/2005/8/layout/chevron2"/>
+  </dgm:cxnLst>
+  <dgm:bg/>
+  <dgm:whole/>
+  <dgm:extLst>
+    <a:ext uri="http://schemas.microsoft.com/office/drawing/2008/diagram">
+      <dsp:dataModelExt xmlns:dsp="http://schemas.microsoft.com/office/drawing/2008/diagram" relId="rId6" minVer="http://schemas.openxmlformats.org/drawingml/2006/diagram"/>
+    </a:ext>
+  </dgm:extLst>
+</dgm:dataModel>
+</file>
+
+<file path=ppt/diagrams/data3.xml><?xml version="1.0" encoding="utf-8"?>
 <dgm:dataModel xmlns:dgm="http://schemas.openxmlformats.org/drawingml/2006/diagram" xmlns:a="http://schemas.openxmlformats.org/drawingml/2006/main">
   <dgm:ptLst>
     <dgm:pt modelId="{9B122E83-3736-451A-B2D2-54C2AB2D99A3}" type="doc">
@@ -4611,7 +6011,7 @@
 </dgm:dataModel>
 </file>
 
-<file path=ppt/diagrams/data3.xml><?xml version="1.0" encoding="utf-8"?>
+<file path=ppt/diagrams/data4.xml><?xml version="1.0" encoding="utf-8"?>
 <dgm:dataModel xmlns:dgm="http://schemas.openxmlformats.org/drawingml/2006/diagram" xmlns:a="http://schemas.openxmlformats.org/drawingml/2006/main">
   <dgm:ptLst>
     <dgm:pt modelId="{42D95131-C6CD-4454-87E7-699BC382AEC6}" type="doc">
@@ -5016,7 +6416,7 @@
 </dgm:dataModel>
 </file>
 
-<file path=ppt/diagrams/data4.xml><?xml version="1.0" encoding="utf-8"?>
+<file path=ppt/diagrams/data5.xml><?xml version="1.0" encoding="utf-8"?>
 <dgm:dataModel xmlns:dgm="http://schemas.openxmlformats.org/drawingml/2006/diagram" xmlns:a="http://schemas.openxmlformats.org/drawingml/2006/main">
   <dgm:ptLst>
     <dgm:pt modelId="{ADF00712-6C67-49FF-A887-BB6FE2B4659E}" type="doc">
@@ -7141,6 +8541,824 @@
       <dsp:cNvGrpSpPr/>
     </dsp:nvGrpSpPr>
     <dsp:grpSpPr/>
+    <dsp:sp modelId="{80112BF2-A566-4FF9-999C-3356EB71F0A1}">
+      <dsp:nvSpPr>
+        <dsp:cNvPr id="0" name=""/>
+        <dsp:cNvSpPr/>
+      </dsp:nvSpPr>
+      <dsp:spPr>
+        <a:xfrm rot="5400000">
+          <a:off x="-194841" y="197483"/>
+          <a:ext cx="1298944" cy="909261"/>
+        </a:xfrm>
+        <a:prstGeom prst="chevron">
+          <a:avLst/>
+        </a:prstGeom>
+        <a:solidFill>
+          <a:schemeClr val="accent1">
+            <a:hueOff val="0"/>
+            <a:satOff val="0"/>
+            <a:lumOff val="0"/>
+            <a:alphaOff val="0"/>
+          </a:schemeClr>
+        </a:solidFill>
+        <a:ln w="15875" cap="flat" cmpd="sng" algn="ctr">
+          <a:solidFill>
+            <a:schemeClr val="accent1">
+              <a:hueOff val="0"/>
+              <a:satOff val="0"/>
+              <a:lumOff val="0"/>
+              <a:alphaOff val="0"/>
+            </a:schemeClr>
+          </a:solidFill>
+          <a:prstDash val="solid"/>
+        </a:ln>
+        <a:effectLst/>
+      </dsp:spPr>
+      <dsp:style>
+        <a:lnRef idx="2">
+          <a:scrgbClr r="0" g="0" b="0"/>
+        </a:lnRef>
+        <a:fillRef idx="1">
+          <a:scrgbClr r="0" g="0" b="0"/>
+        </a:fillRef>
+        <a:effectRef idx="0">
+          <a:scrgbClr r="0" g="0" b="0"/>
+        </a:effectRef>
+        <a:fontRef idx="minor">
+          <a:schemeClr val="lt1"/>
+        </a:fontRef>
+      </dsp:style>
+      <dsp:txBody>
+        <a:bodyPr spcFirstLastPara="0" vert="horz" wrap="square" lIns="8890" tIns="8890" rIns="8890" bIns="8890" numCol="1" spcCol="1270" anchor="ctr" anchorCtr="0">
+          <a:noAutofit/>
+        </a:bodyPr>
+        <a:lstStyle/>
+        <a:p>
+          <a:pPr marL="0" lvl="0" indent="0" algn="ctr" defTabSz="622300">
+            <a:lnSpc>
+              <a:spcPct val="90000"/>
+            </a:lnSpc>
+            <a:spcBef>
+              <a:spcPct val="0"/>
+            </a:spcBef>
+            <a:spcAft>
+              <a:spcPct val="35000"/>
+            </a:spcAft>
+            <a:buNone/>
+          </a:pPr>
+          <a:r>
+            <a:rPr lang="en-US" sz="1400" kern="1200" dirty="0"/>
+            <a:t>Industry 1.0</a:t>
+          </a:r>
+          <a:endParaRPr lang="en-IN" sz="1400" kern="1200" dirty="0"/>
+        </a:p>
+      </dsp:txBody>
+      <dsp:txXfrm rot="-5400000">
+        <a:off x="1" y="457273"/>
+        <a:ext cx="909261" cy="389683"/>
+      </dsp:txXfrm>
+    </dsp:sp>
+    <dsp:sp modelId="{861923AB-CA6F-46E8-8771-DCE8711A66D5}">
+      <dsp:nvSpPr>
+        <dsp:cNvPr id="0" name=""/>
+        <dsp:cNvSpPr/>
+      </dsp:nvSpPr>
+      <dsp:spPr>
+        <a:xfrm rot="5400000">
+          <a:off x="5437464" y="-4525444"/>
+          <a:ext cx="844313" cy="9986201"/>
+        </a:xfrm>
+        <a:prstGeom prst="round2SameRect">
+          <a:avLst/>
+        </a:prstGeom>
+        <a:solidFill>
+          <a:schemeClr val="lt1">
+            <a:alpha val="90000"/>
+            <a:hueOff val="0"/>
+            <a:satOff val="0"/>
+            <a:lumOff val="0"/>
+            <a:alphaOff val="0"/>
+          </a:schemeClr>
+        </a:solidFill>
+        <a:ln w="15875" cap="flat" cmpd="sng" algn="ctr">
+          <a:solidFill>
+            <a:schemeClr val="accent1">
+              <a:hueOff val="0"/>
+              <a:satOff val="0"/>
+              <a:lumOff val="0"/>
+              <a:alphaOff val="0"/>
+            </a:schemeClr>
+          </a:solidFill>
+          <a:prstDash val="solid"/>
+        </a:ln>
+        <a:effectLst/>
+      </dsp:spPr>
+      <dsp:style>
+        <a:lnRef idx="2">
+          <a:scrgbClr r="0" g="0" b="0"/>
+        </a:lnRef>
+        <a:fillRef idx="1">
+          <a:scrgbClr r="0" g="0" b="0"/>
+        </a:fillRef>
+        <a:effectRef idx="0">
+          <a:scrgbClr r="0" g="0" b="0"/>
+        </a:effectRef>
+        <a:fontRef idx="minor"/>
+      </dsp:style>
+      <dsp:txBody>
+        <a:bodyPr spcFirstLastPara="0" vert="horz" wrap="square" lIns="120904" tIns="10795" rIns="10795" bIns="10795" numCol="1" spcCol="1270" anchor="ctr" anchorCtr="0">
+          <a:noAutofit/>
+        </a:bodyPr>
+        <a:lstStyle/>
+        <a:p>
+          <a:pPr marL="171450" lvl="1" indent="-171450" algn="l" defTabSz="755650">
+            <a:lnSpc>
+              <a:spcPct val="90000"/>
+            </a:lnSpc>
+            <a:spcBef>
+              <a:spcPct val="0"/>
+            </a:spcBef>
+            <a:spcAft>
+              <a:spcPct val="15000"/>
+            </a:spcAft>
+            <a:buChar char="•"/>
+          </a:pPr>
+          <a:r>
+            <a:rPr lang="en-US" sz="1700" b="0" i="0" kern="1200" dirty="0"/>
+            <a:t>Around 1760, the First Industrial Revolution was the transition to new manufacturing processes using water and steam.  </a:t>
+          </a:r>
+          <a:endParaRPr lang="en-IN" sz="1700" kern="1200" dirty="0"/>
+        </a:p>
+      </dsp:txBody>
+      <dsp:txXfrm rot="-5400000">
+        <a:off x="866520" y="86716"/>
+        <a:ext cx="9944985" cy="761881"/>
+      </dsp:txXfrm>
+    </dsp:sp>
+    <dsp:sp modelId="{3049B3A9-A3A9-426A-903C-C35DE0F05948}">
+      <dsp:nvSpPr>
+        <dsp:cNvPr id="0" name=""/>
+        <dsp:cNvSpPr/>
+      </dsp:nvSpPr>
+      <dsp:spPr>
+        <a:xfrm rot="5400000">
+          <a:off x="-194841" y="1381209"/>
+          <a:ext cx="1298944" cy="909261"/>
+        </a:xfrm>
+        <a:prstGeom prst="chevron">
+          <a:avLst/>
+        </a:prstGeom>
+        <a:solidFill>
+          <a:schemeClr val="accent1">
+            <a:hueOff val="0"/>
+            <a:satOff val="0"/>
+            <a:lumOff val="0"/>
+            <a:alphaOff val="0"/>
+          </a:schemeClr>
+        </a:solidFill>
+        <a:ln w="15875" cap="flat" cmpd="sng" algn="ctr">
+          <a:solidFill>
+            <a:schemeClr val="accent1">
+              <a:hueOff val="0"/>
+              <a:satOff val="0"/>
+              <a:lumOff val="0"/>
+              <a:alphaOff val="0"/>
+            </a:schemeClr>
+          </a:solidFill>
+          <a:prstDash val="solid"/>
+        </a:ln>
+        <a:effectLst/>
+      </dsp:spPr>
+      <dsp:style>
+        <a:lnRef idx="2">
+          <a:scrgbClr r="0" g="0" b="0"/>
+        </a:lnRef>
+        <a:fillRef idx="1">
+          <a:scrgbClr r="0" g="0" b="0"/>
+        </a:fillRef>
+        <a:effectRef idx="0">
+          <a:scrgbClr r="0" g="0" b="0"/>
+        </a:effectRef>
+        <a:fontRef idx="minor">
+          <a:schemeClr val="lt1"/>
+        </a:fontRef>
+      </dsp:style>
+      <dsp:txBody>
+        <a:bodyPr spcFirstLastPara="0" vert="horz" wrap="square" lIns="8890" tIns="8890" rIns="8890" bIns="8890" numCol="1" spcCol="1270" anchor="ctr" anchorCtr="0">
+          <a:noAutofit/>
+        </a:bodyPr>
+        <a:lstStyle/>
+        <a:p>
+          <a:pPr marL="0" lvl="0" indent="0" algn="ctr" defTabSz="622300">
+            <a:lnSpc>
+              <a:spcPct val="90000"/>
+            </a:lnSpc>
+            <a:spcBef>
+              <a:spcPct val="0"/>
+            </a:spcBef>
+            <a:spcAft>
+              <a:spcPct val="35000"/>
+            </a:spcAft>
+            <a:buNone/>
+          </a:pPr>
+          <a:r>
+            <a:rPr lang="en-US" sz="1400" kern="1200" dirty="0"/>
+            <a:t>Industry 2.0</a:t>
+          </a:r>
+          <a:endParaRPr lang="en-IN" sz="1400" kern="1200" dirty="0"/>
+        </a:p>
+      </dsp:txBody>
+      <dsp:txXfrm rot="-5400000">
+        <a:off x="1" y="1640999"/>
+        <a:ext cx="909261" cy="389683"/>
+      </dsp:txXfrm>
+    </dsp:sp>
+    <dsp:sp modelId="{BFE2DAAC-5B3C-4EC0-A45D-FC68573CE952}">
+      <dsp:nvSpPr>
+        <dsp:cNvPr id="0" name=""/>
+        <dsp:cNvSpPr/>
+      </dsp:nvSpPr>
+      <dsp:spPr>
+        <a:xfrm rot="5400000">
+          <a:off x="5480205" y="-3384575"/>
+          <a:ext cx="844313" cy="9986201"/>
+        </a:xfrm>
+        <a:prstGeom prst="round2SameRect">
+          <a:avLst/>
+        </a:prstGeom>
+        <a:solidFill>
+          <a:schemeClr val="lt1">
+            <a:alpha val="90000"/>
+            <a:hueOff val="0"/>
+            <a:satOff val="0"/>
+            <a:lumOff val="0"/>
+            <a:alphaOff val="0"/>
+          </a:schemeClr>
+        </a:solidFill>
+        <a:ln w="15875" cap="flat" cmpd="sng" algn="ctr">
+          <a:solidFill>
+            <a:schemeClr val="accent1">
+              <a:hueOff val="0"/>
+              <a:satOff val="0"/>
+              <a:lumOff val="0"/>
+              <a:alphaOff val="0"/>
+            </a:schemeClr>
+          </a:solidFill>
+          <a:prstDash val="solid"/>
+        </a:ln>
+        <a:effectLst/>
+      </dsp:spPr>
+      <dsp:style>
+        <a:lnRef idx="2">
+          <a:scrgbClr r="0" g="0" b="0"/>
+        </a:lnRef>
+        <a:fillRef idx="1">
+          <a:scrgbClr r="0" g="0" b="0"/>
+        </a:fillRef>
+        <a:effectRef idx="0">
+          <a:scrgbClr r="0" g="0" b="0"/>
+        </a:effectRef>
+        <a:fontRef idx="minor"/>
+      </dsp:style>
+      <dsp:txBody>
+        <a:bodyPr spcFirstLastPara="0" vert="horz" wrap="square" lIns="120904" tIns="10795" rIns="10795" bIns="10795" numCol="1" spcCol="1270" anchor="ctr" anchorCtr="0">
+          <a:noAutofit/>
+        </a:bodyPr>
+        <a:lstStyle/>
+        <a:p>
+          <a:pPr marL="171450" lvl="1" indent="-171450" algn="l" defTabSz="755650">
+            <a:lnSpc>
+              <a:spcPct val="90000"/>
+            </a:lnSpc>
+            <a:spcBef>
+              <a:spcPct val="0"/>
+            </a:spcBef>
+            <a:spcAft>
+              <a:spcPct val="15000"/>
+            </a:spcAft>
+            <a:buChar char="•"/>
+          </a:pPr>
+          <a:r>
+            <a:rPr lang="en-US" sz="1700" kern="1200" dirty="0"/>
+            <a:t>Around 1840, </a:t>
+          </a:r>
+          <a:r>
+            <a:rPr lang="en-US" sz="1700" b="0" i="0" kern="1200" dirty="0"/>
+            <a:t>new technological systems were introduced, most notably superior electrical technology which allowed for even greater production and more sophisticated machines.</a:t>
+          </a:r>
+          <a:endParaRPr lang="en-IN" sz="1700" kern="1200" dirty="0"/>
+        </a:p>
+        <a:p>
+          <a:pPr marL="171450" lvl="1" indent="-171450" algn="l" defTabSz="755650">
+            <a:lnSpc>
+              <a:spcPct val="90000"/>
+            </a:lnSpc>
+            <a:spcBef>
+              <a:spcPct val="0"/>
+            </a:spcBef>
+            <a:spcAft>
+              <a:spcPct val="15000"/>
+            </a:spcAft>
+            <a:buChar char="•"/>
+          </a:pPr>
+          <a:endParaRPr lang="en-IN" sz="1700" kern="1200"/>
+        </a:p>
+      </dsp:txBody>
+      <dsp:txXfrm rot="-5400000">
+        <a:off x="909261" y="1227585"/>
+        <a:ext cx="9944985" cy="761881"/>
+      </dsp:txXfrm>
+    </dsp:sp>
+    <dsp:sp modelId="{9EDEE1CB-B1FE-4E11-9B25-8164DDD9B5F8}">
+      <dsp:nvSpPr>
+        <dsp:cNvPr id="0" name=""/>
+        <dsp:cNvSpPr/>
+      </dsp:nvSpPr>
+      <dsp:spPr>
+        <a:xfrm rot="5400000">
+          <a:off x="-194841" y="2564935"/>
+          <a:ext cx="1298944" cy="909261"/>
+        </a:xfrm>
+        <a:prstGeom prst="chevron">
+          <a:avLst/>
+        </a:prstGeom>
+        <a:solidFill>
+          <a:schemeClr val="accent1">
+            <a:hueOff val="0"/>
+            <a:satOff val="0"/>
+            <a:lumOff val="0"/>
+            <a:alphaOff val="0"/>
+          </a:schemeClr>
+        </a:solidFill>
+        <a:ln w="15875" cap="flat" cmpd="sng" algn="ctr">
+          <a:solidFill>
+            <a:schemeClr val="accent1">
+              <a:hueOff val="0"/>
+              <a:satOff val="0"/>
+              <a:lumOff val="0"/>
+              <a:alphaOff val="0"/>
+            </a:schemeClr>
+          </a:solidFill>
+          <a:prstDash val="solid"/>
+        </a:ln>
+        <a:effectLst/>
+      </dsp:spPr>
+      <dsp:style>
+        <a:lnRef idx="2">
+          <a:scrgbClr r="0" g="0" b="0"/>
+        </a:lnRef>
+        <a:fillRef idx="1">
+          <a:scrgbClr r="0" g="0" b="0"/>
+        </a:fillRef>
+        <a:effectRef idx="0">
+          <a:scrgbClr r="0" g="0" b="0"/>
+        </a:effectRef>
+        <a:fontRef idx="minor">
+          <a:schemeClr val="lt1"/>
+        </a:fontRef>
+      </dsp:style>
+      <dsp:txBody>
+        <a:bodyPr spcFirstLastPara="0" vert="horz" wrap="square" lIns="8890" tIns="8890" rIns="8890" bIns="8890" numCol="1" spcCol="1270" anchor="ctr" anchorCtr="0">
+          <a:noAutofit/>
+        </a:bodyPr>
+        <a:lstStyle/>
+        <a:p>
+          <a:pPr marL="0" lvl="0" indent="0" algn="ctr" defTabSz="622300">
+            <a:lnSpc>
+              <a:spcPct val="90000"/>
+            </a:lnSpc>
+            <a:spcBef>
+              <a:spcPct val="0"/>
+            </a:spcBef>
+            <a:spcAft>
+              <a:spcPct val="35000"/>
+            </a:spcAft>
+            <a:buNone/>
+          </a:pPr>
+          <a:r>
+            <a:rPr lang="en-US" sz="1400" kern="1200" dirty="0"/>
+            <a:t>Industry 3.0</a:t>
+          </a:r>
+        </a:p>
+      </dsp:txBody>
+      <dsp:txXfrm rot="-5400000">
+        <a:off x="1" y="2824725"/>
+        <a:ext cx="909261" cy="389683"/>
+      </dsp:txXfrm>
+    </dsp:sp>
+    <dsp:sp modelId="{48C22D36-4F4D-434D-A872-CDF596EA837E}">
+      <dsp:nvSpPr>
+        <dsp:cNvPr id="0" name=""/>
+        <dsp:cNvSpPr/>
+      </dsp:nvSpPr>
+      <dsp:spPr>
+        <a:xfrm rot="5400000">
+          <a:off x="5480205" y="-2200849"/>
+          <a:ext cx="844313" cy="9986201"/>
+        </a:xfrm>
+        <a:prstGeom prst="round2SameRect">
+          <a:avLst/>
+        </a:prstGeom>
+        <a:solidFill>
+          <a:schemeClr val="lt1">
+            <a:alpha val="90000"/>
+            <a:hueOff val="0"/>
+            <a:satOff val="0"/>
+            <a:lumOff val="0"/>
+            <a:alphaOff val="0"/>
+          </a:schemeClr>
+        </a:solidFill>
+        <a:ln w="15875" cap="flat" cmpd="sng" algn="ctr">
+          <a:solidFill>
+            <a:schemeClr val="accent1">
+              <a:hueOff val="0"/>
+              <a:satOff val="0"/>
+              <a:lumOff val="0"/>
+              <a:alphaOff val="0"/>
+            </a:schemeClr>
+          </a:solidFill>
+          <a:prstDash val="solid"/>
+        </a:ln>
+        <a:effectLst/>
+      </dsp:spPr>
+      <dsp:style>
+        <a:lnRef idx="2">
+          <a:scrgbClr r="0" g="0" b="0"/>
+        </a:lnRef>
+        <a:fillRef idx="1">
+          <a:scrgbClr r="0" g="0" b="0"/>
+        </a:fillRef>
+        <a:effectRef idx="0">
+          <a:scrgbClr r="0" g="0" b="0"/>
+        </a:effectRef>
+        <a:fontRef idx="minor"/>
+      </dsp:style>
+      <dsp:txBody>
+        <a:bodyPr spcFirstLastPara="0" vert="horz" wrap="square" lIns="120904" tIns="10795" rIns="10795" bIns="10795" numCol="1" spcCol="1270" anchor="ctr" anchorCtr="0">
+          <a:noAutofit/>
+        </a:bodyPr>
+        <a:lstStyle/>
+        <a:p>
+          <a:pPr marL="171450" lvl="1" indent="-171450" algn="l" defTabSz="755650">
+            <a:lnSpc>
+              <a:spcPct val="90000"/>
+            </a:lnSpc>
+            <a:spcBef>
+              <a:spcPct val="0"/>
+            </a:spcBef>
+            <a:spcAft>
+              <a:spcPct val="15000"/>
+            </a:spcAft>
+            <a:buChar char="•"/>
+          </a:pPr>
+          <a:r>
+            <a:rPr lang="en-US" sz="1700" b="0" i="0" kern="1200"/>
+            <a:t>Around 1970 the Third Industrial Revolution involved the use of electronics and IT (Information Technology) to further automation in production. – Concept of automation entered industry</a:t>
+          </a:r>
+          <a:endParaRPr lang="en-IN" sz="1700" kern="1200"/>
+        </a:p>
+      </dsp:txBody>
+      <dsp:txXfrm rot="-5400000">
+        <a:off x="909261" y="2411311"/>
+        <a:ext cx="9944985" cy="761881"/>
+      </dsp:txXfrm>
+    </dsp:sp>
+    <dsp:sp modelId="{9D9CCF76-DCB2-489C-9788-F777FAFF1075}">
+      <dsp:nvSpPr>
+        <dsp:cNvPr id="0" name=""/>
+        <dsp:cNvSpPr/>
+      </dsp:nvSpPr>
+      <dsp:spPr>
+        <a:xfrm rot="5400000">
+          <a:off x="-194841" y="3748662"/>
+          <a:ext cx="1298944" cy="909261"/>
+        </a:xfrm>
+        <a:prstGeom prst="chevron">
+          <a:avLst/>
+        </a:prstGeom>
+        <a:solidFill>
+          <a:schemeClr val="accent1">
+            <a:hueOff val="0"/>
+            <a:satOff val="0"/>
+            <a:lumOff val="0"/>
+            <a:alphaOff val="0"/>
+          </a:schemeClr>
+        </a:solidFill>
+        <a:ln w="15875" cap="flat" cmpd="sng" algn="ctr">
+          <a:solidFill>
+            <a:schemeClr val="accent1">
+              <a:hueOff val="0"/>
+              <a:satOff val="0"/>
+              <a:lumOff val="0"/>
+              <a:alphaOff val="0"/>
+            </a:schemeClr>
+          </a:solidFill>
+          <a:prstDash val="solid"/>
+        </a:ln>
+        <a:effectLst/>
+      </dsp:spPr>
+      <dsp:style>
+        <a:lnRef idx="2">
+          <a:scrgbClr r="0" g="0" b="0"/>
+        </a:lnRef>
+        <a:fillRef idx="1">
+          <a:scrgbClr r="0" g="0" b="0"/>
+        </a:fillRef>
+        <a:effectRef idx="0">
+          <a:scrgbClr r="0" g="0" b="0"/>
+        </a:effectRef>
+        <a:fontRef idx="minor">
+          <a:schemeClr val="lt1"/>
+        </a:fontRef>
+      </dsp:style>
+      <dsp:txBody>
+        <a:bodyPr spcFirstLastPara="0" vert="horz" wrap="square" lIns="8890" tIns="8890" rIns="8890" bIns="8890" numCol="1" spcCol="1270" anchor="ctr" anchorCtr="0">
+          <a:noAutofit/>
+        </a:bodyPr>
+        <a:lstStyle/>
+        <a:p>
+          <a:pPr marL="0" lvl="0" indent="0" algn="ctr" defTabSz="622300">
+            <a:lnSpc>
+              <a:spcPct val="90000"/>
+            </a:lnSpc>
+            <a:spcBef>
+              <a:spcPct val="0"/>
+            </a:spcBef>
+            <a:spcAft>
+              <a:spcPct val="35000"/>
+            </a:spcAft>
+            <a:buNone/>
+          </a:pPr>
+          <a:r>
+            <a:rPr lang="en-US" sz="1400" kern="1200" dirty="0"/>
+            <a:t>Industry 4.0</a:t>
+          </a:r>
+        </a:p>
+      </dsp:txBody>
+      <dsp:txXfrm rot="-5400000">
+        <a:off x="1" y="4008452"/>
+        <a:ext cx="909261" cy="389683"/>
+      </dsp:txXfrm>
+    </dsp:sp>
+    <dsp:sp modelId="{EB64F46C-DBDA-47A7-9404-CE1480713049}">
+      <dsp:nvSpPr>
+        <dsp:cNvPr id="0" name=""/>
+        <dsp:cNvSpPr/>
+      </dsp:nvSpPr>
+      <dsp:spPr>
+        <a:xfrm rot="5400000">
+          <a:off x="5480205" y="-1017123"/>
+          <a:ext cx="844313" cy="9986201"/>
+        </a:xfrm>
+        <a:prstGeom prst="round2SameRect">
+          <a:avLst/>
+        </a:prstGeom>
+        <a:solidFill>
+          <a:schemeClr val="lt1">
+            <a:alpha val="90000"/>
+            <a:hueOff val="0"/>
+            <a:satOff val="0"/>
+            <a:lumOff val="0"/>
+            <a:alphaOff val="0"/>
+          </a:schemeClr>
+        </a:solidFill>
+        <a:ln w="15875" cap="flat" cmpd="sng" algn="ctr">
+          <a:solidFill>
+            <a:schemeClr val="accent1">
+              <a:hueOff val="0"/>
+              <a:satOff val="0"/>
+              <a:lumOff val="0"/>
+              <a:alphaOff val="0"/>
+            </a:schemeClr>
+          </a:solidFill>
+          <a:prstDash val="solid"/>
+        </a:ln>
+        <a:effectLst/>
+      </dsp:spPr>
+      <dsp:style>
+        <a:lnRef idx="2">
+          <a:scrgbClr r="0" g="0" b="0"/>
+        </a:lnRef>
+        <a:fillRef idx="1">
+          <a:scrgbClr r="0" g="0" b="0"/>
+        </a:fillRef>
+        <a:effectRef idx="0">
+          <a:scrgbClr r="0" g="0" b="0"/>
+        </a:effectRef>
+        <a:fontRef idx="minor"/>
+      </dsp:style>
+      <dsp:txBody>
+        <a:bodyPr spcFirstLastPara="0" vert="horz" wrap="square" lIns="120904" tIns="10795" rIns="10795" bIns="10795" numCol="1" spcCol="1270" anchor="ctr" anchorCtr="0">
+          <a:noAutofit/>
+        </a:bodyPr>
+        <a:lstStyle/>
+        <a:p>
+          <a:pPr marL="171450" lvl="1" indent="-171450" algn="l" defTabSz="755650">
+            <a:lnSpc>
+              <a:spcPct val="90000"/>
+            </a:lnSpc>
+            <a:spcBef>
+              <a:spcPct val="0"/>
+            </a:spcBef>
+            <a:spcAft>
+              <a:spcPct val="15000"/>
+            </a:spcAft>
+            <a:buChar char="•"/>
+          </a:pPr>
+          <a:r>
+            <a:rPr lang="en-US" sz="1700" b="0" i="0" kern="1200"/>
+            <a:t>The Fourth industrial Revolution is the era of smart machines, storage systems and production facilities that can autonomously exchange information, trigger actions and control each other without human intervention.This exchange of information is made possible with the Industrial Internet of things (IIoT) as we know it today.</a:t>
+          </a:r>
+          <a:endParaRPr lang="en-IN" sz="1700" kern="1200"/>
+        </a:p>
+      </dsp:txBody>
+      <dsp:txXfrm rot="-5400000">
+        <a:off x="909261" y="3595037"/>
+        <a:ext cx="9944985" cy="761881"/>
+      </dsp:txXfrm>
+    </dsp:sp>
+    <dsp:sp modelId="{BF65131A-9F6B-49EC-87AD-33F17EB353A5}">
+      <dsp:nvSpPr>
+        <dsp:cNvPr id="0" name=""/>
+        <dsp:cNvSpPr/>
+      </dsp:nvSpPr>
+      <dsp:spPr>
+        <a:xfrm rot="5400000">
+          <a:off x="-194841" y="4932388"/>
+          <a:ext cx="1298944" cy="909261"/>
+        </a:xfrm>
+        <a:prstGeom prst="chevron">
+          <a:avLst/>
+        </a:prstGeom>
+        <a:solidFill>
+          <a:schemeClr val="accent1">
+            <a:hueOff val="0"/>
+            <a:satOff val="0"/>
+            <a:lumOff val="0"/>
+            <a:alphaOff val="0"/>
+          </a:schemeClr>
+        </a:solidFill>
+        <a:ln w="15875" cap="flat" cmpd="sng" algn="ctr">
+          <a:solidFill>
+            <a:schemeClr val="accent1">
+              <a:hueOff val="0"/>
+              <a:satOff val="0"/>
+              <a:lumOff val="0"/>
+              <a:alphaOff val="0"/>
+            </a:schemeClr>
+          </a:solidFill>
+          <a:prstDash val="solid"/>
+        </a:ln>
+        <a:effectLst/>
+      </dsp:spPr>
+      <dsp:style>
+        <a:lnRef idx="2">
+          <a:scrgbClr r="0" g="0" b="0"/>
+        </a:lnRef>
+        <a:fillRef idx="1">
+          <a:scrgbClr r="0" g="0" b="0"/>
+        </a:fillRef>
+        <a:effectRef idx="0">
+          <a:scrgbClr r="0" g="0" b="0"/>
+        </a:effectRef>
+        <a:fontRef idx="minor">
+          <a:schemeClr val="lt1"/>
+        </a:fontRef>
+      </dsp:style>
+      <dsp:txBody>
+        <a:bodyPr spcFirstLastPara="0" vert="horz" wrap="square" lIns="8890" tIns="8890" rIns="8890" bIns="8890" numCol="1" spcCol="1270" anchor="ctr" anchorCtr="0">
+          <a:noAutofit/>
+        </a:bodyPr>
+        <a:lstStyle/>
+        <a:p>
+          <a:pPr marL="0" lvl="0" indent="0" algn="ctr" defTabSz="622300">
+            <a:lnSpc>
+              <a:spcPct val="90000"/>
+            </a:lnSpc>
+            <a:spcBef>
+              <a:spcPct val="0"/>
+            </a:spcBef>
+            <a:spcAft>
+              <a:spcPct val="35000"/>
+            </a:spcAft>
+            <a:buNone/>
+          </a:pPr>
+          <a:r>
+            <a:rPr lang="en-US" sz="1400" kern="1200" dirty="0"/>
+            <a:t>Industry 5.0</a:t>
+          </a:r>
+        </a:p>
+      </dsp:txBody>
+      <dsp:txXfrm rot="-5400000">
+        <a:off x="1" y="5192178"/>
+        <a:ext cx="909261" cy="389683"/>
+      </dsp:txXfrm>
+    </dsp:sp>
+    <dsp:sp modelId="{B5383A9F-9D6F-45B5-8C90-F9004861FB3A}">
+      <dsp:nvSpPr>
+        <dsp:cNvPr id="0" name=""/>
+        <dsp:cNvSpPr/>
+      </dsp:nvSpPr>
+      <dsp:spPr>
+        <a:xfrm rot="5400000">
+          <a:off x="5480205" y="166602"/>
+          <a:ext cx="844313" cy="9986201"/>
+        </a:xfrm>
+        <a:prstGeom prst="round2SameRect">
+          <a:avLst/>
+        </a:prstGeom>
+        <a:solidFill>
+          <a:schemeClr val="lt1">
+            <a:alpha val="90000"/>
+            <a:hueOff val="0"/>
+            <a:satOff val="0"/>
+            <a:lumOff val="0"/>
+            <a:alphaOff val="0"/>
+          </a:schemeClr>
+        </a:solidFill>
+        <a:ln w="15875" cap="flat" cmpd="sng" algn="ctr">
+          <a:solidFill>
+            <a:schemeClr val="accent1">
+              <a:hueOff val="0"/>
+              <a:satOff val="0"/>
+              <a:lumOff val="0"/>
+              <a:alphaOff val="0"/>
+            </a:schemeClr>
+          </a:solidFill>
+          <a:prstDash val="solid"/>
+        </a:ln>
+        <a:effectLst/>
+      </dsp:spPr>
+      <dsp:style>
+        <a:lnRef idx="2">
+          <a:scrgbClr r="0" g="0" b="0"/>
+        </a:lnRef>
+        <a:fillRef idx="1">
+          <a:scrgbClr r="0" g="0" b="0"/>
+        </a:fillRef>
+        <a:effectRef idx="0">
+          <a:scrgbClr r="0" g="0" b="0"/>
+        </a:effectRef>
+        <a:fontRef idx="minor"/>
+      </dsp:style>
+      <dsp:txBody>
+        <a:bodyPr spcFirstLastPara="0" vert="horz" wrap="square" lIns="120904" tIns="10795" rIns="10795" bIns="10795" numCol="1" spcCol="1270" anchor="ctr" anchorCtr="0">
+          <a:noAutofit/>
+        </a:bodyPr>
+        <a:lstStyle/>
+        <a:p>
+          <a:pPr marL="171450" lvl="1" indent="-171450" algn="l" defTabSz="755650">
+            <a:lnSpc>
+              <a:spcPct val="90000"/>
+            </a:lnSpc>
+            <a:spcBef>
+              <a:spcPct val="0"/>
+            </a:spcBef>
+            <a:spcAft>
+              <a:spcPct val="15000"/>
+            </a:spcAft>
+            <a:buChar char="•"/>
+          </a:pPr>
+          <a:endParaRPr lang="en-IN" sz="1700" kern="1200" dirty="0"/>
+        </a:p>
+        <a:p>
+          <a:pPr marL="171450" lvl="1" indent="-171450" algn="l" defTabSz="755650">
+            <a:lnSpc>
+              <a:spcPct val="90000"/>
+            </a:lnSpc>
+            <a:spcBef>
+              <a:spcPct val="0"/>
+            </a:spcBef>
+            <a:spcAft>
+              <a:spcPct val="15000"/>
+            </a:spcAft>
+            <a:buChar char="•"/>
+          </a:pPr>
+          <a:r>
+            <a:rPr lang="en-US" sz="1700" b="0" i="0" kern="1200"/>
+            <a:t>Industry 5.0 is the revolution in which man and machine reconcile and find ways to work together to improve the means and efficiency of production.</a:t>
+          </a:r>
+          <a:endParaRPr lang="en-US" sz="1700" kern="1200"/>
+        </a:p>
+      </dsp:txBody>
+      <dsp:txXfrm rot="-5400000">
+        <a:off x="909261" y="4778762"/>
+        <a:ext cx="9944985" cy="761881"/>
+      </dsp:txXfrm>
+    </dsp:sp>
+  </dsp:spTree>
+</dsp:drawing>
+</file>
+
+<file path=ppt/diagrams/drawing3.xml><?xml version="1.0" encoding="utf-8"?>
+<dsp:drawing xmlns:dgm="http://schemas.openxmlformats.org/drawingml/2006/diagram" xmlns:dsp="http://schemas.microsoft.com/office/drawing/2008/diagram" xmlns:a="http://schemas.openxmlformats.org/drawingml/2006/main">
+  <dsp:spTree>
+    <dsp:nvGrpSpPr>
+      <dsp:cNvPr id="0" name=""/>
+      <dsp:cNvGrpSpPr/>
+    </dsp:nvGrpSpPr>
+    <dsp:grpSpPr/>
     <dsp:sp modelId="{5F08E07F-17BC-44F0-9A22-A12144686791}">
       <dsp:nvSpPr>
         <dsp:cNvPr id="0" name=""/>
@@ -8728,7 +10946,7 @@
 </dsp:drawing>
 </file>
 
-<file path=ppt/diagrams/drawing3.xml><?xml version="1.0" encoding="utf-8"?>
+<file path=ppt/diagrams/drawing4.xml><?xml version="1.0" encoding="utf-8"?>
 <dsp:drawing xmlns:dgm="http://schemas.openxmlformats.org/drawingml/2006/diagram" xmlns:dsp="http://schemas.microsoft.com/office/drawing/2008/diagram" xmlns:a="http://schemas.openxmlformats.org/drawingml/2006/main">
   <dsp:spTree>
     <dsp:nvGrpSpPr>
@@ -9132,7 +11350,7 @@
 </dsp:drawing>
 </file>
 
-<file path=ppt/diagrams/drawing4.xml><?xml version="1.0" encoding="utf-8"?>
+<file path=ppt/diagrams/drawing5.xml><?xml version="1.0" encoding="utf-8"?>
 <dsp:drawing xmlns:dgm="http://schemas.openxmlformats.org/drawingml/2006/diagram" xmlns:dsp="http://schemas.microsoft.com/office/drawing/2008/diagram" xmlns:a="http://schemas.openxmlformats.org/drawingml/2006/main">
   <dsp:spTree>
     <dsp:nvGrpSpPr>
@@ -12604,6 +14822,262 @@
 </file>
 
 <file path=ppt/diagrams/layout2.xml><?xml version="1.0" encoding="utf-8"?>
+<dgm:layoutDef xmlns:dgm="http://schemas.openxmlformats.org/drawingml/2006/diagram" xmlns:a="http://schemas.openxmlformats.org/drawingml/2006/main" uniqueId="urn:microsoft.com/office/officeart/2005/8/layout/chevron2">
+  <dgm:title val=""/>
+  <dgm:desc val=""/>
+  <dgm:catLst>
+    <dgm:cat type="process" pri="12000"/>
+    <dgm:cat type="list" pri="16000"/>
+    <dgm:cat type="convert" pri="11000"/>
+  </dgm:catLst>
+  <dgm:sampData>
+    <dgm:dataModel>
+      <dgm:ptLst>
+        <dgm:pt modelId="0" type="doc"/>
+        <dgm:pt modelId="1">
+          <dgm:prSet phldr="1"/>
+        </dgm:pt>
+        <dgm:pt modelId="11">
+          <dgm:prSet phldr="1"/>
+        </dgm:pt>
+        <dgm:pt modelId="12">
+          <dgm:prSet phldr="1"/>
+        </dgm:pt>
+        <dgm:pt modelId="2">
+          <dgm:prSet phldr="1"/>
+        </dgm:pt>
+        <dgm:pt modelId="21">
+          <dgm:prSet phldr="1"/>
+        </dgm:pt>
+        <dgm:pt modelId="22">
+          <dgm:prSet phldr="1"/>
+        </dgm:pt>
+        <dgm:pt modelId="3">
+          <dgm:prSet phldr="1"/>
+        </dgm:pt>
+        <dgm:pt modelId="31">
+          <dgm:prSet phldr="1"/>
+        </dgm:pt>
+        <dgm:pt modelId="32">
+          <dgm:prSet phldr="1"/>
+        </dgm:pt>
+      </dgm:ptLst>
+      <dgm:cxnLst>
+        <dgm:cxn modelId="4" srcId="0" destId="1" srcOrd="0" destOrd="0"/>
+        <dgm:cxn modelId="5" srcId="0" destId="2" srcOrd="1" destOrd="0"/>
+        <dgm:cxn modelId="6" srcId="0" destId="3" srcOrd="2" destOrd="0"/>
+        <dgm:cxn modelId="13" srcId="1" destId="11" srcOrd="0" destOrd="0"/>
+        <dgm:cxn modelId="14" srcId="1" destId="12" srcOrd="1" destOrd="0"/>
+        <dgm:cxn modelId="23" srcId="2" destId="21" srcOrd="0" destOrd="0"/>
+        <dgm:cxn modelId="24" srcId="2" destId="22" srcOrd="1" destOrd="0"/>
+        <dgm:cxn modelId="33" srcId="3" destId="31" srcOrd="0" destOrd="0"/>
+        <dgm:cxn modelId="34" srcId="3" destId="32" srcOrd="1" destOrd="0"/>
+      </dgm:cxnLst>
+      <dgm:bg/>
+      <dgm:whole/>
+    </dgm:dataModel>
+  </dgm:sampData>
+  <dgm:styleData>
+    <dgm:dataModel>
+      <dgm:ptLst>
+        <dgm:pt modelId="0" type="doc"/>
+        <dgm:pt modelId="1"/>
+      </dgm:ptLst>
+      <dgm:cxnLst>
+        <dgm:cxn modelId="4" srcId="0" destId="1" srcOrd="0" destOrd="0"/>
+      </dgm:cxnLst>
+      <dgm:bg/>
+      <dgm:whole/>
+    </dgm:dataModel>
+  </dgm:styleData>
+  <dgm:clrData>
+    <dgm:dataModel>
+      <dgm:ptLst>
+        <dgm:pt modelId="0" type="doc"/>
+        <dgm:pt modelId="1"/>
+        <dgm:pt modelId="11"/>
+        <dgm:pt modelId="2"/>
+        <dgm:pt modelId="21"/>
+        <dgm:pt modelId="3"/>
+        <dgm:pt modelId="31"/>
+        <dgm:pt modelId="4"/>
+        <dgm:pt modelId="41"/>
+      </dgm:ptLst>
+      <dgm:cxnLst>
+        <dgm:cxn modelId="5" srcId="0" destId="1" srcOrd="0" destOrd="0"/>
+        <dgm:cxn modelId="6" srcId="0" destId="2" srcOrd="1" destOrd="0"/>
+        <dgm:cxn modelId="7" srcId="0" destId="3" srcOrd="2" destOrd="0"/>
+        <dgm:cxn modelId="8" srcId="0" destId="4" srcOrd="3" destOrd="0"/>
+        <dgm:cxn modelId="13" srcId="1" destId="11" srcOrd="0" destOrd="0"/>
+        <dgm:cxn modelId="23" srcId="2" destId="21" srcOrd="0" destOrd="0"/>
+        <dgm:cxn modelId="33" srcId="3" destId="31" srcOrd="0" destOrd="0"/>
+        <dgm:cxn modelId="43" srcId="4" destId="41" srcOrd="0" destOrd="0"/>
+      </dgm:cxnLst>
+      <dgm:bg/>
+      <dgm:whole/>
+    </dgm:dataModel>
+  </dgm:clrData>
+  <dgm:layoutNode name="linearFlow">
+    <dgm:varLst>
+      <dgm:dir/>
+      <dgm:animLvl val="lvl"/>
+      <dgm:resizeHandles val="exact"/>
+    </dgm:varLst>
+    <dgm:alg type="lin">
+      <dgm:param type="linDir" val="fromT"/>
+      <dgm:param type="nodeHorzAlign" val="l"/>
+    </dgm:alg>
+    <dgm:shape xmlns:r="http://schemas.openxmlformats.org/officeDocument/2006/relationships" r:blip="">
+      <dgm:adjLst/>
+    </dgm:shape>
+    <dgm:presOf/>
+    <dgm:constrLst>
+      <dgm:constr type="h" for="ch" forName="composite" refType="h"/>
+      <dgm:constr type="w" for="ch" forName="composite" refType="w"/>
+      <dgm:constr type="h" for="des" forName="parentText" op="equ"/>
+      <dgm:constr type="h" for="ch" forName="sp" val="-14.88"/>
+      <dgm:constr type="h" for="ch" forName="sp" refType="w" refFor="des" refForName="parentText" op="gte" fact="-0.3"/>
+      <dgm:constr type="primFontSz" for="des" forName="parentText" op="equ" val="65"/>
+      <dgm:constr type="primFontSz" for="des" forName="descendantText" op="equ" val="65"/>
+    </dgm:constrLst>
+    <dgm:ruleLst/>
+    <dgm:forEach name="Name0" axis="ch" ptType="node">
+      <dgm:layoutNode name="composite">
+        <dgm:alg type="composite"/>
+        <dgm:shape xmlns:r="http://schemas.openxmlformats.org/officeDocument/2006/relationships" r:blip="">
+          <dgm:adjLst/>
+        </dgm:shape>
+        <dgm:presOf/>
+        <dgm:choose name="Name1">
+          <dgm:if name="Name2" func="var" arg="dir" op="equ" val="norm">
+            <dgm:constrLst>
+              <dgm:constr type="t" for="ch" forName="parentText"/>
+              <dgm:constr type="l" for="ch" forName="parentText"/>
+              <dgm:constr type="w" for="ch" forName="parentText" refType="w" fact="0.4"/>
+              <dgm:constr type="h" for="ch" forName="parentText" refType="h"/>
+              <dgm:constr type="w" for="ch" forName="parentText" refType="w" op="lte" fact="0.5"/>
+              <dgm:constr type="w" for="ch" forName="parentText" refType="h" refFor="ch" refForName="parentText" op="lte" fact="0.7"/>
+              <dgm:constr type="h" for="ch" forName="parentText" refType="w" refFor="ch" refForName="parentText" op="lte" fact="3"/>
+              <dgm:constr type="l" for="ch" forName="descendantText" refType="w" refFor="ch" refForName="parentText"/>
+              <dgm:constr type="w" for="ch" forName="descendantText" refType="w"/>
+              <dgm:constr type="wOff" for="ch" forName="descendantText" refType="w" refFor="ch" refForName="parentText" fact="-1"/>
+              <dgm:constr type="t" for="ch" forName="descendantText"/>
+              <dgm:constr type="b" for="ch" forName="descendantText" refType="h" refFor="ch" refForName="parentText"/>
+              <dgm:constr type="bOff" for="ch" forName="descendantText" refType="w" refFor="ch" refForName="parentText" fact="-0.5"/>
+            </dgm:constrLst>
+          </dgm:if>
+          <dgm:else name="Name3">
+            <dgm:constrLst>
+              <dgm:constr type="t" for="ch" forName="parentText"/>
+              <dgm:constr type="r" for="ch" forName="parentText" refType="w"/>
+              <dgm:constr type="w" for="ch" forName="parentText" refType="w" fact="0.4"/>
+              <dgm:constr type="h" for="ch" forName="parentText" refType="h"/>
+              <dgm:constr type="w" for="ch" forName="parentText" refType="w" op="lte" fact="0.5"/>
+              <dgm:constr type="w" for="ch" forName="parentText" refType="h" refFor="ch" refForName="parentText" op="lte" fact="0.7"/>
+              <dgm:constr type="h" for="ch" forName="parentText" refType="w" refFor="ch" refForName="parentText" op="lte" fact="3"/>
+              <dgm:constr type="l" for="ch" forName="descendantText"/>
+              <dgm:constr type="w" for="ch" forName="descendantText" refType="w"/>
+              <dgm:constr type="wOff" for="ch" forName="descendantText" refType="w" refFor="ch" refForName="parentText" fact="-1"/>
+              <dgm:constr type="t" for="ch" forName="descendantText"/>
+              <dgm:constr type="b" for="ch" forName="descendantText" refType="h" refFor="ch" refForName="parentText"/>
+              <dgm:constr type="bOff" for="ch" forName="descendantText" refType="w" refFor="ch" refForName="parentText" fact="-0.5"/>
+            </dgm:constrLst>
+          </dgm:else>
+        </dgm:choose>
+        <dgm:ruleLst/>
+        <dgm:layoutNode name="parentText" styleLbl="alignNode1">
+          <dgm:varLst>
+            <dgm:chMax val="1"/>
+            <dgm:bulletEnabled val="1"/>
+          </dgm:varLst>
+          <dgm:alg type="tx"/>
+          <dgm:shape xmlns:r="http://schemas.openxmlformats.org/officeDocument/2006/relationships" rot="90" type="chevron" r:blip="">
+            <dgm:adjLst/>
+          </dgm:shape>
+          <dgm:presOf axis="self" ptType="node"/>
+          <dgm:constrLst>
+            <dgm:constr type="lMarg" refType="primFontSz" fact="0.05"/>
+            <dgm:constr type="rMarg" refType="primFontSz" fact="0.05"/>
+            <dgm:constr type="tMarg" refType="primFontSz" fact="0.05"/>
+            <dgm:constr type="bMarg" refType="primFontSz" fact="0.05"/>
+          </dgm:constrLst>
+          <dgm:ruleLst>
+            <dgm:rule type="h" val="100" fact="NaN" max="NaN"/>
+            <dgm:rule type="primFontSz" val="24" fact="NaN" max="NaN"/>
+            <dgm:rule type="h" val="110" fact="NaN" max="NaN"/>
+            <dgm:rule type="primFontSz" val="18" fact="NaN" max="NaN"/>
+            <dgm:rule type="h" val="INF" fact="NaN" max="NaN"/>
+            <dgm:rule type="primFontSz" val="5" fact="NaN" max="NaN"/>
+          </dgm:ruleLst>
+        </dgm:layoutNode>
+        <dgm:layoutNode name="descendantText" styleLbl="alignAcc1">
+          <dgm:varLst>
+            <dgm:bulletEnabled val="1"/>
+          </dgm:varLst>
+          <dgm:choose name="Name4">
+            <dgm:if name="Name5" func="var" arg="dir" op="equ" val="norm">
+              <dgm:alg type="tx">
+                <dgm:param type="stBulletLvl" val="1"/>
+                <dgm:param type="txAnchorVertCh" val="mid"/>
+              </dgm:alg>
+              <dgm:shape xmlns:r="http://schemas.openxmlformats.org/officeDocument/2006/relationships" rot="90" type="round2SameRect" r:blip="">
+                <dgm:adjLst/>
+              </dgm:shape>
+            </dgm:if>
+            <dgm:else name="Name6">
+              <dgm:alg type="tx">
+                <dgm:param type="stBulletLvl" val="1"/>
+                <dgm:param type="txAnchorVertCh" val="mid"/>
+              </dgm:alg>
+              <dgm:shape xmlns:r="http://schemas.openxmlformats.org/officeDocument/2006/relationships" rot="-90" type="round2SameRect" r:blip="">
+                <dgm:adjLst/>
+              </dgm:shape>
+            </dgm:else>
+          </dgm:choose>
+          <dgm:presOf axis="des" ptType="node"/>
+          <dgm:choose name="Name7">
+            <dgm:if name="Name8" func="var" arg="dir" op="equ" val="norm">
+              <dgm:constrLst>
+                <dgm:constr type="secFontSz" refType="primFontSz"/>
+                <dgm:constr type="tMarg" refType="primFontSz" fact="0.05"/>
+                <dgm:constr type="bMarg" refType="primFontSz" fact="0.05"/>
+                <dgm:constr type="rMarg" refType="primFontSz" fact="0.05"/>
+              </dgm:constrLst>
+            </dgm:if>
+            <dgm:else name="Name9">
+              <dgm:constrLst>
+                <dgm:constr type="secFontSz" refType="primFontSz"/>
+                <dgm:constr type="tMarg" refType="primFontSz" fact="0.05"/>
+                <dgm:constr type="bMarg" refType="primFontSz" fact="0.05"/>
+                <dgm:constr type="lMarg" refType="primFontSz" fact="0.05"/>
+              </dgm:constrLst>
+            </dgm:else>
+          </dgm:choose>
+          <dgm:ruleLst>
+            <dgm:rule type="primFontSz" val="5" fact="NaN" max="NaN"/>
+          </dgm:ruleLst>
+        </dgm:layoutNode>
+      </dgm:layoutNode>
+      <dgm:forEach name="Name10" axis="followSib" ptType="sibTrans" cnt="1">
+        <dgm:layoutNode name="sp">
+          <dgm:alg type="sp"/>
+          <dgm:shape xmlns:r="http://schemas.openxmlformats.org/officeDocument/2006/relationships" r:blip="">
+            <dgm:adjLst/>
+          </dgm:shape>
+          <dgm:presOf axis="self"/>
+          <dgm:constrLst>
+            <dgm:constr type="w" val="1"/>
+            <dgm:constr type="h" val="37.5"/>
+          </dgm:constrLst>
+          <dgm:ruleLst/>
+        </dgm:layoutNode>
+      </dgm:forEach>
+    </dgm:forEach>
+  </dgm:layoutNode>
+</dgm:layoutDef>
+</file>
+
+<file path=ppt/diagrams/layout3.xml><?xml version="1.0" encoding="utf-8"?>
 <dgm:layoutDef xmlns:dgm="http://schemas.openxmlformats.org/drawingml/2006/diagram" xmlns:a="http://schemas.openxmlformats.org/drawingml/2006/main" uniqueId="urn:microsoft.com/office/officeart/2005/8/layout/process1">
   <dgm:title val=""/>
   <dgm:desc val=""/>
@@ -12749,7 +15223,7 @@
 </dgm:layoutDef>
 </file>
 
-<file path=ppt/diagrams/layout3.xml><?xml version="1.0" encoding="utf-8"?>
+<file path=ppt/diagrams/layout4.xml><?xml version="1.0" encoding="utf-8"?>
 <dgm:layoutDef xmlns:dgm="http://schemas.openxmlformats.org/drawingml/2006/diagram" xmlns:a="http://schemas.openxmlformats.org/drawingml/2006/main" uniqueId="urn:microsoft.com/office/officeart/2005/8/layout/hList1">
   <dgm:title val=""/>
   <dgm:desc val=""/>
@@ -12966,7 +15440,7 @@
 </dgm:layoutDef>
 </file>
 
-<file path=ppt/diagrams/layout4.xml><?xml version="1.0" encoding="utf-8"?>
+<file path=ppt/diagrams/layout5.xml><?xml version="1.0" encoding="utf-8"?>
 <dgm:layoutDef xmlns:dgm="http://schemas.openxmlformats.org/drawingml/2006/diagram" xmlns:a="http://schemas.openxmlformats.org/drawingml/2006/main" uniqueId="urn:microsoft.com/office/officeart/2008/layout/NameandTitleOrganizationalChart">
   <dgm:title val=""/>
   <dgm:desc val=""/>
@@ -17250,6 +19724,1040 @@
 </file>
 
 <file path=ppt/diagrams/quickStyle4.xml><?xml version="1.0" encoding="utf-8"?>
+<dgm:styleDef xmlns:dgm="http://schemas.openxmlformats.org/drawingml/2006/diagram" xmlns:a="http://schemas.openxmlformats.org/drawingml/2006/main" uniqueId="urn:microsoft.com/office/officeart/2005/8/quickstyle/simple1">
+  <dgm:title val=""/>
+  <dgm:desc val=""/>
+  <dgm:catLst>
+    <dgm:cat type="simple" pri="10100"/>
+  </dgm:catLst>
+  <dgm:scene3d>
+    <a:camera prst="orthographicFront"/>
+    <a:lightRig rig="threePt" dir="t"/>
+  </dgm:scene3d>
+  <dgm:styleLbl name="node0">
+    <dgm:scene3d>
+      <a:camera prst="orthographicFront"/>
+      <a:lightRig rig="threePt" dir="t"/>
+    </dgm:scene3d>
+    <dgm:sp3d/>
+    <dgm:txPr/>
+    <dgm:style>
+      <a:lnRef idx="2">
+        <a:scrgbClr r="0" g="0" b="0"/>
+      </a:lnRef>
+      <a:fillRef idx="1">
+        <a:scrgbClr r="0" g="0" b="0"/>
+      </a:fillRef>
+      <a:effectRef idx="0">
+        <a:scrgbClr r="0" g="0" b="0"/>
+      </a:effectRef>
+      <a:fontRef idx="minor">
+        <a:schemeClr val="lt1"/>
+      </a:fontRef>
+    </dgm:style>
+  </dgm:styleLbl>
+  <dgm:styleLbl name="lnNode1">
+    <dgm:scene3d>
+      <a:camera prst="orthographicFront"/>
+      <a:lightRig rig="threePt" dir="t"/>
+    </dgm:scene3d>
+    <dgm:sp3d/>
+    <dgm:txPr/>
+    <dgm:style>
+      <a:lnRef idx="2">
+        <a:scrgbClr r="0" g="0" b="0"/>
+      </a:lnRef>
+      <a:fillRef idx="1">
+        <a:scrgbClr r="0" g="0" b="0"/>
+      </a:fillRef>
+      <a:effectRef idx="0">
+        <a:scrgbClr r="0" g="0" b="0"/>
+      </a:effectRef>
+      <a:fontRef idx="minor">
+        <a:schemeClr val="lt1"/>
+      </a:fontRef>
+    </dgm:style>
+  </dgm:styleLbl>
+  <dgm:styleLbl name="vennNode1">
+    <dgm:scene3d>
+      <a:camera prst="orthographicFront"/>
+      <a:lightRig rig="threePt" dir="t"/>
+    </dgm:scene3d>
+    <dgm:sp3d/>
+    <dgm:txPr/>
+    <dgm:style>
+      <a:lnRef idx="2">
+        <a:scrgbClr r="0" g="0" b="0"/>
+      </a:lnRef>
+      <a:fillRef idx="1">
+        <a:scrgbClr r="0" g="0" b="0"/>
+      </a:fillRef>
+      <a:effectRef idx="0">
+        <a:scrgbClr r="0" g="0" b="0"/>
+      </a:effectRef>
+      <a:fontRef idx="minor">
+        <a:schemeClr val="tx1"/>
+      </a:fontRef>
+    </dgm:style>
+  </dgm:styleLbl>
+  <dgm:styleLbl name="alignNode1">
+    <dgm:scene3d>
+      <a:camera prst="orthographicFront"/>
+      <a:lightRig rig="threePt" dir="t"/>
+    </dgm:scene3d>
+    <dgm:sp3d/>
+    <dgm:txPr/>
+    <dgm:style>
+      <a:lnRef idx="2">
+        <a:scrgbClr r="0" g="0" b="0"/>
+      </a:lnRef>
+      <a:fillRef idx="1">
+        <a:scrgbClr r="0" g="0" b="0"/>
+      </a:fillRef>
+      <a:effectRef idx="0">
+        <a:scrgbClr r="0" g="0" b="0"/>
+      </a:effectRef>
+      <a:fontRef idx="minor">
+        <a:schemeClr val="lt1"/>
+      </a:fontRef>
+    </dgm:style>
+  </dgm:styleLbl>
+  <dgm:styleLbl name="node1">
+    <dgm:scene3d>
+      <a:camera prst="orthographicFront"/>
+      <a:lightRig rig="threePt" dir="t"/>
+    </dgm:scene3d>
+    <dgm:sp3d/>
+    <dgm:txPr/>
+    <dgm:style>
+      <a:lnRef idx="2">
+        <a:scrgbClr r="0" g="0" b="0"/>
+      </a:lnRef>
+      <a:fillRef idx="1">
+        <a:scrgbClr r="0" g="0" b="0"/>
+      </a:fillRef>
+      <a:effectRef idx="0">
+        <a:scrgbClr r="0" g="0" b="0"/>
+      </a:effectRef>
+      <a:fontRef idx="minor">
+        <a:schemeClr val="lt1"/>
+      </a:fontRef>
+    </dgm:style>
+  </dgm:styleLbl>
+  <dgm:styleLbl name="node2">
+    <dgm:scene3d>
+      <a:camera prst="orthographicFront"/>
+      <a:lightRig rig="threePt" dir="t"/>
+    </dgm:scene3d>
+    <dgm:sp3d/>
+    <dgm:txPr/>
+    <dgm:style>
+      <a:lnRef idx="2">
+        <a:scrgbClr r="0" g="0" b="0"/>
+      </a:lnRef>
+      <a:fillRef idx="1">
+        <a:scrgbClr r="0" g="0" b="0"/>
+      </a:fillRef>
+      <a:effectRef idx="0">
+        <a:scrgbClr r="0" g="0" b="0"/>
+      </a:effectRef>
+      <a:fontRef idx="minor">
+        <a:schemeClr val="lt1"/>
+      </a:fontRef>
+    </dgm:style>
+  </dgm:styleLbl>
+  <dgm:styleLbl name="node3">
+    <dgm:scene3d>
+      <a:camera prst="orthographicFront"/>
+      <a:lightRig rig="threePt" dir="t"/>
+    </dgm:scene3d>
+    <dgm:sp3d/>
+    <dgm:txPr/>
+    <dgm:style>
+      <a:lnRef idx="2">
+        <a:scrgbClr r="0" g="0" b="0"/>
+      </a:lnRef>
+      <a:fillRef idx="1">
+        <a:scrgbClr r="0" g="0" b="0"/>
+      </a:fillRef>
+      <a:effectRef idx="0">
+        <a:scrgbClr r="0" g="0" b="0"/>
+      </a:effectRef>
+      <a:fontRef idx="minor">
+        <a:schemeClr val="lt1"/>
+      </a:fontRef>
+    </dgm:style>
+  </dgm:styleLbl>
+  <dgm:styleLbl name="node4">
+    <dgm:scene3d>
+      <a:camera prst="orthographicFront"/>
+      <a:lightRig rig="threePt" dir="t"/>
+    </dgm:scene3d>
+    <dgm:sp3d/>
+    <dgm:txPr/>
+    <dgm:style>
+      <a:lnRef idx="2">
+        <a:scrgbClr r="0" g="0" b="0"/>
+      </a:lnRef>
+      <a:fillRef idx="1">
+        <a:scrgbClr r="0" g="0" b="0"/>
+      </a:fillRef>
+      <a:effectRef idx="0">
+        <a:scrgbClr r="0" g="0" b="0"/>
+      </a:effectRef>
+      <a:fontRef idx="minor">
+        <a:schemeClr val="lt1"/>
+      </a:fontRef>
+    </dgm:style>
+  </dgm:styleLbl>
+  <dgm:styleLbl name="fgImgPlace1">
+    <dgm:scene3d>
+      <a:camera prst="orthographicFront"/>
+      <a:lightRig rig="threePt" dir="t"/>
+    </dgm:scene3d>
+    <dgm:sp3d/>
+    <dgm:txPr/>
+    <dgm:style>
+      <a:lnRef idx="2">
+        <a:scrgbClr r="0" g="0" b="0"/>
+      </a:lnRef>
+      <a:fillRef idx="1">
+        <a:scrgbClr r="0" g="0" b="0"/>
+      </a:fillRef>
+      <a:effectRef idx="0">
+        <a:scrgbClr r="0" g="0" b="0"/>
+      </a:effectRef>
+      <a:fontRef idx="minor"/>
+    </dgm:style>
+  </dgm:styleLbl>
+  <dgm:styleLbl name="alignImgPlace1">
+    <dgm:scene3d>
+      <a:camera prst="orthographicFront"/>
+      <a:lightRig rig="threePt" dir="t"/>
+    </dgm:scene3d>
+    <dgm:sp3d/>
+    <dgm:txPr/>
+    <dgm:style>
+      <a:lnRef idx="2">
+        <a:scrgbClr r="0" g="0" b="0"/>
+      </a:lnRef>
+      <a:fillRef idx="1">
+        <a:scrgbClr r="0" g="0" b="0"/>
+      </a:fillRef>
+      <a:effectRef idx="0">
+        <a:scrgbClr r="0" g="0" b="0"/>
+      </a:effectRef>
+      <a:fontRef idx="minor"/>
+    </dgm:style>
+  </dgm:styleLbl>
+  <dgm:styleLbl name="bgImgPlace1">
+    <dgm:scene3d>
+      <a:camera prst="orthographicFront"/>
+      <a:lightRig rig="threePt" dir="t"/>
+    </dgm:scene3d>
+    <dgm:sp3d/>
+    <dgm:txPr/>
+    <dgm:style>
+      <a:lnRef idx="2">
+        <a:scrgbClr r="0" g="0" b="0"/>
+      </a:lnRef>
+      <a:fillRef idx="1">
+        <a:scrgbClr r="0" g="0" b="0"/>
+      </a:fillRef>
+      <a:effectRef idx="0">
+        <a:scrgbClr r="0" g="0" b="0"/>
+      </a:effectRef>
+      <a:fontRef idx="minor"/>
+    </dgm:style>
+  </dgm:styleLbl>
+  <dgm:styleLbl name="sibTrans2D1">
+    <dgm:scene3d>
+      <a:camera prst="orthographicFront"/>
+      <a:lightRig rig="threePt" dir="t"/>
+    </dgm:scene3d>
+    <dgm:sp3d/>
+    <dgm:txPr/>
+    <dgm:style>
+      <a:lnRef idx="0">
+        <a:scrgbClr r="0" g="0" b="0"/>
+      </a:lnRef>
+      <a:fillRef idx="1">
+        <a:scrgbClr r="0" g="0" b="0"/>
+      </a:fillRef>
+      <a:effectRef idx="0">
+        <a:scrgbClr r="0" g="0" b="0"/>
+      </a:effectRef>
+      <a:fontRef idx="minor">
+        <a:schemeClr val="lt1"/>
+      </a:fontRef>
+    </dgm:style>
+  </dgm:styleLbl>
+  <dgm:styleLbl name="fgSibTrans2D1">
+    <dgm:scene3d>
+      <a:camera prst="orthographicFront"/>
+      <a:lightRig rig="threePt" dir="t"/>
+    </dgm:scene3d>
+    <dgm:sp3d/>
+    <dgm:txPr/>
+    <dgm:style>
+      <a:lnRef idx="0">
+        <a:scrgbClr r="0" g="0" b="0"/>
+      </a:lnRef>
+      <a:fillRef idx="1">
+        <a:scrgbClr r="0" g="0" b="0"/>
+      </a:fillRef>
+      <a:effectRef idx="0">
+        <a:scrgbClr r="0" g="0" b="0"/>
+      </a:effectRef>
+      <a:fontRef idx="minor">
+        <a:schemeClr val="lt1"/>
+      </a:fontRef>
+    </dgm:style>
+  </dgm:styleLbl>
+  <dgm:styleLbl name="bgSibTrans2D1">
+    <dgm:scene3d>
+      <a:camera prst="orthographicFront"/>
+      <a:lightRig rig="threePt" dir="t"/>
+    </dgm:scene3d>
+    <dgm:sp3d/>
+    <dgm:txPr/>
+    <dgm:style>
+      <a:lnRef idx="0">
+        <a:scrgbClr r="0" g="0" b="0"/>
+      </a:lnRef>
+      <a:fillRef idx="1">
+        <a:scrgbClr r="0" g="0" b="0"/>
+      </a:fillRef>
+      <a:effectRef idx="0">
+        <a:scrgbClr r="0" g="0" b="0"/>
+      </a:effectRef>
+      <a:fontRef idx="minor">
+        <a:schemeClr val="lt1"/>
+      </a:fontRef>
+    </dgm:style>
+  </dgm:styleLbl>
+  <dgm:styleLbl name="sibTrans1D1">
+    <dgm:scene3d>
+      <a:camera prst="orthographicFront"/>
+      <a:lightRig rig="threePt" dir="t"/>
+    </dgm:scene3d>
+    <dgm:sp3d/>
+    <dgm:txPr/>
+    <dgm:style>
+      <a:lnRef idx="1">
+        <a:scrgbClr r="0" g="0" b="0"/>
+      </a:lnRef>
+      <a:fillRef idx="0">
+        <a:scrgbClr r="0" g="0" b="0"/>
+      </a:fillRef>
+      <a:effectRef idx="0">
+        <a:scrgbClr r="0" g="0" b="0"/>
+      </a:effectRef>
+      <a:fontRef idx="minor"/>
+    </dgm:style>
+  </dgm:styleLbl>
+  <dgm:styleLbl name="callout">
+    <dgm:scene3d>
+      <a:camera prst="orthographicFront"/>
+      <a:lightRig rig="threePt" dir="t"/>
+    </dgm:scene3d>
+    <dgm:sp3d/>
+    <dgm:txPr/>
+    <dgm:style>
+      <a:lnRef idx="2">
+        <a:scrgbClr r="0" g="0" b="0"/>
+      </a:lnRef>
+      <a:fillRef idx="1">
+        <a:scrgbClr r="0" g="0" b="0"/>
+      </a:fillRef>
+      <a:effectRef idx="0">
+        <a:scrgbClr r="0" g="0" b="0"/>
+      </a:effectRef>
+      <a:fontRef idx="minor"/>
+    </dgm:style>
+  </dgm:styleLbl>
+  <dgm:styleLbl name="asst0">
+    <dgm:scene3d>
+      <a:camera prst="orthographicFront"/>
+      <a:lightRig rig="threePt" dir="t"/>
+    </dgm:scene3d>
+    <dgm:sp3d/>
+    <dgm:txPr/>
+    <dgm:style>
+      <a:lnRef idx="2">
+        <a:scrgbClr r="0" g="0" b="0"/>
+      </a:lnRef>
+      <a:fillRef idx="1">
+        <a:scrgbClr r="0" g="0" b="0"/>
+      </a:fillRef>
+      <a:effectRef idx="0">
+        <a:scrgbClr r="0" g="0" b="0"/>
+      </a:effectRef>
+      <a:fontRef idx="minor">
+        <a:schemeClr val="lt1"/>
+      </a:fontRef>
+    </dgm:style>
+  </dgm:styleLbl>
+  <dgm:styleLbl name="asst1">
+    <dgm:scene3d>
+      <a:camera prst="orthographicFront"/>
+      <a:lightRig rig="threePt" dir="t"/>
+    </dgm:scene3d>
+    <dgm:sp3d/>
+    <dgm:txPr/>
+    <dgm:style>
+      <a:lnRef idx="2">
+        <a:scrgbClr r="0" g="0" b="0"/>
+      </a:lnRef>
+      <a:fillRef idx="1">
+        <a:scrgbClr r="0" g="0" b="0"/>
+      </a:fillRef>
+      <a:effectRef idx="0">
+        <a:scrgbClr r="0" g="0" b="0"/>
+      </a:effectRef>
+      <a:fontRef idx="minor">
+        <a:schemeClr val="lt1"/>
+      </a:fontRef>
+    </dgm:style>
+  </dgm:styleLbl>
+  <dgm:styleLbl name="asst2">
+    <dgm:scene3d>
+      <a:camera prst="orthographicFront"/>
+      <a:lightRig rig="threePt" dir="t"/>
+    </dgm:scene3d>
+    <dgm:sp3d/>
+    <dgm:txPr/>
+    <dgm:style>
+      <a:lnRef idx="2">
+        <a:scrgbClr r="0" g="0" b="0"/>
+      </a:lnRef>
+      <a:fillRef idx="1">
+        <a:scrgbClr r="0" g="0" b="0"/>
+      </a:fillRef>
+      <a:effectRef idx="0">
+        <a:scrgbClr r="0" g="0" b="0"/>
+      </a:effectRef>
+      <a:fontRef idx="minor">
+        <a:schemeClr val="lt1"/>
+      </a:fontRef>
+    </dgm:style>
+  </dgm:styleLbl>
+  <dgm:styleLbl name="asst3">
+    <dgm:scene3d>
+      <a:camera prst="orthographicFront"/>
+      <a:lightRig rig="threePt" dir="t"/>
+    </dgm:scene3d>
+    <dgm:sp3d/>
+    <dgm:txPr/>
+    <dgm:style>
+      <a:lnRef idx="2">
+        <a:scrgbClr r="0" g="0" b="0"/>
+      </a:lnRef>
+      <a:fillRef idx="1">
+        <a:scrgbClr r="0" g="0" b="0"/>
+      </a:fillRef>
+      <a:effectRef idx="0">
+        <a:scrgbClr r="0" g="0" b="0"/>
+      </a:effectRef>
+      <a:fontRef idx="minor">
+        <a:schemeClr val="lt1"/>
+      </a:fontRef>
+    </dgm:style>
+  </dgm:styleLbl>
+  <dgm:styleLbl name="asst4">
+    <dgm:scene3d>
+      <a:camera prst="orthographicFront"/>
+      <a:lightRig rig="threePt" dir="t"/>
+    </dgm:scene3d>
+    <dgm:sp3d/>
+    <dgm:txPr/>
+    <dgm:style>
+      <a:lnRef idx="2">
+        <a:scrgbClr r="0" g="0" b="0"/>
+      </a:lnRef>
+      <a:fillRef idx="1">
+        <a:scrgbClr r="0" g="0" b="0"/>
+      </a:fillRef>
+      <a:effectRef idx="0">
+        <a:scrgbClr r="0" g="0" b="0"/>
+      </a:effectRef>
+      <a:fontRef idx="minor">
+        <a:schemeClr val="lt1"/>
+      </a:fontRef>
+    </dgm:style>
+  </dgm:styleLbl>
+  <dgm:styleLbl name="parChTrans2D1">
+    <dgm:scene3d>
+      <a:camera prst="orthographicFront"/>
+      <a:lightRig rig="threePt" dir="t"/>
+    </dgm:scene3d>
+    <dgm:sp3d/>
+    <dgm:txPr/>
+    <dgm:style>
+      <a:lnRef idx="2">
+        <a:scrgbClr r="0" g="0" b="0"/>
+      </a:lnRef>
+      <a:fillRef idx="1">
+        <a:scrgbClr r="0" g="0" b="0"/>
+      </a:fillRef>
+      <a:effectRef idx="0">
+        <a:scrgbClr r="0" g="0" b="0"/>
+      </a:effectRef>
+      <a:fontRef idx="minor">
+        <a:schemeClr val="lt1"/>
+      </a:fontRef>
+    </dgm:style>
+  </dgm:styleLbl>
+  <dgm:styleLbl name="parChTrans2D2">
+    <dgm:scene3d>
+      <a:camera prst="orthographicFront"/>
+      <a:lightRig rig="threePt" dir="t"/>
+    </dgm:scene3d>
+    <dgm:sp3d/>
+    <dgm:txPr/>
+    <dgm:style>
+      <a:lnRef idx="2">
+        <a:scrgbClr r="0" g="0" b="0"/>
+      </a:lnRef>
+      <a:fillRef idx="1">
+        <a:scrgbClr r="0" g="0" b="0"/>
+      </a:fillRef>
+      <a:effectRef idx="0">
+        <a:scrgbClr r="0" g="0" b="0"/>
+      </a:effectRef>
+      <a:fontRef idx="minor">
+        <a:schemeClr val="lt1"/>
+      </a:fontRef>
+    </dgm:style>
+  </dgm:styleLbl>
+  <dgm:styleLbl name="parChTrans2D3">
+    <dgm:scene3d>
+      <a:camera prst="orthographicFront"/>
+      <a:lightRig rig="threePt" dir="t"/>
+    </dgm:scene3d>
+    <dgm:sp3d/>
+    <dgm:txPr/>
+    <dgm:style>
+      <a:lnRef idx="2">
+        <a:scrgbClr r="0" g="0" b="0"/>
+      </a:lnRef>
+      <a:fillRef idx="1">
+        <a:scrgbClr r="0" g="0" b="0"/>
+      </a:fillRef>
+      <a:effectRef idx="0">
+        <a:scrgbClr r="0" g="0" b="0"/>
+      </a:effectRef>
+      <a:fontRef idx="minor">
+        <a:schemeClr val="lt1"/>
+      </a:fontRef>
+    </dgm:style>
+  </dgm:styleLbl>
+  <dgm:styleLbl name="parChTrans2D4">
+    <dgm:scene3d>
+      <a:camera prst="orthographicFront"/>
+      <a:lightRig rig="threePt" dir="t"/>
+    </dgm:scene3d>
+    <dgm:sp3d/>
+    <dgm:txPr/>
+    <dgm:style>
+      <a:lnRef idx="2">
+        <a:scrgbClr r="0" g="0" b="0"/>
+      </a:lnRef>
+      <a:fillRef idx="1">
+        <a:scrgbClr r="0" g="0" b="0"/>
+      </a:fillRef>
+      <a:effectRef idx="0">
+        <a:scrgbClr r="0" g="0" b="0"/>
+      </a:effectRef>
+      <a:fontRef idx="minor">
+        <a:schemeClr val="lt1"/>
+      </a:fontRef>
+    </dgm:style>
+  </dgm:styleLbl>
+  <dgm:styleLbl name="parChTrans1D1">
+    <dgm:scene3d>
+      <a:camera prst="orthographicFront"/>
+      <a:lightRig rig="threePt" dir="t"/>
+    </dgm:scene3d>
+    <dgm:sp3d/>
+    <dgm:txPr/>
+    <dgm:style>
+      <a:lnRef idx="2">
+        <a:scrgbClr r="0" g="0" b="0"/>
+      </a:lnRef>
+      <a:fillRef idx="0">
+        <a:scrgbClr r="0" g="0" b="0"/>
+      </a:fillRef>
+      <a:effectRef idx="0">
+        <a:scrgbClr r="0" g="0" b="0"/>
+      </a:effectRef>
+      <a:fontRef idx="minor"/>
+    </dgm:style>
+  </dgm:styleLbl>
+  <dgm:styleLbl name="parChTrans1D2">
+    <dgm:scene3d>
+      <a:camera prst="orthographicFront"/>
+      <a:lightRig rig="threePt" dir="t"/>
+    </dgm:scene3d>
+    <dgm:sp3d/>
+    <dgm:txPr/>
+    <dgm:style>
+      <a:lnRef idx="2">
+        <a:scrgbClr r="0" g="0" b="0"/>
+      </a:lnRef>
+      <a:fillRef idx="0">
+        <a:scrgbClr r="0" g="0" b="0"/>
+      </a:fillRef>
+      <a:effectRef idx="0">
+        <a:scrgbClr r="0" g="0" b="0"/>
+      </a:effectRef>
+      <a:fontRef idx="minor"/>
+    </dgm:style>
+  </dgm:styleLbl>
+  <dgm:styleLbl name="parChTrans1D3">
+    <dgm:scene3d>
+      <a:camera prst="orthographicFront"/>
+      <a:lightRig rig="threePt" dir="t"/>
+    </dgm:scene3d>
+    <dgm:sp3d/>
+    <dgm:txPr/>
+    <dgm:style>
+      <a:lnRef idx="2">
+        <a:scrgbClr r="0" g="0" b="0"/>
+      </a:lnRef>
+      <a:fillRef idx="0">
+        <a:scrgbClr r="0" g="0" b="0"/>
+      </a:fillRef>
+      <a:effectRef idx="0">
+        <a:scrgbClr r="0" g="0" b="0"/>
+      </a:effectRef>
+      <a:fontRef idx="minor"/>
+    </dgm:style>
+  </dgm:styleLbl>
+  <dgm:styleLbl name="parChTrans1D4">
+    <dgm:scene3d>
+      <a:camera prst="orthographicFront"/>
+      <a:lightRig rig="threePt" dir="t"/>
+    </dgm:scene3d>
+    <dgm:sp3d/>
+    <dgm:txPr/>
+    <dgm:style>
+      <a:lnRef idx="2">
+        <a:scrgbClr r="0" g="0" b="0"/>
+      </a:lnRef>
+      <a:fillRef idx="0">
+        <a:scrgbClr r="0" g="0" b="0"/>
+      </a:fillRef>
+      <a:effectRef idx="0">
+        <a:scrgbClr r="0" g="0" b="0"/>
+      </a:effectRef>
+      <a:fontRef idx="minor"/>
+    </dgm:style>
+  </dgm:styleLbl>
+  <dgm:styleLbl name="fgAcc1">
+    <dgm:scene3d>
+      <a:camera prst="orthographicFront"/>
+      <a:lightRig rig="threePt" dir="t"/>
+    </dgm:scene3d>
+    <dgm:sp3d/>
+    <dgm:txPr/>
+    <dgm:style>
+      <a:lnRef idx="2">
+        <a:scrgbClr r="0" g="0" b="0"/>
+      </a:lnRef>
+      <a:fillRef idx="1">
+        <a:scrgbClr r="0" g="0" b="0"/>
+      </a:fillRef>
+      <a:effectRef idx="0">
+        <a:scrgbClr r="0" g="0" b="0"/>
+      </a:effectRef>
+      <a:fontRef idx="minor"/>
+    </dgm:style>
+  </dgm:styleLbl>
+  <dgm:styleLbl name="conFgAcc1">
+    <dgm:scene3d>
+      <a:camera prst="orthographicFront"/>
+      <a:lightRig rig="threePt" dir="t"/>
+    </dgm:scene3d>
+    <dgm:sp3d/>
+    <dgm:txPr/>
+    <dgm:style>
+      <a:lnRef idx="2">
+        <a:scrgbClr r="0" g="0" b="0"/>
+      </a:lnRef>
+      <a:fillRef idx="1">
+        <a:scrgbClr r="0" g="0" b="0"/>
+      </a:fillRef>
+      <a:effectRef idx="0">
+        <a:scrgbClr r="0" g="0" b="0"/>
+      </a:effectRef>
+      <a:fontRef idx="minor"/>
+    </dgm:style>
+  </dgm:styleLbl>
+  <dgm:styleLbl name="alignAcc1">
+    <dgm:scene3d>
+      <a:camera prst="orthographicFront"/>
+      <a:lightRig rig="threePt" dir="t"/>
+    </dgm:scene3d>
+    <dgm:sp3d/>
+    <dgm:txPr/>
+    <dgm:style>
+      <a:lnRef idx="2">
+        <a:scrgbClr r="0" g="0" b="0"/>
+      </a:lnRef>
+      <a:fillRef idx="1">
+        <a:scrgbClr r="0" g="0" b="0"/>
+      </a:fillRef>
+      <a:effectRef idx="0">
+        <a:scrgbClr r="0" g="0" b="0"/>
+      </a:effectRef>
+      <a:fontRef idx="minor"/>
+    </dgm:style>
+  </dgm:styleLbl>
+  <dgm:styleLbl name="trAlignAcc1">
+    <dgm:scene3d>
+      <a:camera prst="orthographicFront"/>
+      <a:lightRig rig="threePt" dir="t"/>
+    </dgm:scene3d>
+    <dgm:sp3d/>
+    <dgm:txPr/>
+    <dgm:style>
+      <a:lnRef idx="1">
+        <a:scrgbClr r="0" g="0" b="0"/>
+      </a:lnRef>
+      <a:fillRef idx="1">
+        <a:scrgbClr r="0" g="0" b="0"/>
+      </a:fillRef>
+      <a:effectRef idx="0">
+        <a:scrgbClr r="0" g="0" b="0"/>
+      </a:effectRef>
+      <a:fontRef idx="minor"/>
+    </dgm:style>
+  </dgm:styleLbl>
+  <dgm:styleLbl name="bgAcc1">
+    <dgm:scene3d>
+      <a:camera prst="orthographicFront"/>
+      <a:lightRig rig="threePt" dir="t"/>
+    </dgm:scene3d>
+    <dgm:sp3d/>
+    <dgm:txPr/>
+    <dgm:style>
+      <a:lnRef idx="2">
+        <a:scrgbClr r="0" g="0" b="0"/>
+      </a:lnRef>
+      <a:fillRef idx="1">
+        <a:scrgbClr r="0" g="0" b="0"/>
+      </a:fillRef>
+      <a:effectRef idx="0">
+        <a:scrgbClr r="0" g="0" b="0"/>
+      </a:effectRef>
+      <a:fontRef idx="minor"/>
+    </dgm:style>
+  </dgm:styleLbl>
+  <dgm:styleLbl name="solidFgAcc1">
+    <dgm:scene3d>
+      <a:camera prst="orthographicFront"/>
+      <a:lightRig rig="threePt" dir="t"/>
+    </dgm:scene3d>
+    <dgm:sp3d/>
+    <dgm:txPr/>
+    <dgm:style>
+      <a:lnRef idx="2">
+        <a:scrgbClr r="0" g="0" b="0"/>
+      </a:lnRef>
+      <a:fillRef idx="1">
+        <a:scrgbClr r="0" g="0" b="0"/>
+      </a:fillRef>
+      <a:effectRef idx="0">
+        <a:scrgbClr r="0" g="0" b="0"/>
+      </a:effectRef>
+      <a:fontRef idx="minor"/>
+    </dgm:style>
+  </dgm:styleLbl>
+  <dgm:styleLbl name="solidAlignAcc1">
+    <dgm:scene3d>
+      <a:camera prst="orthographicFront"/>
+      <a:lightRig rig="threePt" dir="t"/>
+    </dgm:scene3d>
+    <dgm:sp3d/>
+    <dgm:txPr/>
+    <dgm:style>
+      <a:lnRef idx="2">
+        <a:scrgbClr r="0" g="0" b="0"/>
+      </a:lnRef>
+      <a:fillRef idx="1">
+        <a:scrgbClr r="0" g="0" b="0"/>
+      </a:fillRef>
+      <a:effectRef idx="0">
+        <a:scrgbClr r="0" g="0" b="0"/>
+      </a:effectRef>
+      <a:fontRef idx="minor"/>
+    </dgm:style>
+  </dgm:styleLbl>
+  <dgm:styleLbl name="solidBgAcc1">
+    <dgm:scene3d>
+      <a:camera prst="orthographicFront"/>
+      <a:lightRig rig="threePt" dir="t"/>
+    </dgm:scene3d>
+    <dgm:sp3d/>
+    <dgm:txPr/>
+    <dgm:style>
+      <a:lnRef idx="2">
+        <a:scrgbClr r="0" g="0" b="0"/>
+      </a:lnRef>
+      <a:fillRef idx="1">
+        <a:scrgbClr r="0" g="0" b="0"/>
+      </a:fillRef>
+      <a:effectRef idx="0">
+        <a:scrgbClr r="0" g="0" b="0"/>
+      </a:effectRef>
+      <a:fontRef idx="minor"/>
+    </dgm:style>
+  </dgm:styleLbl>
+  <dgm:styleLbl name="fgAccFollowNode1">
+    <dgm:scene3d>
+      <a:camera prst="orthographicFront"/>
+      <a:lightRig rig="threePt" dir="t"/>
+    </dgm:scene3d>
+    <dgm:sp3d/>
+    <dgm:txPr/>
+    <dgm:style>
+      <a:lnRef idx="2">
+        <a:scrgbClr r="0" g="0" b="0"/>
+      </a:lnRef>
+      <a:fillRef idx="1">
+        <a:scrgbClr r="0" g="0" b="0"/>
+      </a:fillRef>
+      <a:effectRef idx="0">
+        <a:scrgbClr r="0" g="0" b="0"/>
+      </a:effectRef>
+      <a:fontRef idx="minor"/>
+    </dgm:style>
+  </dgm:styleLbl>
+  <dgm:styleLbl name="alignAccFollowNode1">
+    <dgm:scene3d>
+      <a:camera prst="orthographicFront"/>
+      <a:lightRig rig="threePt" dir="t"/>
+    </dgm:scene3d>
+    <dgm:sp3d/>
+    <dgm:txPr/>
+    <dgm:style>
+      <a:lnRef idx="2">
+        <a:scrgbClr r="0" g="0" b="0"/>
+      </a:lnRef>
+      <a:fillRef idx="1">
+        <a:scrgbClr r="0" g="0" b="0"/>
+      </a:fillRef>
+      <a:effectRef idx="0">
+        <a:scrgbClr r="0" g="0" b="0"/>
+      </a:effectRef>
+      <a:fontRef idx="minor"/>
+    </dgm:style>
+  </dgm:styleLbl>
+  <dgm:styleLbl name="bgAccFollowNode1">
+    <dgm:scene3d>
+      <a:camera prst="orthographicFront"/>
+      <a:lightRig rig="threePt" dir="t"/>
+    </dgm:scene3d>
+    <dgm:sp3d/>
+    <dgm:txPr/>
+    <dgm:style>
+      <a:lnRef idx="2">
+        <a:scrgbClr r="0" g="0" b="0"/>
+      </a:lnRef>
+      <a:fillRef idx="1">
+        <a:scrgbClr r="0" g="0" b="0"/>
+      </a:fillRef>
+      <a:effectRef idx="0">
+        <a:scrgbClr r="0" g="0" b="0"/>
+      </a:effectRef>
+      <a:fontRef idx="minor"/>
+    </dgm:style>
+  </dgm:styleLbl>
+  <dgm:styleLbl name="fgAcc0">
+    <dgm:scene3d>
+      <a:camera prst="orthographicFront"/>
+      <a:lightRig rig="threePt" dir="t"/>
+    </dgm:scene3d>
+    <dgm:sp3d/>
+    <dgm:txPr/>
+    <dgm:style>
+      <a:lnRef idx="2">
+        <a:scrgbClr r="0" g="0" b="0"/>
+      </a:lnRef>
+      <a:fillRef idx="1">
+        <a:scrgbClr r="0" g="0" b="0"/>
+      </a:fillRef>
+      <a:effectRef idx="0">
+        <a:scrgbClr r="0" g="0" b="0"/>
+      </a:effectRef>
+      <a:fontRef idx="minor"/>
+    </dgm:style>
+  </dgm:styleLbl>
+  <dgm:styleLbl name="fgAcc2">
+    <dgm:scene3d>
+      <a:camera prst="orthographicFront"/>
+      <a:lightRig rig="threePt" dir="t"/>
+    </dgm:scene3d>
+    <dgm:sp3d/>
+    <dgm:txPr/>
+    <dgm:style>
+      <a:lnRef idx="2">
+        <a:scrgbClr r="0" g="0" b="0"/>
+      </a:lnRef>
+      <a:fillRef idx="1">
+        <a:scrgbClr r="0" g="0" b="0"/>
+      </a:fillRef>
+      <a:effectRef idx="0">
+        <a:scrgbClr r="0" g="0" b="0"/>
+      </a:effectRef>
+      <a:fontRef idx="minor"/>
+    </dgm:style>
+  </dgm:styleLbl>
+  <dgm:styleLbl name="fgAcc3">
+    <dgm:scene3d>
+      <a:camera prst="orthographicFront"/>
+      <a:lightRig rig="threePt" dir="t"/>
+    </dgm:scene3d>
+    <dgm:sp3d/>
+    <dgm:txPr/>
+    <dgm:style>
+      <a:lnRef idx="2">
+        <a:scrgbClr r="0" g="0" b="0"/>
+      </a:lnRef>
+      <a:fillRef idx="1">
+        <a:scrgbClr r="0" g="0" b="0"/>
+      </a:fillRef>
+      <a:effectRef idx="0">
+        <a:scrgbClr r="0" g="0" b="0"/>
+      </a:effectRef>
+      <a:fontRef idx="minor"/>
+    </dgm:style>
+  </dgm:styleLbl>
+  <dgm:styleLbl name="fgAcc4">
+    <dgm:scene3d>
+      <a:camera prst="orthographicFront"/>
+      <a:lightRig rig="threePt" dir="t"/>
+    </dgm:scene3d>
+    <dgm:sp3d/>
+    <dgm:txPr/>
+    <dgm:style>
+      <a:lnRef idx="2">
+        <a:scrgbClr r="0" g="0" b="0"/>
+      </a:lnRef>
+      <a:fillRef idx="1">
+        <a:scrgbClr r="0" g="0" b="0"/>
+      </a:fillRef>
+      <a:effectRef idx="0">
+        <a:scrgbClr r="0" g="0" b="0"/>
+      </a:effectRef>
+      <a:fontRef idx="minor"/>
+    </dgm:style>
+  </dgm:styleLbl>
+  <dgm:styleLbl name="bgShp">
+    <dgm:scene3d>
+      <a:camera prst="orthographicFront"/>
+      <a:lightRig rig="threePt" dir="t"/>
+    </dgm:scene3d>
+    <dgm:sp3d/>
+    <dgm:txPr/>
+    <dgm:style>
+      <a:lnRef idx="0">
+        <a:scrgbClr r="0" g="0" b="0"/>
+      </a:lnRef>
+      <a:fillRef idx="1">
+        <a:scrgbClr r="0" g="0" b="0"/>
+      </a:fillRef>
+      <a:effectRef idx="0">
+        <a:scrgbClr r="0" g="0" b="0"/>
+      </a:effectRef>
+      <a:fontRef idx="minor"/>
+    </dgm:style>
+  </dgm:styleLbl>
+  <dgm:styleLbl name="dkBgShp">
+    <dgm:scene3d>
+      <a:camera prst="orthographicFront"/>
+      <a:lightRig rig="threePt" dir="t"/>
+    </dgm:scene3d>
+    <dgm:sp3d/>
+    <dgm:txPr/>
+    <dgm:style>
+      <a:lnRef idx="0">
+        <a:scrgbClr r="0" g="0" b="0"/>
+      </a:lnRef>
+      <a:fillRef idx="1">
+        <a:scrgbClr r="0" g="0" b="0"/>
+      </a:fillRef>
+      <a:effectRef idx="0">
+        <a:scrgbClr r="0" g="0" b="0"/>
+      </a:effectRef>
+      <a:fontRef idx="minor"/>
+    </dgm:style>
+  </dgm:styleLbl>
+  <dgm:styleLbl name="trBgShp">
+    <dgm:scene3d>
+      <a:camera prst="orthographicFront"/>
+      <a:lightRig rig="threePt" dir="t"/>
+    </dgm:scene3d>
+    <dgm:sp3d/>
+    <dgm:txPr/>
+    <dgm:style>
+      <a:lnRef idx="0">
+        <a:scrgbClr r="0" g="0" b="0"/>
+      </a:lnRef>
+      <a:fillRef idx="1">
+        <a:scrgbClr r="0" g="0" b="0"/>
+      </a:fillRef>
+      <a:effectRef idx="0">
+        <a:scrgbClr r="0" g="0" b="0"/>
+      </a:effectRef>
+      <a:fontRef idx="minor"/>
+    </dgm:style>
+  </dgm:styleLbl>
+  <dgm:styleLbl name="fgShp">
+    <dgm:scene3d>
+      <a:camera prst="orthographicFront"/>
+      <a:lightRig rig="threePt" dir="t"/>
+    </dgm:scene3d>
+    <dgm:sp3d/>
+    <dgm:txPr/>
+    <dgm:style>
+      <a:lnRef idx="2">
+        <a:scrgbClr r="0" g="0" b="0"/>
+      </a:lnRef>
+      <a:fillRef idx="1">
+        <a:scrgbClr r="0" g="0" b="0"/>
+      </a:fillRef>
+      <a:effectRef idx="0">
+        <a:scrgbClr r="0" g="0" b="0"/>
+      </a:effectRef>
+      <a:fontRef idx="minor"/>
+    </dgm:style>
+  </dgm:styleLbl>
+  <dgm:styleLbl name="revTx">
+    <dgm:scene3d>
+      <a:camera prst="orthographicFront"/>
+      <a:lightRig rig="threePt" dir="t"/>
+    </dgm:scene3d>
+    <dgm:sp3d/>
+    <dgm:txPr/>
+    <dgm:style>
+      <a:lnRef idx="0">
+        <a:scrgbClr r="0" g="0" b="0"/>
+      </a:lnRef>
+      <a:fillRef idx="0">
+        <a:scrgbClr r="0" g="0" b="0"/>
+      </a:fillRef>
+      <a:effectRef idx="0">
+        <a:scrgbClr r="0" g="0" b="0"/>
+      </a:effectRef>
+      <a:fontRef idx="minor"/>
+    </dgm:style>
+  </dgm:styleLbl>
+</dgm:styleDef>
+</file>
+
+<file path=ppt/diagrams/quickStyle5.xml><?xml version="1.0" encoding="utf-8"?>
 <dgm:styleDef xmlns:dgm="http://schemas.openxmlformats.org/drawingml/2006/diagram" xmlns:a="http://schemas.openxmlformats.org/drawingml/2006/main" uniqueId="urn:microsoft.com/office/officeart/2005/8/quickstyle/simple1">
   <dgm:title val=""/>
   <dgm:desc val=""/>
@@ -38641,7 +42149,7 @@
           <p:cNvPr id="2" name="Title 1">
             <a:extLst>
               <a:ext uri="{FF2B5EF4-FFF2-40B4-BE49-F238E27FC236}">
-                <a16:creationId xmlns:a16="http://schemas.microsoft.com/office/drawing/2014/main" id="{A9F02B21-963F-4AD4-9D23-75C086D37EBC}"/>
+                <a16:creationId xmlns:a16="http://schemas.microsoft.com/office/drawing/2014/main" id="{F3D2E22A-E27C-4F23-85B7-142D2C1E16E7}"/>
               </a:ext>
             </a:extLst>
           </p:cNvPr>
@@ -38654,8 +42162,8 @@
         </p:nvSpPr>
         <p:spPr>
           <a:xfrm>
-            <a:off x="1143001" y="273961"/>
-            <a:ext cx="9905998" cy="918735"/>
+            <a:off x="1143001" y="154495"/>
+            <a:ext cx="9905998" cy="664372"/>
           </a:xfrm>
         </p:spPr>
         <p:txBody>
@@ -38664,96 +42172,44 @@
           <a:p>
             <a:r>
               <a:rPr lang="en-US" dirty="0"/>
-              <a:t>Industry 4.0</a:t>
+              <a:t>Industrial Revolution</a:t>
             </a:r>
             <a:endParaRPr lang="en-IN" dirty="0"/>
           </a:p>
         </p:txBody>
       </p:sp>
-      <p:sp>
-        <p:nvSpPr>
-          <p:cNvPr id="4" name="TextBox 3">
+      <p:graphicFrame>
+        <p:nvGraphicFramePr>
+          <p:cNvPr id="3" name="Diagram 2">
             <a:extLst>
               <a:ext uri="{FF2B5EF4-FFF2-40B4-BE49-F238E27FC236}">
-                <a16:creationId xmlns:a16="http://schemas.microsoft.com/office/drawing/2014/main" id="{FF15254C-9A48-471F-A1F7-52E6790A56E9}"/>
+                <a16:creationId xmlns:a16="http://schemas.microsoft.com/office/drawing/2014/main" id="{9D883C59-961F-4907-B2A6-899FC747B319}"/>
               </a:ext>
             </a:extLst>
           </p:cNvPr>
-          <p:cNvSpPr txBox="1"/>
-          <p:nvPr/>
-        </p:nvSpPr>
-        <p:spPr>
-          <a:xfrm>
-            <a:off x="781877" y="1747558"/>
-            <a:ext cx="10267121" cy="1754326"/>
-          </a:xfrm>
-          <a:prstGeom prst="rect">
-            <a:avLst/>
-          </a:prstGeom>
-          <a:noFill/>
-        </p:spPr>
-        <p:txBody>
-          <a:bodyPr wrap="square">
-            <a:spAutoFit/>
-          </a:bodyPr>
-          <a:lstStyle/>
-          <a:p>
-            <a:r>
-              <a:rPr lang="en-US" b="0" i="0" dirty="0">
-                <a:solidFill>
-                  <a:srgbClr val="000000"/>
-                </a:solidFill>
-                <a:effectLst/>
-                <a:latin typeface="Open Sans"/>
-              </a:rPr>
-              <a:t>The term Industry 4.0 that is strongly pushed by the German government is as limited as the industrial internet in reach as it only focuses on manufacturing environments. However, it has the largest scope of all the concepts. Industry 4.0 describes a set of concepts to drive the next industrial revolution. That includes all kinds of connectivity concepts in the industrial context. However, it goes further and includes real changes to the physical world around us such as 3D-printing technologies or the introduction of new augmented reality hardware.</a:t>
-            </a:r>
-            <a:endParaRPr lang="en-IN" dirty="0"/>
-          </a:p>
-        </p:txBody>
-      </p:sp>
-      <p:sp>
-        <p:nvSpPr>
-          <p:cNvPr id="6" name="TextBox 5">
-            <a:extLst>
-              <a:ext uri="{FF2B5EF4-FFF2-40B4-BE49-F238E27FC236}">
-                <a16:creationId xmlns:a16="http://schemas.microsoft.com/office/drawing/2014/main" id="{060D8F96-CD0E-4112-9904-0962FEFAB40F}"/>
-              </a:ext>
-            </a:extLst>
-          </p:cNvPr>
-          <p:cNvSpPr txBox="1"/>
-          <p:nvPr/>
-        </p:nvSpPr>
-        <p:spPr>
-          <a:xfrm>
-            <a:off x="1924877" y="5778813"/>
-            <a:ext cx="8332305" cy="369332"/>
-          </a:xfrm>
-          <a:prstGeom prst="rect">
-            <a:avLst/>
-          </a:prstGeom>
-          <a:noFill/>
-        </p:spPr>
-        <p:txBody>
-          <a:bodyPr wrap="square">
-            <a:spAutoFit/>
-          </a:bodyPr>
-          <a:lstStyle/>
-          <a:p>
-            <a:r>
-              <a:rPr lang="en-IN" dirty="0">
-                <a:hlinkClick r:id="rId2"/>
-              </a:rPr>
-              <a:t>Reference : https://iot-analytics.com/internet-of-things-definition/</a:t>
-            </a:r>
-            <a:endParaRPr lang="en-IN" dirty="0"/>
-          </a:p>
-        </p:txBody>
-      </p:sp>
+          <p:cNvGraphicFramePr/>
+          <p:nvPr>
+            <p:extLst>
+              <p:ext uri="{D42A27DB-BD31-4B8C-83A1-F6EECF244321}">
+                <p14:modId xmlns:p14="http://schemas.microsoft.com/office/powerpoint/2010/main" val="1951373508"/>
+              </p:ext>
+            </p:extLst>
+          </p:nvPr>
+        </p:nvGraphicFramePr>
+        <p:xfrm>
+          <a:off x="882554" y="818866"/>
+          <a:ext cx="10895463" cy="6039133"/>
+        </p:xfrm>
+        <a:graphic>
+          <a:graphicData uri="http://schemas.openxmlformats.org/drawingml/2006/diagram">
+            <dgm:relIds xmlns:dgm="http://schemas.openxmlformats.org/drawingml/2006/diagram" xmlns:r="http://schemas.openxmlformats.org/officeDocument/2006/relationships" r:dm="rId2" r:lo="rId3" r:qs="rId4" r:cs="rId5"/>
+          </a:graphicData>
+        </a:graphic>
+      </p:graphicFrame>
     </p:spTree>
     <p:extLst>
       <p:ext uri="{BB962C8B-B14F-4D97-AF65-F5344CB8AC3E}">
-        <p14:creationId xmlns:p14="http://schemas.microsoft.com/office/powerpoint/2010/main" val="920565346"/>
+        <p14:creationId xmlns:p14="http://schemas.microsoft.com/office/powerpoint/2010/main" val="4092669378"/>
       </p:ext>
     </p:extLst>
   </p:cSld>
